--- a/Work on Your ARM Strength.pptx
+++ b/Work on Your ARM Strength.pptx
@@ -7,7 +7,7 @@
     <p:sldMasterId id="2147483716" r:id="rId3"/>
   </p:sldMasterIdLst>
   <p:notesMasterIdLst>
-    <p:notesMasterId r:id="rId66"/>
+    <p:notesMasterId r:id="rId69"/>
   </p:notesMasterIdLst>
   <p:sldIdLst>
     <p:sldId id="261" r:id="rId4"/>
@@ -18,10 +18,10 @@
     <p:sldId id="289" r:id="rId9"/>
     <p:sldId id="283" r:id="rId10"/>
     <p:sldId id="291" r:id="rId11"/>
-    <p:sldId id="293" r:id="rId12"/>
+    <p:sldId id="295" r:id="rId12"/>
     <p:sldId id="294" r:id="rId13"/>
-    <p:sldId id="295" r:id="rId14"/>
-    <p:sldId id="296" r:id="rId15"/>
+    <p:sldId id="296" r:id="rId14"/>
+    <p:sldId id="293" r:id="rId15"/>
     <p:sldId id="314" r:id="rId16"/>
     <p:sldId id="335" r:id="rId17"/>
     <p:sldId id="336" r:id="rId18"/>
@@ -30,48 +30,51 @@
     <p:sldId id="312" r:id="rId21"/>
     <p:sldId id="313" r:id="rId22"/>
     <p:sldId id="343" r:id="rId23"/>
-    <p:sldId id="315" r:id="rId24"/>
-    <p:sldId id="264" r:id="rId25"/>
-    <p:sldId id="266" r:id="rId26"/>
-    <p:sldId id="267" r:id="rId27"/>
-    <p:sldId id="316" r:id="rId28"/>
-    <p:sldId id="270" r:id="rId29"/>
-    <p:sldId id="271" r:id="rId30"/>
-    <p:sldId id="320" r:id="rId31"/>
-    <p:sldId id="300" r:id="rId32"/>
-    <p:sldId id="301" r:id="rId33"/>
-    <p:sldId id="302" r:id="rId34"/>
-    <p:sldId id="338" r:id="rId35"/>
-    <p:sldId id="287" r:id="rId36"/>
-    <p:sldId id="286" r:id="rId37"/>
-    <p:sldId id="344" r:id="rId38"/>
-    <p:sldId id="339" r:id="rId39"/>
-    <p:sldId id="260" r:id="rId40"/>
-    <p:sldId id="303" r:id="rId41"/>
-    <p:sldId id="304" r:id="rId42"/>
-    <p:sldId id="319" r:id="rId43"/>
-    <p:sldId id="280" r:id="rId44"/>
-    <p:sldId id="306" r:id="rId45"/>
-    <p:sldId id="321" r:id="rId46"/>
-    <p:sldId id="309" r:id="rId47"/>
-    <p:sldId id="323" r:id="rId48"/>
-    <p:sldId id="322" r:id="rId49"/>
-    <p:sldId id="307" r:id="rId50"/>
-    <p:sldId id="324" r:id="rId51"/>
-    <p:sldId id="308" r:id="rId52"/>
-    <p:sldId id="342" r:id="rId53"/>
-    <p:sldId id="340" r:id="rId54"/>
-    <p:sldId id="337" r:id="rId55"/>
-    <p:sldId id="325" r:id="rId56"/>
-    <p:sldId id="326" r:id="rId57"/>
-    <p:sldId id="327" r:id="rId58"/>
-    <p:sldId id="328" r:id="rId59"/>
-    <p:sldId id="329" r:id="rId60"/>
-    <p:sldId id="330" r:id="rId61"/>
-    <p:sldId id="331" r:id="rId62"/>
-    <p:sldId id="332" r:id="rId63"/>
-    <p:sldId id="333" r:id="rId64"/>
-    <p:sldId id="334" r:id="rId65"/>
+    <p:sldId id="344" r:id="rId24"/>
+    <p:sldId id="346" r:id="rId25"/>
+    <p:sldId id="348" r:id="rId26"/>
+    <p:sldId id="347" r:id="rId27"/>
+    <p:sldId id="315" r:id="rId28"/>
+    <p:sldId id="264" r:id="rId29"/>
+    <p:sldId id="266" r:id="rId30"/>
+    <p:sldId id="267" r:id="rId31"/>
+    <p:sldId id="316" r:id="rId32"/>
+    <p:sldId id="270" r:id="rId33"/>
+    <p:sldId id="271" r:id="rId34"/>
+    <p:sldId id="320" r:id="rId35"/>
+    <p:sldId id="300" r:id="rId36"/>
+    <p:sldId id="301" r:id="rId37"/>
+    <p:sldId id="302" r:id="rId38"/>
+    <p:sldId id="338" r:id="rId39"/>
+    <p:sldId id="287" r:id="rId40"/>
+    <p:sldId id="286" r:id="rId41"/>
+    <p:sldId id="339" r:id="rId42"/>
+    <p:sldId id="260" r:id="rId43"/>
+    <p:sldId id="303" r:id="rId44"/>
+    <p:sldId id="304" r:id="rId45"/>
+    <p:sldId id="319" r:id="rId46"/>
+    <p:sldId id="280" r:id="rId47"/>
+    <p:sldId id="306" r:id="rId48"/>
+    <p:sldId id="321" r:id="rId49"/>
+    <p:sldId id="309" r:id="rId50"/>
+    <p:sldId id="323" r:id="rId51"/>
+    <p:sldId id="322" r:id="rId52"/>
+    <p:sldId id="307" r:id="rId53"/>
+    <p:sldId id="324" r:id="rId54"/>
+    <p:sldId id="308" r:id="rId55"/>
+    <p:sldId id="342" r:id="rId56"/>
+    <p:sldId id="340" r:id="rId57"/>
+    <p:sldId id="337" r:id="rId58"/>
+    <p:sldId id="325" r:id="rId59"/>
+    <p:sldId id="326" r:id="rId60"/>
+    <p:sldId id="327" r:id="rId61"/>
+    <p:sldId id="328" r:id="rId62"/>
+    <p:sldId id="329" r:id="rId63"/>
+    <p:sldId id="330" r:id="rId64"/>
+    <p:sldId id="331" r:id="rId65"/>
+    <p:sldId id="332" r:id="rId66"/>
+    <p:sldId id="333" r:id="rId67"/>
+    <p:sldId id="334" r:id="rId68"/>
   </p:sldIdLst>
   <p:sldSz cx="12192000" cy="6858000"/>
   <p:notesSz cx="6858000" cy="9144000"/>
@@ -187,10 +190,10 @@
             <p14:sldId id="289"/>
             <p14:sldId id="283"/>
             <p14:sldId id="291"/>
+            <p14:sldId id="295"/>
+            <p14:sldId id="294"/>
+            <p14:sldId id="296"/>
             <p14:sldId id="293"/>
-            <p14:sldId id="294"/>
-            <p14:sldId id="295"/>
-            <p14:sldId id="296"/>
           </p14:sldIdLst>
         </p14:section>
         <p14:section name="Templates 101" id="{33AF323D-0989-4F6C-8CCD-CC3B78E4A6EF}">
@@ -203,6 +206,10 @@
             <p14:sldId id="312"/>
             <p14:sldId id="313"/>
             <p14:sldId id="343"/>
+            <p14:sldId id="344"/>
+            <p14:sldId id="346"/>
+            <p14:sldId id="348"/>
+            <p14:sldId id="347"/>
           </p14:sldIdLst>
         </p14:section>
         <p14:section name="Template Language Expressions" id="{8C0A9059-3740-48D5-B70F-26CE6088360C}">
@@ -229,7 +236,6 @@
             <p14:sldId id="338"/>
             <p14:sldId id="287"/>
             <p14:sldId id="286"/>
-            <p14:sldId id="344"/>
             <p14:sldId id="339"/>
           </p14:sldIdLst>
         </p14:section>
@@ -1062,7 +1068,7 @@
           <a:p>
             <a:fld id="{B159F813-5AE6-42D9-8D72-24C283CF2029}" type="slidenum">
               <a:rPr lang="en-US" smtClean="0"/>
-              <a:t>44</a:t>
+              <a:t>47</a:t>
             </a:fld>
             <a:endParaRPr lang="en-US"/>
           </a:p>
@@ -1149,7 +1155,7 @@
           <a:p>
             <a:fld id="{B159F813-5AE6-42D9-8D72-24C283CF2029}" type="slidenum">
               <a:rPr lang="en-US" smtClean="0"/>
-              <a:t>45</a:t>
+              <a:t>48</a:t>
             </a:fld>
             <a:endParaRPr lang="en-US"/>
           </a:p>
@@ -1236,7 +1242,7 @@
           <a:p>
             <a:fld id="{B159F813-5AE6-42D9-8D72-24C283CF2029}" type="slidenum">
               <a:rPr lang="en-US" smtClean="0"/>
-              <a:t>46</a:t>
+              <a:t>49</a:t>
             </a:fld>
             <a:endParaRPr lang="en-US"/>
           </a:p>
@@ -1323,7 +1329,7 @@
           <a:p>
             <a:fld id="{B159F813-5AE6-42D9-8D72-24C283CF2029}" type="slidenum">
               <a:rPr lang="en-US" smtClean="0"/>
-              <a:t>47</a:t>
+              <a:t>50</a:t>
             </a:fld>
             <a:endParaRPr lang="en-US"/>
           </a:p>
@@ -1410,7 +1416,7 @@
           <a:p>
             <a:fld id="{B159F813-5AE6-42D9-8D72-24C283CF2029}" type="slidenum">
               <a:rPr lang="en-US" smtClean="0"/>
-              <a:t>48</a:t>
+              <a:t>51</a:t>
             </a:fld>
             <a:endParaRPr lang="en-US"/>
           </a:p>
@@ -1513,7 +1519,7 @@
           <a:p>
             <a:fld id="{B159F813-5AE6-42D9-8D72-24C283CF2029}" type="slidenum">
               <a:rPr lang="en-US" smtClean="0"/>
-              <a:t>50</a:t>
+              <a:t>53</a:t>
             </a:fld>
             <a:endParaRPr lang="en-US"/>
           </a:p>
@@ -1644,7 +1650,7 @@
                 <a:tabLst/>
                 <a:defRPr/>
               </a:pPr>
-              <a:t>52</a:t>
+              <a:t>55</a:t>
             </a:fld>
             <a:endParaRPr kumimoji="0" lang="en-US" sz="1800" b="0" i="0" u="none" strike="noStrike" kern="0" cap="none" spc="0" normalizeH="0" baseline="0" noProof="0">
               <a:ln>
@@ -2039,7 +2045,7 @@
                 <a:tabLst/>
                 <a:defRPr/>
               </a:pPr>
-              <a:t>57</a:t>
+              <a:t>60</a:t>
             </a:fld>
             <a:endParaRPr kumimoji="0" lang="en-US" sz="1800" b="0" i="0" u="none" strike="noStrike" kern="0" cap="none" spc="0" normalizeH="0" baseline="0" noProof="0" dirty="0">
               <a:ln>
@@ -2588,7 +2594,7 @@
                 <a:tabLst/>
                 <a:defRPr/>
               </a:pPr>
-              <a:t>58</a:t>
+              <a:t>61</a:t>
             </a:fld>
             <a:endParaRPr kumimoji="0" lang="en-US" sz="1800" b="0" i="0" u="none" strike="noStrike" kern="0" cap="none" spc="0" normalizeH="0" baseline="0" noProof="0" dirty="0">
               <a:ln>
@@ -2663,7 +2669,7 @@
           <a:p>
             <a:r>
               <a:rPr lang="en-US" dirty="0"/>
-              <a:t>https://management.azure.com/subscriptions/{{subscriptionId}}/resourcegroups/{{resource-group}}/providers/Microsoft.Sql/servers/{{server}}/databases/{{database}}?api-version={{apiVersion}}</a:t>
+              <a:t>Repeatedly provision resources</a:t>
             </a:r>
           </a:p>
         </p:txBody>
@@ -2778,7 +2784,7 @@
           <a:bodyPr/>
           <a:lstStyle/>
           <a:p>
-            <a:fld id="{93E64FFB-EA77-4502-A465-E0A7426302CF}" type="datetime1">
+            <a:fld id="{E413EE67-DABE-4FED-B135-D9924A33075E}" type="datetime1">
               <a:rPr lang="en-US" smtClean="0"/>
               <a:t>5/5/2016</a:t>
             </a:fld>
@@ -2804,7 +2810,7 @@
             <a:fld id="{B4008EB6-D09E-4580-8CD6-DDB14511944F}" type="slidenum">
               <a:rPr lang="en-US" smtClean="0"/>
               <a:pPr/>
-              <a:t>9</a:t>
+              <a:t>10</a:t>
             </a:fld>
             <a:endParaRPr lang="en-US" dirty="0"/>
           </a:p>
@@ -2813,7 +2819,7 @@
     </p:spTree>
     <p:extLst>
       <p:ext uri="{BB962C8B-B14F-4D97-AF65-F5344CB8AC3E}">
-        <p14:creationId xmlns:p14="http://schemas.microsoft.com/office/powerpoint/2010/main" val="1048635152"/>
+        <p14:creationId xmlns:p14="http://schemas.microsoft.com/office/powerpoint/2010/main" val="2459691894"/>
       </p:ext>
     </p:extLst>
   </p:cSld>
@@ -2867,21 +2873,18 @@
           <a:bodyPr/>
           <a:lstStyle/>
           <a:p>
-            <a:r>
-              <a:rPr lang="en-US" dirty="0"/>
-              <a:t>Repeatedly provision resources</a:t>
-            </a:r>
+            <a:endParaRPr lang="en-US" dirty="0"/>
           </a:p>
         </p:txBody>
       </p:sp>
       <p:sp>
         <p:nvSpPr>
-          <p:cNvPr id="4" name="Header Placeholder 3"/>
+          <p:cNvPr id="4" name="Slide Number Placeholder 3"/>
           <p:cNvSpPr>
             <a:spLocks noGrp="1"/>
           </p:cNvSpPr>
           <p:nvPr>
-            <p:ph type="hdr" sz="quarter" idx="10"/>
+            <p:ph type="sldNum" sz="quarter" idx="10"/>
           </p:nvPr>
         </p:nvSpPr>
         <p:spPr/>
@@ -2889,137 +2892,18 @@
           <a:bodyPr/>
           <a:lstStyle/>
           <a:p>
-            <a:endParaRPr lang="en-US" dirty="0"/>
-          </a:p>
-        </p:txBody>
-      </p:sp>
-      <p:sp>
-        <p:nvSpPr>
-          <p:cNvPr id="5" name="Footer Placeholder 4"/>
-          <p:cNvSpPr>
-            <a:spLocks noGrp="1"/>
-          </p:cNvSpPr>
-          <p:nvPr>
-            <p:ph type="ftr" sz="quarter" idx="11"/>
-          </p:nvPr>
-        </p:nvSpPr>
-        <p:spPr/>
-        <p:txBody>
-          <a:bodyPr/>
-          <a:lstStyle/>
-          <a:p>
-            <a:pPr defTabSz="914099" eaLnBrk="0" hangingPunct="0"/>
-            <a:r>
-              <a:rPr lang="en-US" sz="400">
-                <a:gradFill>
-                  <a:gsLst>
-                    <a:gs pos="0">
-                      <a:prstClr val="black"/>
-                    </a:gs>
-                    <a:gs pos="100000">
-                      <a:prstClr val="black"/>
-                    </a:gs>
-                  </a:gsLst>
-                  <a:lin ang="5400000" scaled="0"/>
-                </a:gradFill>
-                <a:latin typeface="Segoe UI" pitchFamily="34" charset="0"/>
-                <a:ea typeface="Segoe UI" pitchFamily="34" charset="0"/>
-                <a:cs typeface="Segoe UI" pitchFamily="34" charset="0"/>
-              </a:rPr>
-              <a:t>© 2012 Microsoft Corporation. All rights reserved. Microsoft, Windows, and other product names are or may be registered trademarks and/or trademarks in the U.S. and/or other countries.</a:t>
-            </a:r>
-          </a:p>
-          <a:p>
-            <a:pPr defTabSz="914099" eaLnBrk="0" hangingPunct="0"/>
-            <a:r>
-              <a:rPr lang="en-US" sz="400">
-                <a:gradFill>
-                  <a:gsLst>
-                    <a:gs pos="0">
-                      <a:prstClr val="black"/>
-                    </a:gs>
-                    <a:gs pos="100000">
-                      <a:prstClr val="black"/>
-                    </a:gs>
-                  </a:gsLst>
-                  <a:lin ang="5400000" scaled="0"/>
-                </a:gradFill>
-                <a:latin typeface="Segoe UI" pitchFamily="34" charset="0"/>
-                <a:ea typeface="Segoe UI" pitchFamily="34" charset="0"/>
-                <a:cs typeface="Segoe UI" pitchFamily="34" charset="0"/>
-              </a:rPr>
-              <a:t>The information herein is for informational purposes only and represents the current view of Microsoft Corporation as of the date of this presentation.  Because Microsoft must respond to changing market conditions, it should not be interpreted to be a commitment on the part of Microsoft, and Microsoft cannot guarantee the accuracy of any information provided after the date of this presentation.  MICROSOFT MAKES NO WARRANTIES, EXPRESS, IMPLIED OR STATUTORY, AS TO THE INFORMATION IN THIS PRESENTATION.</a:t>
-            </a:r>
-            <a:endParaRPr lang="en-US" sz="400" dirty="0">
-              <a:gradFill>
-                <a:gsLst>
-                  <a:gs pos="0">
-                    <a:prstClr val="black"/>
-                  </a:gs>
-                  <a:gs pos="100000">
-                    <a:prstClr val="black"/>
-                  </a:gs>
-                </a:gsLst>
-                <a:lin ang="5400000" scaled="0"/>
-              </a:gradFill>
-              <a:latin typeface="Segoe UI" pitchFamily="34" charset="0"/>
-              <a:ea typeface="Segoe UI" pitchFamily="34" charset="0"/>
-              <a:cs typeface="Segoe UI" pitchFamily="34" charset="0"/>
-            </a:endParaRPr>
-          </a:p>
-        </p:txBody>
-      </p:sp>
-      <p:sp>
-        <p:nvSpPr>
-          <p:cNvPr id="6" name="Date Placeholder 5"/>
-          <p:cNvSpPr>
-            <a:spLocks noGrp="1"/>
-          </p:cNvSpPr>
-          <p:nvPr>
-            <p:ph type="dt" idx="12"/>
-          </p:nvPr>
-        </p:nvSpPr>
-        <p:spPr/>
-        <p:txBody>
-          <a:bodyPr/>
-          <a:lstStyle/>
-          <a:p>
-            <a:fld id="{E413EE67-DABE-4FED-B135-D9924A33075E}" type="datetime1">
+            <a:fld id="{F1032083-B353-4A72-A942-D0D1735169C1}" type="slidenum">
               <a:rPr lang="en-US" smtClean="0"/>
-              <a:t>5/5/2016</a:t>
+              <a:t>11</a:t>
             </a:fld>
-            <a:endParaRPr lang="en-US" dirty="0"/>
-          </a:p>
-        </p:txBody>
-      </p:sp>
-      <p:sp>
-        <p:nvSpPr>
-          <p:cNvPr id="7" name="Slide Number Placeholder 6"/>
-          <p:cNvSpPr>
-            <a:spLocks noGrp="1"/>
-          </p:cNvSpPr>
-          <p:nvPr>
-            <p:ph type="sldNum" sz="quarter" idx="13"/>
-          </p:nvPr>
-        </p:nvSpPr>
-        <p:spPr/>
-        <p:txBody>
-          <a:bodyPr/>
-          <a:lstStyle/>
-          <a:p>
-            <a:fld id="{B4008EB6-D09E-4580-8CD6-DDB14511944F}" type="slidenum">
-              <a:rPr lang="en-US" smtClean="0"/>
-              <a:pPr/>
-              <a:t>10</a:t>
-            </a:fld>
-            <a:endParaRPr lang="en-US" dirty="0"/>
+            <a:endParaRPr lang="en-US"/>
           </a:p>
         </p:txBody>
       </p:sp>
     </p:spTree>
     <p:extLst>
       <p:ext uri="{BB962C8B-B14F-4D97-AF65-F5344CB8AC3E}">
-        <p14:creationId xmlns:p14="http://schemas.microsoft.com/office/powerpoint/2010/main" val="2459691894"/>
+        <p14:creationId xmlns:p14="http://schemas.microsoft.com/office/powerpoint/2010/main" val="3136715462"/>
       </p:ext>
     </p:extLst>
   </p:cSld>
@@ -3073,18 +2957,21 @@
           <a:bodyPr/>
           <a:lstStyle/>
           <a:p>
-            <a:endParaRPr lang="en-US" dirty="0"/>
+            <a:r>
+              <a:rPr lang="en-US" dirty="0"/>
+              <a:t>https://management.azure.com/subscriptions/{{subscriptionId}}/resourcegroups/{{resource-group}}/providers/Microsoft.Sql/servers/{{server}}/databases/{{database}}?api-version={{apiVersion}}</a:t>
+            </a:r>
           </a:p>
         </p:txBody>
       </p:sp>
       <p:sp>
         <p:nvSpPr>
-          <p:cNvPr id="4" name="Slide Number Placeholder 3"/>
+          <p:cNvPr id="4" name="Header Placeholder 3"/>
           <p:cNvSpPr>
             <a:spLocks noGrp="1"/>
           </p:cNvSpPr>
           <p:nvPr>
-            <p:ph type="sldNum" sz="quarter" idx="10"/>
+            <p:ph type="hdr" sz="quarter" idx="10"/>
           </p:nvPr>
         </p:nvSpPr>
         <p:spPr/>
@@ -3092,18 +2979,137 @@
           <a:bodyPr/>
           <a:lstStyle/>
           <a:p>
-            <a:fld id="{F1032083-B353-4A72-A942-D0D1735169C1}" type="slidenum">
+            <a:endParaRPr lang="en-US" dirty="0"/>
+          </a:p>
+        </p:txBody>
+      </p:sp>
+      <p:sp>
+        <p:nvSpPr>
+          <p:cNvPr id="5" name="Footer Placeholder 4"/>
+          <p:cNvSpPr>
+            <a:spLocks noGrp="1"/>
+          </p:cNvSpPr>
+          <p:nvPr>
+            <p:ph type="ftr" sz="quarter" idx="11"/>
+          </p:nvPr>
+        </p:nvSpPr>
+        <p:spPr/>
+        <p:txBody>
+          <a:bodyPr/>
+          <a:lstStyle/>
+          <a:p>
+            <a:pPr defTabSz="914099" eaLnBrk="0" hangingPunct="0"/>
+            <a:r>
+              <a:rPr lang="en-US" sz="400">
+                <a:gradFill>
+                  <a:gsLst>
+                    <a:gs pos="0">
+                      <a:prstClr val="black"/>
+                    </a:gs>
+                    <a:gs pos="100000">
+                      <a:prstClr val="black"/>
+                    </a:gs>
+                  </a:gsLst>
+                  <a:lin ang="5400000" scaled="0"/>
+                </a:gradFill>
+                <a:latin typeface="Segoe UI" pitchFamily="34" charset="0"/>
+                <a:ea typeface="Segoe UI" pitchFamily="34" charset="0"/>
+                <a:cs typeface="Segoe UI" pitchFamily="34" charset="0"/>
+              </a:rPr>
+              <a:t>© 2012 Microsoft Corporation. All rights reserved. Microsoft, Windows, and other product names are or may be registered trademarks and/or trademarks in the U.S. and/or other countries.</a:t>
+            </a:r>
+          </a:p>
+          <a:p>
+            <a:pPr defTabSz="914099" eaLnBrk="0" hangingPunct="0"/>
+            <a:r>
+              <a:rPr lang="en-US" sz="400">
+                <a:gradFill>
+                  <a:gsLst>
+                    <a:gs pos="0">
+                      <a:prstClr val="black"/>
+                    </a:gs>
+                    <a:gs pos="100000">
+                      <a:prstClr val="black"/>
+                    </a:gs>
+                  </a:gsLst>
+                  <a:lin ang="5400000" scaled="0"/>
+                </a:gradFill>
+                <a:latin typeface="Segoe UI" pitchFamily="34" charset="0"/>
+                <a:ea typeface="Segoe UI" pitchFamily="34" charset="0"/>
+                <a:cs typeface="Segoe UI" pitchFamily="34" charset="0"/>
+              </a:rPr>
+              <a:t>The information herein is for informational purposes only and represents the current view of Microsoft Corporation as of the date of this presentation.  Because Microsoft must respond to changing market conditions, it should not be interpreted to be a commitment on the part of Microsoft, and Microsoft cannot guarantee the accuracy of any information provided after the date of this presentation.  MICROSOFT MAKES NO WARRANTIES, EXPRESS, IMPLIED OR STATUTORY, AS TO THE INFORMATION IN THIS PRESENTATION.</a:t>
+            </a:r>
+            <a:endParaRPr lang="en-US" sz="400" dirty="0">
+              <a:gradFill>
+                <a:gsLst>
+                  <a:gs pos="0">
+                    <a:prstClr val="black"/>
+                  </a:gs>
+                  <a:gs pos="100000">
+                    <a:prstClr val="black"/>
+                  </a:gs>
+                </a:gsLst>
+                <a:lin ang="5400000" scaled="0"/>
+              </a:gradFill>
+              <a:latin typeface="Segoe UI" pitchFamily="34" charset="0"/>
+              <a:ea typeface="Segoe UI" pitchFamily="34" charset="0"/>
+              <a:cs typeface="Segoe UI" pitchFamily="34" charset="0"/>
+            </a:endParaRPr>
+          </a:p>
+        </p:txBody>
+      </p:sp>
+      <p:sp>
+        <p:nvSpPr>
+          <p:cNvPr id="6" name="Date Placeholder 5"/>
+          <p:cNvSpPr>
+            <a:spLocks noGrp="1"/>
+          </p:cNvSpPr>
+          <p:nvPr>
+            <p:ph type="dt" idx="12"/>
+          </p:nvPr>
+        </p:nvSpPr>
+        <p:spPr/>
+        <p:txBody>
+          <a:bodyPr/>
+          <a:lstStyle/>
+          <a:p>
+            <a:fld id="{93E64FFB-EA77-4502-A465-E0A7426302CF}" type="datetime1">
               <a:rPr lang="en-US" smtClean="0"/>
+              <a:t>5/5/2016</a:t>
+            </a:fld>
+            <a:endParaRPr lang="en-US" dirty="0"/>
+          </a:p>
+        </p:txBody>
+      </p:sp>
+      <p:sp>
+        <p:nvSpPr>
+          <p:cNvPr id="7" name="Slide Number Placeholder 6"/>
+          <p:cNvSpPr>
+            <a:spLocks noGrp="1"/>
+          </p:cNvSpPr>
+          <p:nvPr>
+            <p:ph type="sldNum" sz="quarter" idx="13"/>
+          </p:nvPr>
+        </p:nvSpPr>
+        <p:spPr/>
+        <p:txBody>
+          <a:bodyPr/>
+          <a:lstStyle/>
+          <a:p>
+            <a:fld id="{B4008EB6-D09E-4580-8CD6-DDB14511944F}" type="slidenum">
+              <a:rPr lang="en-US" smtClean="0"/>
+              <a:pPr/>
               <a:t>12</a:t>
             </a:fld>
-            <a:endParaRPr lang="en-US"/>
+            <a:endParaRPr lang="en-US" dirty="0"/>
           </a:p>
         </p:txBody>
       </p:sp>
     </p:spTree>
     <p:extLst>
       <p:ext uri="{BB962C8B-B14F-4D97-AF65-F5344CB8AC3E}">
-        <p14:creationId xmlns:p14="http://schemas.microsoft.com/office/powerpoint/2010/main" val="3136715462"/>
+        <p14:creationId xmlns:p14="http://schemas.microsoft.com/office/powerpoint/2010/main" val="1048635152"/>
       </p:ext>
     </p:extLst>
   </p:cSld>
@@ -3298,7 +3304,7 @@
           <a:p>
             <a:fld id="{B159F813-5AE6-42D9-8D72-24C283CF2029}" type="slidenum">
               <a:rPr lang="en-US" smtClean="0"/>
-              <a:t>23</a:t>
+              <a:t>27</a:t>
             </a:fld>
             <a:endParaRPr lang="en-US"/>
           </a:p>
@@ -3410,7 +3416,7 @@
           <a:p>
             <a:fld id="{B159F813-5AE6-42D9-8D72-24C283CF2029}" type="slidenum">
               <a:rPr lang="en-US" smtClean="0"/>
-              <a:t>27</a:t>
+              <a:t>31</a:t>
             </a:fld>
             <a:endParaRPr lang="en-US"/>
           </a:p>
@@ -3538,7 +3544,7 @@
                 <a:tabLst/>
                 <a:defRPr/>
               </a:pPr>
-              <a:t>36</a:t>
+              <a:t>39</a:t>
             </a:fld>
             <a:endParaRPr kumimoji="0" lang="en-US" sz="1800" b="0" i="0" u="none" strike="noStrike" kern="0" cap="none" spc="0" normalizeH="0" baseline="0" noProof="0">
               <a:ln>
@@ -3676,7 +3682,7 @@
                 <a:tabLst/>
                 <a:defRPr/>
               </a:pPr>
-              <a:t>39</a:t>
+              <a:t>42</a:t>
             </a:fld>
             <a:endParaRPr kumimoji="0" lang="en-US" sz="1800" b="0" i="0" u="none" strike="noStrike" kern="0" cap="none" spc="0" normalizeH="0" baseline="0" noProof="0">
               <a:ln>
@@ -30290,7 +30296,7 @@
       </p:grpSpPr>
       <p:sp>
         <p:nvSpPr>
-          <p:cNvPr id="4" name="Title 3"/>
+          <p:cNvPr id="2" name="Title 1"/>
           <p:cNvSpPr>
             <a:spLocks noGrp="1"/>
           </p:cNvSpPr>
@@ -30305,7 +30311,7 @@
           <a:p>
             <a:r>
               <a:rPr lang="en-US"/>
-              <a:t>ARM Definitions</a:t>
+              <a:t>Resource Providers</a:t>
             </a:r>
             <a:endParaRPr lang="en-US" dirty="0"/>
           </a:p>
@@ -30313,7 +30319,7 @@
       </p:sp>
       <p:sp>
         <p:nvSpPr>
-          <p:cNvPr id="5" name="Text Placeholder 4"/>
+          <p:cNvPr id="3" name="Content Placeholder 2"/>
           <p:cNvSpPr>
             <a:spLocks noGrp="1"/>
           </p:cNvSpPr>
@@ -30324,7 +30330,7 @@
         <p:spPr>
           <a:xfrm>
             <a:off x="269239" y="1189177"/>
-            <a:ext cx="11653523" cy="4257512"/>
+            <a:ext cx="11653523" cy="5042086"/>
           </a:xfrm>
         </p:spPr>
         <p:txBody>
@@ -30332,20 +30338,8 @@
           <a:lstStyle/>
           <a:p>
             <a:r>
-              <a:rPr lang="en-US" b="1" dirty="0"/>
-              <a:t>Resource</a:t>
-            </a:r>
-            <a:r>
               <a:rPr lang="en-US" dirty="0"/>
-              <a:t>: </a:t>
-            </a:r>
-            <a:r>
-              <a:rPr lang="en-US" dirty="0">
-                <a:solidFill>
-                  <a:schemeClr val="accent6"/>
-                </a:solidFill>
-              </a:rPr>
-              <a:t>Atomic unit of deployment</a:t>
+              <a:t>Deploy specific types of resources</a:t>
             </a:r>
           </a:p>
           <a:p>
@@ -30354,20 +30348,39 @@
           </a:p>
           <a:p>
             <a:r>
-              <a:rPr lang="en-US" b="1" dirty="0"/>
-              <a:t>Resource Group</a:t>
-            </a:r>
-            <a:r>
               <a:rPr lang="en-US" dirty="0"/>
-              <a:t>: </a:t>
-            </a:r>
-            <a:r>
-              <a:rPr lang="en-US" dirty="0">
-                <a:solidFill>
-                  <a:schemeClr val="accent6"/>
-                </a:solidFill>
-              </a:rPr>
-              <a:t>Collection of resources</a:t>
+              <a:t>Identified by provider namespace</a:t>
+            </a:r>
+          </a:p>
+          <a:p>
+            <a:pPr lvl="1"/>
+            <a:r>
+              <a:rPr lang="en-US" dirty="0"/>
+              <a:t>e.g., </a:t>
+            </a:r>
+            <a:r>
+              <a:rPr lang="en-US" dirty="0" err="1"/>
+              <a:t>Microsoft.Compute</a:t>
+            </a:r>
+            <a:r>
+              <a:rPr lang="en-US" dirty="0"/>
+              <a:t>, </a:t>
+            </a:r>
+            <a:r>
+              <a:rPr lang="en-US" dirty="0" err="1"/>
+              <a:t>Microsoft.Storage</a:t>
+            </a:r>
+            <a:r>
+              <a:rPr lang="en-US" dirty="0"/>
+              <a:t>, </a:t>
+            </a:r>
+            <a:r>
+              <a:rPr lang="en-US" dirty="0" err="1"/>
+              <a:t>Microsoft.Web</a:t>
+            </a:r>
+            <a:r>
+              <a:rPr lang="en-US" dirty="0"/>
+              <a:t> (~ 30 Microsoft or customer namespaces)</a:t>
             </a:r>
           </a:p>
           <a:p>
@@ -30376,50 +30389,114 @@
           </a:p>
           <a:p>
             <a:r>
-              <a:rPr lang="en-US" b="1" dirty="0"/>
-              <a:t>Resource Provider</a:t>
-            </a:r>
-            <a:r>
               <a:rPr lang="en-US" dirty="0"/>
-              <a:t>: </a:t>
-            </a:r>
-            <a:r>
-              <a:rPr lang="en-US" dirty="0">
-                <a:solidFill>
-                  <a:schemeClr val="accent6"/>
-                </a:solidFill>
-              </a:rPr>
-              <a:t>Manages specific kinds of resources</a:t>
+              <a:t>Resource types</a:t>
             </a:r>
           </a:p>
           <a:p>
             <a:pPr lvl="1"/>
+            <a:r>
+              <a:rPr lang="en-US" dirty="0"/>
+              <a:t>Each provider namespace manages one or more resource types</a:t>
+            </a:r>
+          </a:p>
+          <a:p>
+            <a:pPr lvl="2"/>
+            <a:r>
+              <a:rPr lang="en-US" i="1" dirty="0" err="1"/>
+              <a:t>Microsoft.Compute</a:t>
+            </a:r>
+            <a:r>
+              <a:rPr lang="en-US" i="1" dirty="0"/>
+              <a:t>/</a:t>
+            </a:r>
+            <a:r>
+              <a:rPr lang="en-US" i="1" dirty="0" err="1"/>
+              <a:t>availabiltySets</a:t>
+            </a:r>
+            <a:endParaRPr lang="en-US" i="1" dirty="0"/>
+          </a:p>
+          <a:p>
+            <a:pPr lvl="2"/>
+            <a:r>
+              <a:rPr lang="en-US" i="1" dirty="0" err="1"/>
+              <a:t>Microsoft.Compute</a:t>
+            </a:r>
+            <a:r>
+              <a:rPr lang="en-US" i="1" dirty="0"/>
+              <a:t>/</a:t>
+            </a:r>
+            <a:r>
+              <a:rPr lang="en-US" i="1" dirty="0" err="1"/>
+              <a:t>virtualMachines</a:t>
+            </a:r>
+            <a:endParaRPr lang="en-US" i="1" dirty="0"/>
+          </a:p>
+          <a:p>
+            <a:pPr lvl="2"/>
+            <a:r>
+              <a:rPr lang="en-US" i="1" dirty="0" err="1"/>
+              <a:t>Microsoft.Compute</a:t>
+            </a:r>
+            <a:r>
+              <a:rPr lang="en-US" i="1" dirty="0"/>
+              <a:t>/locations</a:t>
+            </a:r>
+          </a:p>
+          <a:p>
+            <a:pPr lvl="1"/>
+            <a:r>
+              <a:rPr lang="en-US" dirty="0"/>
+              <a:t>Different regional availability and </a:t>
+            </a:r>
+            <a:r>
+              <a:rPr lang="en-US" dirty="0" err="1"/>
+              <a:t>apiVersion</a:t>
+            </a:r>
             <a:endParaRPr lang="en-US" dirty="0"/>
           </a:p>
           <a:p>
-            <a:r>
-              <a:rPr lang="en-US" b="1" dirty="0"/>
-              <a:t>Resource Type</a:t>
-            </a:r>
-            <a:r>
-              <a:rPr lang="en-US" dirty="0"/>
-              <a:t>: </a:t>
-            </a:r>
-            <a:r>
-              <a:rPr lang="en-US" dirty="0">
-                <a:solidFill>
-                  <a:schemeClr val="accent6"/>
-                </a:solidFill>
-              </a:rPr>
-              <a:t>Specifies the type of resource</a:t>
-            </a:r>
+            <a:pPr lvl="2"/>
+            <a:r>
+              <a:rPr lang="en-US" i="1" dirty="0"/>
+              <a:t>(Get-</a:t>
+            </a:r>
+            <a:r>
+              <a:rPr lang="en-US" i="1" dirty="0" err="1"/>
+              <a:t>AzureRmResourceProvider</a:t>
+            </a:r>
+            <a:r>
+              <a:rPr lang="en-US" i="1" dirty="0"/>
+              <a:t> –</a:t>
+            </a:r>
+            <a:r>
+              <a:rPr lang="en-US" i="1" dirty="0" err="1"/>
+              <a:t>ProviderNamespace</a:t>
+            </a:r>
+            <a:r>
+              <a:rPr lang="en-US" i="1" dirty="0"/>
+              <a:t> </a:t>
+            </a:r>
+            <a:r>
+              <a:rPr lang="en-US" i="1" dirty="0" err="1"/>
+              <a:t>Microsoft.Compute</a:t>
+            </a:r>
+            <a:r>
+              <a:rPr lang="en-US" i="1" dirty="0"/>
+              <a:t>).</a:t>
+            </a:r>
+            <a:r>
+              <a:rPr lang="en-US" i="1" dirty="0" err="1"/>
+              <a:t>ResourceTypes</a:t>
+            </a:r>
+            <a:endParaRPr lang="en-US" i="1" dirty="0"/>
           </a:p>
         </p:txBody>
       </p:sp>
     </p:spTree>
     <p:extLst>
       <p:ext uri="{BB962C8B-B14F-4D97-AF65-F5344CB8AC3E}">
-        <p14:creationId xmlns:p14="http://schemas.microsoft.com/office/powerpoint/2010/main" val="398937890"/>
+        <p14:creationId xmlns:p14="http://schemas.microsoft.com/office/powerpoint/2010/main" val="498969915"/>
       </p:ext>
     </p:extLst>
   </p:cSld>
@@ -30451,6 +30528,85 @@
       </p:grpSpPr>
       <p:sp>
         <p:nvSpPr>
+          <p:cNvPr id="14" name="Rectangle 13"/>
+          <p:cNvSpPr/>
+          <p:nvPr/>
+        </p:nvSpPr>
+        <p:spPr bwMode="auto">
+          <a:xfrm>
+            <a:off x="7601762" y="4773620"/>
+            <a:ext cx="1809396" cy="1434265"/>
+          </a:xfrm>
+          <a:prstGeom prst="rect">
+            <a:avLst/>
+          </a:prstGeom>
+          <a:solidFill>
+            <a:srgbClr val="C00000"/>
+          </a:solidFill>
+          <a:ln>
+            <a:noFill/>
+            <a:headEnd type="none" w="med" len="med"/>
+            <a:tailEnd type="none" w="med" len="med"/>
+          </a:ln>
+          <a:effectLst/>
+        </p:spPr>
+        <p:style>
+          <a:lnRef idx="1">
+            <a:schemeClr val="accent2"/>
+          </a:lnRef>
+          <a:fillRef idx="3">
+            <a:schemeClr val="accent2"/>
+          </a:fillRef>
+          <a:effectRef idx="2">
+            <a:schemeClr val="accent2"/>
+          </a:effectRef>
+          <a:fontRef idx="minor">
+            <a:schemeClr val="lt1"/>
+          </a:fontRef>
+        </p:style>
+        <p:txBody>
+          <a:bodyPr rot="0" spcFirstLastPara="0" vertOverflow="overflow" horzOverflow="overflow" vert="horz" wrap="square" lIns="179285" tIns="143428" rIns="179285" bIns="0" numCol="1" spcCol="0" rtlCol="0" fromWordArt="0" anchor="b" anchorCtr="0" forceAA="0" compatLnSpc="1">
+            <a:prstTxWarp prst="textNoShape">
+              <a:avLst/>
+            </a:prstTxWarp>
+            <a:noAutofit/>
+          </a:bodyPr>
+          <a:lstStyle/>
+          <a:p>
+            <a:pPr algn="ctr" defTabSz="914102" fontAlgn="base">
+              <a:lnSpc>
+                <a:spcPct val="90000"/>
+              </a:lnSpc>
+              <a:spcBef>
+                <a:spcPct val="0"/>
+              </a:spcBef>
+              <a:spcAft>
+                <a:spcPct val="0"/>
+              </a:spcAft>
+            </a:pPr>
+            <a:r>
+              <a:rPr lang="en-US" sz="1765" dirty="0">
+                <a:gradFill>
+                  <a:gsLst>
+                    <a:gs pos="0">
+                      <a:srgbClr val="FFFFFF"/>
+                    </a:gs>
+                    <a:gs pos="100000">
+                      <a:srgbClr val="FFFFFF"/>
+                    </a:gs>
+                  </a:gsLst>
+                  <a:lin ang="5400000" scaled="0"/>
+                </a:gradFill>
+                <a:ea typeface="Segoe UI" pitchFamily="34" charset="0"/>
+                <a:cs typeface="Segoe UI" pitchFamily="34" charset="0"/>
+              </a:rPr>
+              <a:t>Cache</a:t>
+            </a:r>
+          </a:p>
+        </p:txBody>
+      </p:sp>
+      <p:sp>
+        <p:nvSpPr>
           <p:cNvPr id="2" name="Title 1"/>
           <p:cNvSpPr>
             <a:spLocks noGrp="1"/>
@@ -30466,7 +30622,7 @@
           <a:p>
             <a:r>
               <a:rPr lang="en-US"/>
-              <a:t>Resource Providers</a:t>
+              <a:t>Consistent Management Layer</a:t>
             </a:r>
             <a:endParaRPr lang="en-US" dirty="0"/>
           </a:p>
@@ -30474,184 +30630,825 @@
       </p:sp>
       <p:sp>
         <p:nvSpPr>
-          <p:cNvPr id="3" name="Content Placeholder 2"/>
-          <p:cNvSpPr>
-            <a:spLocks noGrp="1"/>
-          </p:cNvSpPr>
-          <p:nvPr>
-            <p:ph type="body" sz="quarter" idx="10"/>
-          </p:nvPr>
+          <p:cNvPr id="4" name="Rectangle 3"/>
+          <p:cNvSpPr/>
+          <p:nvPr/>
+        </p:nvSpPr>
+        <p:spPr bwMode="auto">
+          <a:xfrm>
+            <a:off x="1613925" y="2174019"/>
+            <a:ext cx="9795893" cy="1882472"/>
+          </a:xfrm>
+          <a:prstGeom prst="rect">
+            <a:avLst/>
+          </a:prstGeom>
+          <a:solidFill>
+            <a:schemeClr val="accent1"/>
+          </a:solidFill>
+          <a:ln>
+            <a:noFill/>
+            <a:headEnd type="none" w="med" len="med"/>
+            <a:tailEnd type="none" w="med" len="med"/>
+          </a:ln>
+          <a:effectLst/>
+        </p:spPr>
+        <p:style>
+          <a:lnRef idx="1">
+            <a:schemeClr val="accent2"/>
+          </a:lnRef>
+          <a:fillRef idx="3">
+            <a:schemeClr val="accent2"/>
+          </a:fillRef>
+          <a:effectRef idx="2">
+            <a:schemeClr val="accent2"/>
+          </a:effectRef>
+          <a:fontRef idx="minor">
+            <a:schemeClr val="lt1"/>
+          </a:fontRef>
+        </p:style>
+        <p:txBody>
+          <a:bodyPr rot="0" spcFirstLastPara="0" vertOverflow="overflow" horzOverflow="overflow" vert="horz" wrap="square" lIns="179285" tIns="143428" rIns="179285" bIns="143428" numCol="1" spcCol="0" rtlCol="0" fromWordArt="0" anchor="t" anchorCtr="0" forceAA="0" compatLnSpc="1">
+            <a:prstTxWarp prst="textNoShape">
+              <a:avLst/>
+            </a:prstTxWarp>
+            <a:noAutofit/>
+          </a:bodyPr>
+          <a:lstStyle/>
+          <a:p>
+            <a:pPr algn="ctr" defTabSz="914102" fontAlgn="base">
+              <a:lnSpc>
+                <a:spcPct val="90000"/>
+              </a:lnSpc>
+              <a:spcBef>
+                <a:spcPct val="0"/>
+              </a:spcBef>
+              <a:spcAft>
+                <a:spcPct val="0"/>
+              </a:spcAft>
+            </a:pPr>
+            <a:r>
+              <a:rPr lang="en-US" sz="2353" b="1" dirty="0">
+                <a:gradFill>
+                  <a:gsLst>
+                    <a:gs pos="0">
+                      <a:srgbClr val="FFFFFF"/>
+                    </a:gs>
+                    <a:gs pos="100000">
+                      <a:srgbClr val="FFFFFF"/>
+                    </a:gs>
+                  </a:gsLst>
+                  <a:lin ang="5400000" scaled="0"/>
+                </a:gradFill>
+                <a:ea typeface="Segoe UI" pitchFamily="34" charset="0"/>
+                <a:cs typeface="Segoe UI" pitchFamily="34" charset="0"/>
+              </a:rPr>
+              <a:t>Azure Resource Manager</a:t>
+            </a:r>
+          </a:p>
+        </p:txBody>
+      </p:sp>
+      <p:sp>
+        <p:nvSpPr>
+          <p:cNvPr id="5" name="Rectangle 4"/>
+          <p:cNvSpPr/>
+          <p:nvPr/>
+        </p:nvSpPr>
+        <p:spPr bwMode="auto">
+          <a:xfrm>
+            <a:off x="1613926" y="4773620"/>
+            <a:ext cx="1809396" cy="1434267"/>
+          </a:xfrm>
+          <a:prstGeom prst="rect">
+            <a:avLst/>
+          </a:prstGeom>
+          <a:solidFill>
+            <a:srgbClr val="C00000"/>
+          </a:solidFill>
+          <a:ln>
+            <a:noFill/>
+            <a:headEnd type="none" w="med" len="med"/>
+            <a:tailEnd type="none" w="med" len="med"/>
+          </a:ln>
+          <a:effectLst/>
+        </p:spPr>
+        <p:style>
+          <a:lnRef idx="1">
+            <a:schemeClr val="accent2"/>
+          </a:lnRef>
+          <a:fillRef idx="3">
+            <a:schemeClr val="accent2"/>
+          </a:fillRef>
+          <a:effectRef idx="2">
+            <a:schemeClr val="accent2"/>
+          </a:effectRef>
+          <a:fontRef idx="minor">
+            <a:schemeClr val="lt1"/>
+          </a:fontRef>
+        </p:style>
+        <p:txBody>
+          <a:bodyPr rot="0" spcFirstLastPara="0" vertOverflow="overflow" horzOverflow="overflow" vert="horz" wrap="square" lIns="179285" tIns="143428" rIns="179285" bIns="0" numCol="1" spcCol="0" rtlCol="0" fromWordArt="0" anchor="b" anchorCtr="0" forceAA="0" compatLnSpc="1">
+            <a:prstTxWarp prst="textNoShape">
+              <a:avLst/>
+            </a:prstTxWarp>
+            <a:noAutofit/>
+          </a:bodyPr>
+          <a:lstStyle/>
+          <a:p>
+            <a:pPr algn="ctr" defTabSz="914102" fontAlgn="base">
+              <a:lnSpc>
+                <a:spcPct val="90000"/>
+              </a:lnSpc>
+              <a:spcBef>
+                <a:spcPct val="0"/>
+              </a:spcBef>
+              <a:spcAft>
+                <a:spcPct val="0"/>
+              </a:spcAft>
+            </a:pPr>
+            <a:r>
+              <a:rPr lang="en-US" sz="1765" dirty="0">
+                <a:gradFill>
+                  <a:gsLst>
+                    <a:gs pos="0">
+                      <a:srgbClr val="FFFFFF"/>
+                    </a:gs>
+                    <a:gs pos="100000">
+                      <a:srgbClr val="FFFFFF"/>
+                    </a:gs>
+                  </a:gsLst>
+                  <a:lin ang="5400000" scaled="0"/>
+                </a:gradFill>
+                <a:ea typeface="Segoe UI" pitchFamily="34" charset="0"/>
+                <a:cs typeface="Segoe UI" pitchFamily="34" charset="0"/>
+              </a:rPr>
+              <a:t>Website</a:t>
+            </a:r>
+          </a:p>
+        </p:txBody>
+      </p:sp>
+      <p:sp>
+        <p:nvSpPr>
+          <p:cNvPr id="6" name="Rectangle 5"/>
+          <p:cNvSpPr/>
+          <p:nvPr/>
+        </p:nvSpPr>
+        <p:spPr bwMode="auto">
+          <a:xfrm>
+            <a:off x="3606602" y="4773619"/>
+            <a:ext cx="1809396" cy="1434266"/>
+          </a:xfrm>
+          <a:prstGeom prst="rect">
+            <a:avLst/>
+          </a:prstGeom>
+          <a:solidFill>
+            <a:srgbClr val="C00000"/>
+          </a:solidFill>
+          <a:ln>
+            <a:noFill/>
+            <a:headEnd type="none" w="med" len="med"/>
+            <a:tailEnd type="none" w="med" len="med"/>
+          </a:ln>
+          <a:effectLst/>
+        </p:spPr>
+        <p:style>
+          <a:lnRef idx="1">
+            <a:schemeClr val="accent2"/>
+          </a:lnRef>
+          <a:fillRef idx="3">
+            <a:schemeClr val="accent2"/>
+          </a:fillRef>
+          <a:effectRef idx="2">
+            <a:schemeClr val="accent2"/>
+          </a:effectRef>
+          <a:fontRef idx="minor">
+            <a:schemeClr val="lt1"/>
+          </a:fontRef>
+        </p:style>
+        <p:txBody>
+          <a:bodyPr rot="0" spcFirstLastPara="0" vertOverflow="overflow" horzOverflow="overflow" vert="horz" wrap="square" lIns="179285" tIns="143428" rIns="179285" bIns="0" numCol="1" spcCol="0" rtlCol="0" fromWordArt="0" anchor="b" anchorCtr="0" forceAA="0" compatLnSpc="1">
+            <a:prstTxWarp prst="textNoShape">
+              <a:avLst/>
+            </a:prstTxWarp>
+            <a:noAutofit/>
+          </a:bodyPr>
+          <a:lstStyle/>
+          <a:p>
+            <a:pPr algn="ctr" defTabSz="914102" fontAlgn="base">
+              <a:lnSpc>
+                <a:spcPct val="90000"/>
+              </a:lnSpc>
+              <a:spcBef>
+                <a:spcPct val="0"/>
+              </a:spcBef>
+              <a:spcAft>
+                <a:spcPct val="0"/>
+              </a:spcAft>
+            </a:pPr>
+            <a:r>
+              <a:rPr lang="en-US" sz="1765" dirty="0" err="1">
+                <a:gradFill>
+                  <a:gsLst>
+                    <a:gs pos="0">
+                      <a:srgbClr val="FFFFFF"/>
+                    </a:gs>
+                    <a:gs pos="100000">
+                      <a:srgbClr val="FFFFFF"/>
+                    </a:gs>
+                  </a:gsLst>
+                  <a:lin ang="5400000" scaled="0"/>
+                </a:gradFill>
+                <a:ea typeface="Segoe UI" pitchFamily="34" charset="0"/>
+                <a:cs typeface="Segoe UI" pitchFamily="34" charset="0"/>
+              </a:rPr>
+              <a:t>VM</a:t>
+            </a:r>
+            <a:endParaRPr lang="en-US" sz="1765" dirty="0">
+              <a:gradFill>
+                <a:gsLst>
+                  <a:gs pos="0">
+                    <a:srgbClr val="FFFFFF"/>
+                  </a:gs>
+                  <a:gs pos="100000">
+                    <a:srgbClr val="FFFFFF"/>
+                  </a:gs>
+                </a:gsLst>
+                <a:lin ang="5400000" scaled="0"/>
+              </a:gradFill>
+              <a:ea typeface="Segoe UI" pitchFamily="34" charset="0"/>
+              <a:cs typeface="Segoe UI" pitchFamily="34" charset="0"/>
+            </a:endParaRPr>
+          </a:p>
+        </p:txBody>
+      </p:sp>
+      <p:sp>
+        <p:nvSpPr>
+          <p:cNvPr id="7" name="Rectangle 6"/>
+          <p:cNvSpPr/>
+          <p:nvPr/>
+        </p:nvSpPr>
+        <p:spPr bwMode="auto">
+          <a:xfrm>
+            <a:off x="5603103" y="4773620"/>
+            <a:ext cx="1809396" cy="1434265"/>
+          </a:xfrm>
+          <a:prstGeom prst="rect">
+            <a:avLst/>
+          </a:prstGeom>
+          <a:solidFill>
+            <a:srgbClr val="C00000"/>
+          </a:solidFill>
+          <a:ln>
+            <a:noFill/>
+            <a:headEnd type="none" w="med" len="med"/>
+            <a:tailEnd type="none" w="med" len="med"/>
+          </a:ln>
+          <a:effectLst/>
+        </p:spPr>
+        <p:style>
+          <a:lnRef idx="1">
+            <a:schemeClr val="accent2"/>
+          </a:lnRef>
+          <a:fillRef idx="3">
+            <a:schemeClr val="accent2"/>
+          </a:fillRef>
+          <a:effectRef idx="2">
+            <a:schemeClr val="accent2"/>
+          </a:effectRef>
+          <a:fontRef idx="minor">
+            <a:schemeClr val="lt1"/>
+          </a:fontRef>
+        </p:style>
+        <p:txBody>
+          <a:bodyPr rot="0" spcFirstLastPara="0" vertOverflow="overflow" horzOverflow="overflow" vert="horz" wrap="square" lIns="179285" tIns="143428" rIns="179285" bIns="0" numCol="1" spcCol="0" rtlCol="0" fromWordArt="0" anchor="b" anchorCtr="0" forceAA="0" compatLnSpc="1">
+            <a:prstTxWarp prst="textNoShape">
+              <a:avLst/>
+            </a:prstTxWarp>
+            <a:noAutofit/>
+          </a:bodyPr>
+          <a:lstStyle/>
+          <a:p>
+            <a:pPr algn="ctr" defTabSz="914102" fontAlgn="base">
+              <a:lnSpc>
+                <a:spcPct val="90000"/>
+              </a:lnSpc>
+              <a:spcBef>
+                <a:spcPct val="0"/>
+              </a:spcBef>
+              <a:spcAft>
+                <a:spcPct val="0"/>
+              </a:spcAft>
+            </a:pPr>
+            <a:r>
+              <a:rPr lang="en-US" sz="1765" dirty="0">
+                <a:gradFill>
+                  <a:gsLst>
+                    <a:gs pos="0">
+                      <a:srgbClr val="FFFFFF"/>
+                    </a:gs>
+                    <a:gs pos="100000">
+                      <a:srgbClr val="FFFFFF"/>
+                    </a:gs>
+                  </a:gsLst>
+                  <a:lin ang="5400000" scaled="0"/>
+                </a:gradFill>
+                <a:ea typeface="Segoe UI" pitchFamily="34" charset="0"/>
+                <a:cs typeface="Segoe UI" pitchFamily="34" charset="0"/>
+              </a:rPr>
+              <a:t>SQL DB</a:t>
+            </a:r>
+          </a:p>
+        </p:txBody>
+      </p:sp>
+      <p:sp>
+        <p:nvSpPr>
+          <p:cNvPr id="3" name="TextBox 2"/>
+          <p:cNvSpPr txBox="1"/>
+          <p:nvPr/>
         </p:nvSpPr>
         <p:spPr>
           <a:xfrm>
-            <a:off x="269239" y="1189177"/>
-            <a:ext cx="11653523" cy="5042086"/>
+            <a:off x="1" y="5132187"/>
+            <a:ext cx="1882472" cy="941386"/>
           </a:xfrm>
+          <a:prstGeom prst="rect">
+            <a:avLst/>
+          </a:prstGeom>
+          <a:noFill/>
         </p:spPr>
         <p:txBody>
-          <a:bodyPr/>
+          <a:bodyPr wrap="square" lIns="179285" tIns="143428" rIns="179285" bIns="143428" rtlCol="0">
+            <a:spAutoFit/>
+          </a:bodyPr>
           <a:lstStyle/>
           <a:p>
-            <a:r>
-              <a:rPr lang="en-US" dirty="0"/>
-              <a:t>Deploy specific types of resources</a:t>
-            </a:r>
-          </a:p>
-          <a:p>
-            <a:pPr lvl="1"/>
-            <a:endParaRPr lang="en-US" dirty="0"/>
-          </a:p>
-          <a:p>
-            <a:r>
-              <a:rPr lang="en-US" dirty="0"/>
-              <a:t>Identified by provider namespace</a:t>
-            </a:r>
-          </a:p>
-          <a:p>
-            <a:pPr lvl="1"/>
-            <a:r>
-              <a:rPr lang="en-US" dirty="0"/>
-              <a:t>e.g., </a:t>
-            </a:r>
-            <a:r>
-              <a:rPr lang="en-US" dirty="0" err="1"/>
-              <a:t>Microsoft.Compute</a:t>
-            </a:r>
-            <a:r>
-              <a:rPr lang="en-US" dirty="0"/>
-              <a:t>, </a:t>
-            </a:r>
-            <a:r>
-              <a:rPr lang="en-US" dirty="0" err="1"/>
-              <a:t>Microsoft.Storage</a:t>
-            </a:r>
-            <a:r>
-              <a:rPr lang="en-US" dirty="0"/>
-              <a:t>, </a:t>
-            </a:r>
-            <a:r>
-              <a:rPr lang="en-US" dirty="0" err="1"/>
-              <a:t>Microsoft.Web</a:t>
-            </a:r>
-            <a:r>
-              <a:rPr lang="en-US" dirty="0"/>
-              <a:t> (~ 30 Microsoft or customer namespaces)</a:t>
-            </a:r>
-          </a:p>
-          <a:p>
-            <a:pPr lvl="1"/>
-            <a:endParaRPr lang="en-US" dirty="0"/>
-          </a:p>
-          <a:p>
-            <a:r>
-              <a:rPr lang="en-US" dirty="0"/>
-              <a:t>Resource types</a:t>
-            </a:r>
-          </a:p>
-          <a:p>
-            <a:pPr lvl="1"/>
-            <a:r>
-              <a:rPr lang="en-US" dirty="0"/>
-              <a:t>Each provider namespace manages one or more resource types</a:t>
-            </a:r>
-          </a:p>
-          <a:p>
-            <a:pPr lvl="2"/>
-            <a:r>
-              <a:rPr lang="en-US" i="1" dirty="0" err="1"/>
-              <a:t>Microsoft.Compute</a:t>
-            </a:r>
-            <a:r>
-              <a:rPr lang="en-US" i="1" dirty="0"/>
-              <a:t>/</a:t>
-            </a:r>
-            <a:r>
-              <a:rPr lang="en-US" i="1" dirty="0" err="1"/>
-              <a:t>availabiltySets</a:t>
-            </a:r>
-            <a:endParaRPr lang="en-US" i="1" dirty="0"/>
-          </a:p>
-          <a:p>
-            <a:pPr lvl="2"/>
-            <a:r>
-              <a:rPr lang="en-US" i="1" dirty="0" err="1"/>
-              <a:t>Microsoft.Compute</a:t>
-            </a:r>
-            <a:r>
-              <a:rPr lang="en-US" i="1" dirty="0"/>
-              <a:t>/</a:t>
-            </a:r>
-            <a:r>
-              <a:rPr lang="en-US" i="1" dirty="0" err="1"/>
-              <a:t>virtualMachines</a:t>
-            </a:r>
-            <a:endParaRPr lang="en-US" i="1" dirty="0"/>
-          </a:p>
-          <a:p>
-            <a:pPr lvl="2"/>
-            <a:r>
-              <a:rPr lang="en-US" i="1" dirty="0" err="1"/>
-              <a:t>Microsoft.Compute</a:t>
-            </a:r>
-            <a:r>
-              <a:rPr lang="en-US" i="1" dirty="0"/>
-              <a:t>/locations</a:t>
-            </a:r>
-          </a:p>
-          <a:p>
-            <a:pPr lvl="1"/>
-            <a:r>
-              <a:rPr lang="en-US" dirty="0"/>
-              <a:t>Different regional availability and </a:t>
-            </a:r>
-            <a:r>
-              <a:rPr lang="en-US" dirty="0" err="1"/>
-              <a:t>apiVersion</a:t>
-            </a:r>
-            <a:endParaRPr lang="en-US" dirty="0"/>
-          </a:p>
-          <a:p>
-            <a:pPr lvl="2"/>
-            <a:r>
-              <a:rPr lang="en-US" i="1" dirty="0"/>
-              <a:t>(Get-</a:t>
-            </a:r>
-            <a:r>
-              <a:rPr lang="en-US" i="1" dirty="0" err="1"/>
-              <a:t>AzureRmResourceProvider</a:t>
-            </a:r>
-            <a:r>
-              <a:rPr lang="en-US" i="1" dirty="0"/>
-              <a:t> –</a:t>
-            </a:r>
-            <a:r>
-              <a:rPr lang="en-US" i="1" dirty="0" err="1"/>
-              <a:t>ProviderNamespace</a:t>
-            </a:r>
-            <a:r>
-              <a:rPr lang="en-US" i="1" dirty="0"/>
-              <a:t> </a:t>
-            </a:r>
-            <a:r>
-              <a:rPr lang="en-US" i="1" dirty="0" err="1"/>
-              <a:t>Microsoft.Compute</a:t>
-            </a:r>
-            <a:r>
-              <a:rPr lang="en-US" i="1" dirty="0"/>
-              <a:t>).</a:t>
-            </a:r>
-            <a:r>
-              <a:rPr lang="en-US" i="1" dirty="0" err="1"/>
-              <a:t>ResourceTypes</a:t>
-            </a:r>
-            <a:endParaRPr lang="en-US" i="1" dirty="0"/>
+            <a:pPr>
+              <a:lnSpc>
+                <a:spcPct val="90000"/>
+              </a:lnSpc>
+            </a:pPr>
+            <a:r>
+              <a:rPr lang="en-US" sz="2353" dirty="0"/>
+              <a:t>Resource Provider</a:t>
+            </a:r>
           </a:p>
         </p:txBody>
       </p:sp>
+      <p:pic>
+        <p:nvPicPr>
+          <p:cNvPr id="9" name="Picture 8"/>
+          <p:cNvPicPr>
+            <a:picLocks noChangeAspect="1"/>
+          </p:cNvPicPr>
+          <p:nvPr/>
+        </p:nvPicPr>
+        <p:blipFill>
+          <a:blip r:embed="rId3"/>
+          <a:stretch>
+            <a:fillRect/>
+          </a:stretch>
+        </p:blipFill>
+        <p:spPr>
+          <a:xfrm>
+            <a:off x="2070882" y="4939759"/>
+            <a:ext cx="895484" cy="896425"/>
+          </a:xfrm>
+          <a:prstGeom prst="rect">
+            <a:avLst/>
+          </a:prstGeom>
+        </p:spPr>
+      </p:pic>
+      <p:pic>
+        <p:nvPicPr>
+          <p:cNvPr id="12" name="Picture 11"/>
+          <p:cNvPicPr>
+            <a:picLocks noChangeAspect="1"/>
+          </p:cNvPicPr>
+          <p:nvPr/>
+        </p:nvPicPr>
+        <p:blipFill>
+          <a:blip r:embed="rId4"/>
+          <a:stretch>
+            <a:fillRect/>
+          </a:stretch>
+        </p:blipFill>
+        <p:spPr>
+          <a:xfrm>
+            <a:off x="4027251" y="4945067"/>
+            <a:ext cx="968098" cy="896425"/>
+          </a:xfrm>
+          <a:prstGeom prst="rect">
+            <a:avLst/>
+          </a:prstGeom>
+        </p:spPr>
+      </p:pic>
+      <p:pic>
+        <p:nvPicPr>
+          <p:cNvPr id="13" name="Picture 12"/>
+          <p:cNvPicPr>
+            <a:picLocks noChangeAspect="1"/>
+          </p:cNvPicPr>
+          <p:nvPr/>
+        </p:nvPicPr>
+        <p:blipFill>
+          <a:blip r:embed="rId5"/>
+          <a:stretch>
+            <a:fillRect/>
+          </a:stretch>
+        </p:blipFill>
+        <p:spPr>
+          <a:xfrm>
+            <a:off x="6077965" y="4945067"/>
+            <a:ext cx="859672" cy="896425"/>
+          </a:xfrm>
+          <a:prstGeom prst="rect">
+            <a:avLst/>
+          </a:prstGeom>
+        </p:spPr>
+      </p:pic>
+      <p:sp>
+        <p:nvSpPr>
+          <p:cNvPr id="15" name="Rectangle 14"/>
+          <p:cNvSpPr/>
+          <p:nvPr/>
+        </p:nvSpPr>
+        <p:spPr bwMode="auto">
+          <a:xfrm>
+            <a:off x="9600422" y="4773620"/>
+            <a:ext cx="1809396" cy="1434265"/>
+          </a:xfrm>
+          <a:prstGeom prst="rect">
+            <a:avLst/>
+          </a:prstGeom>
+          <a:solidFill>
+            <a:srgbClr val="C00000"/>
+          </a:solidFill>
+          <a:ln>
+            <a:noFill/>
+            <a:headEnd type="none" w="med" len="med"/>
+            <a:tailEnd type="none" w="med" len="med"/>
+          </a:ln>
+          <a:effectLst/>
+        </p:spPr>
+        <p:style>
+          <a:lnRef idx="1">
+            <a:schemeClr val="accent2"/>
+          </a:lnRef>
+          <a:fillRef idx="3">
+            <a:schemeClr val="accent2"/>
+          </a:fillRef>
+          <a:effectRef idx="2">
+            <a:schemeClr val="accent2"/>
+          </a:effectRef>
+          <a:fontRef idx="minor">
+            <a:schemeClr val="lt1"/>
+          </a:fontRef>
+        </p:style>
+        <p:txBody>
+          <a:bodyPr rot="0" spcFirstLastPara="0" vertOverflow="overflow" horzOverflow="overflow" vert="horz" wrap="square" lIns="179285" tIns="143428" rIns="179285" bIns="0" numCol="1" spcCol="0" rtlCol="0" fromWordArt="0" anchor="b" anchorCtr="0" forceAA="0" compatLnSpc="1">
+            <a:prstTxWarp prst="textNoShape">
+              <a:avLst/>
+            </a:prstTxWarp>
+            <a:noAutofit/>
+          </a:bodyPr>
+          <a:lstStyle/>
+          <a:p>
+            <a:pPr algn="ctr" defTabSz="914102" fontAlgn="base">
+              <a:lnSpc>
+                <a:spcPct val="90000"/>
+              </a:lnSpc>
+              <a:spcBef>
+                <a:spcPct val="0"/>
+              </a:spcBef>
+              <a:spcAft>
+                <a:spcPct val="0"/>
+              </a:spcAft>
+            </a:pPr>
+            <a:r>
+              <a:rPr lang="en-US" sz="1765" dirty="0">
+                <a:gradFill>
+                  <a:gsLst>
+                    <a:gs pos="0">
+                      <a:srgbClr val="FFFFFF"/>
+                    </a:gs>
+                    <a:gs pos="100000">
+                      <a:srgbClr val="FFFFFF"/>
+                    </a:gs>
+                  </a:gsLst>
+                  <a:lin ang="5400000" scaled="0"/>
+                </a:gradFill>
+                <a:ea typeface="Segoe UI" pitchFamily="34" charset="0"/>
+                <a:cs typeface="Segoe UI" pitchFamily="34" charset="0"/>
+              </a:rPr>
+              <a:t>…..</a:t>
+            </a:r>
+          </a:p>
+        </p:txBody>
+      </p:sp>
+      <p:sp>
+        <p:nvSpPr>
+          <p:cNvPr id="16" name="Rectangle 15"/>
+          <p:cNvSpPr/>
+          <p:nvPr/>
+        </p:nvSpPr>
+        <p:spPr bwMode="auto">
+          <a:xfrm>
+            <a:off x="1613925" y="4235774"/>
+            <a:ext cx="9795893" cy="358566"/>
+          </a:xfrm>
+          <a:prstGeom prst="rect">
+            <a:avLst/>
+          </a:prstGeom>
+          <a:solidFill>
+            <a:srgbClr val="92D050"/>
+          </a:solidFill>
+          <a:ln>
+            <a:noFill/>
+            <a:headEnd type="none" w="med" len="med"/>
+            <a:tailEnd type="none" w="med" len="med"/>
+          </a:ln>
+          <a:effectLst/>
+        </p:spPr>
+        <p:style>
+          <a:lnRef idx="1">
+            <a:schemeClr val="accent2"/>
+          </a:lnRef>
+          <a:fillRef idx="3">
+            <a:schemeClr val="accent2"/>
+          </a:fillRef>
+          <a:effectRef idx="2">
+            <a:schemeClr val="accent2"/>
+          </a:effectRef>
+          <a:fontRef idx="minor">
+            <a:schemeClr val="lt1"/>
+          </a:fontRef>
+        </p:style>
+        <p:txBody>
+          <a:bodyPr rot="0" spcFirstLastPara="0" vertOverflow="overflow" horzOverflow="overflow" vert="horz" wrap="square" lIns="179285" tIns="143428" rIns="179285" bIns="143428" numCol="1" spcCol="0" rtlCol="0" fromWordArt="0" anchor="ctr" anchorCtr="0" forceAA="0" compatLnSpc="1">
+            <a:prstTxWarp prst="textNoShape">
+              <a:avLst/>
+            </a:prstTxWarp>
+            <a:noAutofit/>
+          </a:bodyPr>
+          <a:lstStyle/>
+          <a:p>
+            <a:pPr algn="ctr" defTabSz="914102" fontAlgn="base">
+              <a:lnSpc>
+                <a:spcPct val="90000"/>
+              </a:lnSpc>
+              <a:spcBef>
+                <a:spcPct val="0"/>
+              </a:spcBef>
+              <a:spcAft>
+                <a:spcPct val="0"/>
+              </a:spcAft>
+            </a:pPr>
+            <a:r>
+              <a:rPr lang="en-US" sz="2353" b="1" dirty="0">
+                <a:gradFill>
+                  <a:gsLst>
+                    <a:gs pos="0">
+                      <a:srgbClr val="FFFFFF"/>
+                    </a:gs>
+                    <a:gs pos="100000">
+                      <a:srgbClr val="FFFFFF"/>
+                    </a:gs>
+                  </a:gsLst>
+                  <a:lin ang="5400000" scaled="0"/>
+                </a:gradFill>
+                <a:ea typeface="Segoe UI" pitchFamily="34" charset="0"/>
+                <a:cs typeface="Segoe UI" pitchFamily="34" charset="0"/>
+              </a:rPr>
+              <a:t>Provider Contract</a:t>
+            </a:r>
+          </a:p>
+        </p:txBody>
+      </p:sp>
+      <p:sp>
+        <p:nvSpPr>
+          <p:cNvPr id="17" name="TextBox 16"/>
+          <p:cNvSpPr txBox="1"/>
+          <p:nvPr/>
+        </p:nvSpPr>
+        <p:spPr>
+          <a:xfrm>
+            <a:off x="1604204" y="3066490"/>
+            <a:ext cx="9805614" cy="832764"/>
+          </a:xfrm>
+          <a:prstGeom prst="rect">
+            <a:avLst/>
+          </a:prstGeom>
+          <a:noFill/>
+        </p:spPr>
+        <p:txBody>
+          <a:bodyPr wrap="square" lIns="179285" tIns="143428" rIns="179285" bIns="143428" rtlCol="0">
+            <a:spAutoFit/>
+          </a:bodyPr>
+          <a:lstStyle/>
+          <a:p>
+            <a:pPr defTabSz="914102" fontAlgn="base">
+              <a:lnSpc>
+                <a:spcPct val="90000"/>
+              </a:lnSpc>
+              <a:spcBef>
+                <a:spcPct val="0"/>
+              </a:spcBef>
+              <a:spcAft>
+                <a:spcPct val="0"/>
+              </a:spcAft>
+            </a:pPr>
+            <a:r>
+              <a:rPr lang="en-US" sz="1961" b="1" dirty="0">
+                <a:solidFill>
+                  <a:srgbClr val="FFFFFF"/>
+                </a:solidFill>
+                <a:latin typeface="Consolas" panose="020B0609020204030204" pitchFamily="49" charset="0"/>
+                <a:ea typeface="Segoe UI" pitchFamily="34" charset="0"/>
+                <a:cs typeface="Consolas" panose="020B0609020204030204" pitchFamily="49" charset="0"/>
+              </a:rPr>
+              <a:t>https://management.azure.com/subscriptions/{{subscriptionId}}/providers?api-version={{apiVersion}}</a:t>
+            </a:r>
+          </a:p>
+        </p:txBody>
+      </p:sp>
+      <p:sp>
+        <p:nvSpPr>
+          <p:cNvPr id="18" name="Rectangle 17"/>
+          <p:cNvSpPr/>
+          <p:nvPr/>
+        </p:nvSpPr>
+        <p:spPr bwMode="auto">
+          <a:xfrm>
+            <a:off x="1604204" y="1456887"/>
+            <a:ext cx="9805614" cy="537849"/>
+          </a:xfrm>
+          <a:prstGeom prst="rect">
+            <a:avLst/>
+          </a:prstGeom>
+          <a:solidFill>
+            <a:schemeClr val="accent6"/>
+          </a:solidFill>
+          <a:ln>
+            <a:noFill/>
+            <a:headEnd type="none" w="med" len="med"/>
+            <a:tailEnd type="none" w="med" len="med"/>
+          </a:ln>
+          <a:effectLst/>
+        </p:spPr>
+        <p:style>
+          <a:lnRef idx="1">
+            <a:schemeClr val="accent2"/>
+          </a:lnRef>
+          <a:fillRef idx="3">
+            <a:schemeClr val="accent2"/>
+          </a:fillRef>
+          <a:effectRef idx="2">
+            <a:schemeClr val="accent2"/>
+          </a:effectRef>
+          <a:fontRef idx="minor">
+            <a:schemeClr val="lt1"/>
+          </a:fontRef>
+        </p:style>
+        <p:txBody>
+          <a:bodyPr rot="0" spcFirstLastPara="0" vertOverflow="overflow" horzOverflow="overflow" vert="horz" wrap="square" lIns="179285" tIns="143428" rIns="179285" bIns="143428" numCol="1" spcCol="0" rtlCol="0" fromWordArt="0" anchor="t" anchorCtr="0" forceAA="0" compatLnSpc="1">
+            <a:prstTxWarp prst="textNoShape">
+              <a:avLst/>
+            </a:prstTxWarp>
+            <a:noAutofit/>
+          </a:bodyPr>
+          <a:lstStyle/>
+          <a:p>
+            <a:pPr algn="ctr" defTabSz="914102" fontAlgn="base">
+              <a:lnSpc>
+                <a:spcPct val="90000"/>
+              </a:lnSpc>
+              <a:spcBef>
+                <a:spcPct val="0"/>
+              </a:spcBef>
+              <a:spcAft>
+                <a:spcPct val="0"/>
+              </a:spcAft>
+            </a:pPr>
+            <a:r>
+              <a:rPr lang="en-US" sz="2353" b="1" dirty="0">
+                <a:gradFill>
+                  <a:gsLst>
+                    <a:gs pos="0">
+                      <a:srgbClr val="FFFFFF"/>
+                    </a:gs>
+                    <a:gs pos="100000">
+                      <a:srgbClr val="FFFFFF"/>
+                    </a:gs>
+                  </a:gsLst>
+                  <a:lin ang="5400000" scaled="0"/>
+                </a:gradFill>
+                <a:ea typeface="Segoe UI" pitchFamily="34" charset="0"/>
+                <a:cs typeface="Segoe UI" pitchFamily="34" charset="0"/>
+              </a:rPr>
+              <a:t>Tools</a:t>
+            </a:r>
+          </a:p>
+        </p:txBody>
+      </p:sp>
+      <p:sp>
+        <p:nvSpPr>
+          <p:cNvPr id="19" name="TextBox 18"/>
+          <p:cNvSpPr txBox="1"/>
+          <p:nvPr/>
+        </p:nvSpPr>
+        <p:spPr>
+          <a:xfrm>
+            <a:off x="10192079" y="5020059"/>
+            <a:ext cx="626082" cy="941386"/>
+          </a:xfrm>
+          <a:prstGeom prst="rect">
+            <a:avLst/>
+          </a:prstGeom>
+          <a:noFill/>
+        </p:spPr>
+        <p:txBody>
+          <a:bodyPr wrap="none" lIns="179285" tIns="143428" rIns="179285" bIns="143428" rtlCol="0">
+            <a:spAutoFit/>
+          </a:bodyPr>
+          <a:lstStyle/>
+          <a:p>
+            <a:pPr>
+              <a:lnSpc>
+                <a:spcPct val="90000"/>
+              </a:lnSpc>
+            </a:pPr>
+            <a:r>
+              <a:rPr lang="en-US" sz="4705" b="1" dirty="0">
+                <a:solidFill>
+                  <a:schemeClr val="bg1"/>
+                </a:solidFill>
+              </a:rPr>
+              <a:t>?</a:t>
+            </a:r>
+          </a:p>
+        </p:txBody>
+      </p:sp>
+      <p:sp>
+        <p:nvSpPr>
+          <p:cNvPr id="20" name="TextBox 19"/>
+          <p:cNvSpPr txBox="1"/>
+          <p:nvPr/>
+        </p:nvSpPr>
+        <p:spPr>
+          <a:xfrm>
+            <a:off x="1" y="2644410"/>
+            <a:ext cx="1882472" cy="615522"/>
+          </a:xfrm>
+          <a:prstGeom prst="rect">
+            <a:avLst/>
+          </a:prstGeom>
+          <a:noFill/>
+        </p:spPr>
+        <p:txBody>
+          <a:bodyPr wrap="square" lIns="179285" tIns="143428" rIns="179285" bIns="143428" rtlCol="0">
+            <a:spAutoFit/>
+          </a:bodyPr>
+          <a:lstStyle/>
+          <a:p>
+            <a:pPr>
+              <a:lnSpc>
+                <a:spcPct val="90000"/>
+              </a:lnSpc>
+            </a:pPr>
+            <a:r>
+              <a:rPr lang="en-US" sz="2353" dirty="0"/>
+              <a:t>REST API</a:t>
+            </a:r>
+          </a:p>
+        </p:txBody>
+      </p:sp>
+      <p:pic>
+        <p:nvPicPr>
+          <p:cNvPr id="8" name="Picture 7"/>
+          <p:cNvPicPr>
+            <a:picLocks noChangeAspect="1"/>
+          </p:cNvPicPr>
+          <p:nvPr/>
+        </p:nvPicPr>
+        <p:blipFill>
+          <a:blip r:embed="rId6"/>
+          <a:stretch>
+            <a:fillRect/>
+          </a:stretch>
+        </p:blipFill>
+        <p:spPr>
+          <a:xfrm>
+            <a:off x="8068113" y="4939759"/>
+            <a:ext cx="815431" cy="896425"/>
+          </a:xfrm>
+          <a:prstGeom prst="rect">
+            <a:avLst/>
+          </a:prstGeom>
+        </p:spPr>
+      </p:pic>
     </p:spTree>
     <p:extLst>
       <p:ext uri="{BB962C8B-B14F-4D97-AF65-F5344CB8AC3E}">
-        <p14:creationId xmlns:p14="http://schemas.microsoft.com/office/powerpoint/2010/main" val="498969915"/>
+        <p14:creationId xmlns:p14="http://schemas.microsoft.com/office/powerpoint/2010/main" val="844434340"/>
       </p:ext>
     </p:extLst>
   </p:cSld>
@@ -32784,7 +33581,7 @@
         <p:spPr>
           <a:xfrm>
             <a:off x="7943850" y="5257800"/>
-            <a:ext cx="3105150" cy="1292662"/>
+            <a:ext cx="3898194" cy="960263"/>
           </a:xfrm>
           <a:prstGeom prst="rect">
             <a:avLst/>
@@ -32859,6 +33656,1445 @@
             <p:ph type="title"/>
           </p:nvPr>
         </p:nvSpPr>
+        <p:spPr/>
+        <p:txBody>
+          <a:bodyPr/>
+          <a:lstStyle/>
+          <a:p>
+            <a:r>
+              <a:rPr lang="en-US" dirty="0"/>
+              <a:t>Export a Template</a:t>
+            </a:r>
+          </a:p>
+        </p:txBody>
+      </p:sp>
+      <p:sp>
+        <p:nvSpPr>
+          <p:cNvPr id="5" name="Text Placeholder 4"/>
+          <p:cNvSpPr>
+            <a:spLocks noGrp="1"/>
+          </p:cNvSpPr>
+          <p:nvPr>
+            <p:ph type="body" sz="quarter" idx="10"/>
+          </p:nvPr>
+        </p:nvSpPr>
+        <p:spPr>
+          <a:xfrm>
+            <a:off x="269239" y="1189177"/>
+            <a:ext cx="11653523" cy="2387064"/>
+          </a:xfrm>
+        </p:spPr>
+        <p:txBody>
+          <a:bodyPr/>
+          <a:lstStyle/>
+          <a:p>
+            <a:r>
+              <a:rPr lang="en-US" dirty="0"/>
+              <a:t>Build it in the Azure Portal</a:t>
+            </a:r>
+          </a:p>
+          <a:p>
+            <a:r>
+              <a:rPr lang="en-US" dirty="0"/>
+              <a:t>Export it . . . </a:t>
+            </a:r>
+            <a:r>
+              <a:rPr lang="en-US" i="1" dirty="0"/>
+              <a:t>FINALLY!</a:t>
+            </a:r>
+          </a:p>
+          <a:p>
+            <a:pPr lvl="1"/>
+            <a:r>
+              <a:rPr lang="en-US" dirty="0"/>
+              <a:t>Export the resources in the selected resource group</a:t>
+            </a:r>
+          </a:p>
+          <a:p>
+            <a:pPr lvl="1"/>
+            <a:r>
+              <a:rPr lang="en-US" dirty="0"/>
+              <a:t>Export the template from a </a:t>
+            </a:r>
+            <a:r>
+              <a:rPr lang="en-US" b="1" dirty="0"/>
+              <a:t>previous</a:t>
+            </a:r>
+            <a:r>
+              <a:rPr lang="en-US" dirty="0"/>
+              <a:t> deployment</a:t>
+            </a:r>
+          </a:p>
+          <a:p>
+            <a:pPr lvl="1"/>
+            <a:r>
+              <a:rPr lang="en-US" dirty="0"/>
+              <a:t>Save it to a Templates gallery to share with others!</a:t>
+            </a:r>
+          </a:p>
+        </p:txBody>
+      </p:sp>
+    </p:spTree>
+    <p:extLst>
+      <p:ext uri="{BB962C8B-B14F-4D97-AF65-F5344CB8AC3E}">
+        <p14:creationId xmlns:p14="http://schemas.microsoft.com/office/powerpoint/2010/main" val="2945809713"/>
+      </p:ext>
+    </p:extLst>
+  </p:cSld>
+  <p:clrMapOvr>
+    <a:masterClrMapping/>
+  </p:clrMapOvr>
+  <p:transition>
+    <p:fade/>
+  </p:transition>
+</p:sld>
+</file>
+
+<file path=ppt/slides/slide22.xml><?xml version="1.0" encoding="utf-8"?>
+<p:sld xmlns:a="http://schemas.openxmlformats.org/drawingml/2006/main" xmlns:r="http://schemas.openxmlformats.org/officeDocument/2006/relationships" xmlns:p="http://schemas.openxmlformats.org/presentationml/2006/main">
+  <p:cSld>
+    <p:spTree>
+      <p:nvGrpSpPr>
+        <p:cNvPr id="1" name=""/>
+        <p:cNvGrpSpPr/>
+        <p:nvPr/>
+      </p:nvGrpSpPr>
+      <p:grpSpPr>
+        <a:xfrm>
+          <a:off x="0" y="0"/>
+          <a:ext cx="0" cy="0"/>
+          <a:chOff x="0" y="0"/>
+          <a:chExt cx="0" cy="0"/>
+        </a:xfrm>
+      </p:grpSpPr>
+      <p:sp>
+        <p:nvSpPr>
+          <p:cNvPr id="4" name="Title 3"/>
+          <p:cNvSpPr>
+            <a:spLocks noGrp="1"/>
+          </p:cNvSpPr>
+          <p:nvPr>
+            <p:ph type="title"/>
+          </p:nvPr>
+        </p:nvSpPr>
+        <p:spPr/>
+        <p:txBody>
+          <a:bodyPr/>
+          <a:lstStyle/>
+          <a:p>
+            <a:r>
+              <a:rPr lang="en-US" dirty="0"/>
+              <a:t>Export a Template</a:t>
+            </a:r>
+          </a:p>
+        </p:txBody>
+      </p:sp>
+      <p:sp>
+        <p:nvSpPr>
+          <p:cNvPr id="5" name="Text Placeholder 4"/>
+          <p:cNvSpPr>
+            <a:spLocks noGrp="1"/>
+          </p:cNvSpPr>
+          <p:nvPr>
+            <p:ph type="body" sz="quarter" idx="10"/>
+          </p:nvPr>
+        </p:nvSpPr>
+        <p:spPr>
+          <a:xfrm>
+            <a:off x="269239" y="1189177"/>
+            <a:ext cx="11653523" cy="2718949"/>
+          </a:xfrm>
+        </p:spPr>
+        <p:txBody>
+          <a:bodyPr/>
+          <a:lstStyle/>
+          <a:p>
+            <a:r>
+              <a:rPr lang="en-US" dirty="0"/>
+              <a:t>Build it in the Azure Portal</a:t>
+            </a:r>
+          </a:p>
+          <a:p>
+            <a:r>
+              <a:rPr lang="en-US" dirty="0"/>
+              <a:t>Export it . . . </a:t>
+            </a:r>
+            <a:r>
+              <a:rPr lang="en-US" i="1" dirty="0"/>
+              <a:t>FINALLY!</a:t>
+            </a:r>
+          </a:p>
+          <a:p>
+            <a:pPr lvl="1"/>
+            <a:r>
+              <a:rPr lang="en-US" dirty="0"/>
+              <a:t>Export the resources in the selected resource group</a:t>
+            </a:r>
+          </a:p>
+          <a:p>
+            <a:pPr lvl="1"/>
+            <a:r>
+              <a:rPr lang="en-US" dirty="0"/>
+              <a:t>Export the template from a </a:t>
+            </a:r>
+            <a:r>
+              <a:rPr lang="en-US" b="1" dirty="0"/>
+              <a:t>previous</a:t>
+            </a:r>
+            <a:r>
+              <a:rPr lang="en-US" dirty="0"/>
+              <a:t> deployment</a:t>
+            </a:r>
+          </a:p>
+          <a:p>
+            <a:pPr lvl="1"/>
+            <a:r>
+              <a:rPr lang="en-US" dirty="0"/>
+              <a:t>Save it to a Templates gallery to share with others!</a:t>
+            </a:r>
+          </a:p>
+          <a:p>
+            <a:pPr lvl="1"/>
+            <a:endParaRPr lang="en-US" dirty="0"/>
+          </a:p>
+        </p:txBody>
+      </p:sp>
+      <p:pic>
+        <p:nvPicPr>
+          <p:cNvPr id="6" name="Picture 2" descr="C:\Users\mcollier\AppData\Local\Temp\SNAGHTML1e0e725.PNG"/>
+          <p:cNvPicPr>
+            <a:picLocks noChangeAspect="1" noChangeArrowheads="1"/>
+          </p:cNvPicPr>
+          <p:nvPr/>
+        </p:nvPicPr>
+        <p:blipFill>
+          <a:blip r:embed="rId2">
+            <a:extLst>
+              <a:ext uri="{28A0092B-C50C-407E-A947-70E740481C1C}">
+                <a14:useLocalDpi xmlns:a14="http://schemas.microsoft.com/office/drawing/2010/main" val="0"/>
+              </a:ext>
+            </a:extLst>
+          </a:blip>
+          <a:srcRect/>
+          <a:stretch>
+            <a:fillRect/>
+          </a:stretch>
+        </p:blipFill>
+        <p:spPr bwMode="auto">
+          <a:xfrm>
+            <a:off x="1273176" y="289510"/>
+            <a:ext cx="9485136" cy="6400959"/>
+          </a:xfrm>
+          <a:prstGeom prst="rect">
+            <a:avLst/>
+          </a:prstGeom>
+          <a:noFill/>
+          <a:extLst>
+            <a:ext uri="{909E8E84-426E-40DD-AFC4-6F175D3DCCD1}">
+              <a14:hiddenFill xmlns:a14="http://schemas.microsoft.com/office/drawing/2010/main">
+                <a:solidFill>
+                  <a:srgbClr val="FFFFFF"/>
+                </a:solidFill>
+              </a14:hiddenFill>
+            </a:ext>
+          </a:extLst>
+        </p:spPr>
+      </p:pic>
+    </p:spTree>
+    <p:extLst>
+      <p:ext uri="{BB962C8B-B14F-4D97-AF65-F5344CB8AC3E}">
+        <p14:creationId xmlns:p14="http://schemas.microsoft.com/office/powerpoint/2010/main" val="824635739"/>
+      </p:ext>
+    </p:extLst>
+  </p:cSld>
+  <p:clrMapOvr>
+    <a:masterClrMapping/>
+  </p:clrMapOvr>
+  <p:transition>
+    <p:fade/>
+  </p:transition>
+</p:sld>
+</file>
+
+<file path=ppt/slides/slide23.xml><?xml version="1.0" encoding="utf-8"?>
+<p:sld xmlns:a="http://schemas.openxmlformats.org/drawingml/2006/main" xmlns:r="http://schemas.openxmlformats.org/officeDocument/2006/relationships" xmlns:p="http://schemas.openxmlformats.org/presentationml/2006/main">
+  <p:cSld>
+    <p:spTree>
+      <p:nvGrpSpPr>
+        <p:cNvPr id="1" name=""/>
+        <p:cNvGrpSpPr/>
+        <p:nvPr/>
+      </p:nvGrpSpPr>
+      <p:grpSpPr>
+        <a:xfrm>
+          <a:off x="0" y="0"/>
+          <a:ext cx="0" cy="0"/>
+          <a:chOff x="0" y="0"/>
+          <a:chExt cx="0" cy="0"/>
+        </a:xfrm>
+      </p:grpSpPr>
+      <p:sp>
+        <p:nvSpPr>
+          <p:cNvPr id="4" name="Title 3"/>
+          <p:cNvSpPr>
+            <a:spLocks noGrp="1"/>
+          </p:cNvSpPr>
+          <p:nvPr>
+            <p:ph type="title"/>
+          </p:nvPr>
+        </p:nvSpPr>
+        <p:spPr/>
+        <p:txBody>
+          <a:bodyPr/>
+          <a:lstStyle/>
+          <a:p>
+            <a:r>
+              <a:rPr lang="en-US" dirty="0"/>
+              <a:t>Export a Template</a:t>
+            </a:r>
+          </a:p>
+        </p:txBody>
+      </p:sp>
+      <p:sp>
+        <p:nvSpPr>
+          <p:cNvPr id="5" name="Text Placeholder 4"/>
+          <p:cNvSpPr>
+            <a:spLocks noGrp="1"/>
+          </p:cNvSpPr>
+          <p:nvPr>
+            <p:ph type="body" sz="quarter" idx="10"/>
+          </p:nvPr>
+        </p:nvSpPr>
+        <p:spPr>
+          <a:xfrm>
+            <a:off x="269239" y="1189177"/>
+            <a:ext cx="11653523" cy="2718949"/>
+          </a:xfrm>
+        </p:spPr>
+        <p:txBody>
+          <a:bodyPr/>
+          <a:lstStyle/>
+          <a:p>
+            <a:r>
+              <a:rPr lang="en-US" dirty="0"/>
+              <a:t>Build it in the Azure Portal</a:t>
+            </a:r>
+          </a:p>
+          <a:p>
+            <a:r>
+              <a:rPr lang="en-US" dirty="0"/>
+              <a:t>Export it . . . </a:t>
+            </a:r>
+            <a:r>
+              <a:rPr lang="en-US" i="1" dirty="0"/>
+              <a:t>FINALLY!</a:t>
+            </a:r>
+          </a:p>
+          <a:p>
+            <a:pPr lvl="1"/>
+            <a:r>
+              <a:rPr lang="en-US" dirty="0"/>
+              <a:t>Export the resources in the selected resource group</a:t>
+            </a:r>
+          </a:p>
+          <a:p>
+            <a:pPr lvl="1"/>
+            <a:r>
+              <a:rPr lang="en-US" dirty="0"/>
+              <a:t>Export the template from a </a:t>
+            </a:r>
+            <a:r>
+              <a:rPr lang="en-US" b="1" dirty="0"/>
+              <a:t>previous</a:t>
+            </a:r>
+            <a:r>
+              <a:rPr lang="en-US" dirty="0"/>
+              <a:t> deployment</a:t>
+            </a:r>
+          </a:p>
+          <a:p>
+            <a:pPr lvl="1"/>
+            <a:r>
+              <a:rPr lang="en-US" dirty="0"/>
+              <a:t>Save it to a Templates gallery to share with others!</a:t>
+            </a:r>
+          </a:p>
+          <a:p>
+            <a:pPr lvl="1"/>
+            <a:endParaRPr lang="en-US" dirty="0"/>
+          </a:p>
+        </p:txBody>
+      </p:sp>
+      <p:pic>
+        <p:nvPicPr>
+          <p:cNvPr id="6" name="Picture 2" descr="C:\Users\mcollier\AppData\Local\Temp\SNAGHTML1e0e725.PNG"/>
+          <p:cNvPicPr>
+            <a:picLocks noChangeAspect="1" noChangeArrowheads="1"/>
+          </p:cNvPicPr>
+          <p:nvPr/>
+        </p:nvPicPr>
+        <p:blipFill rotWithShape="1">
+          <a:blip r:embed="rId2">
+            <a:extLst>
+              <a:ext uri="{28A0092B-C50C-407E-A947-70E740481C1C}">
+                <a14:useLocalDpi xmlns:a14="http://schemas.microsoft.com/office/drawing/2010/main" val="0"/>
+              </a:ext>
+            </a:extLst>
+          </a:blip>
+          <a:srcRect r="48916" b="57082"/>
+          <a:stretch/>
+        </p:blipFill>
+        <p:spPr bwMode="auto">
+          <a:xfrm>
+            <a:off x="1273175" y="289510"/>
+            <a:ext cx="10081965" cy="5716179"/>
+          </a:xfrm>
+          <a:prstGeom prst="rect">
+            <a:avLst/>
+          </a:prstGeom>
+          <a:noFill/>
+          <a:extLst>
+            <a:ext uri="{909E8E84-426E-40DD-AFC4-6F175D3DCCD1}">
+              <a14:hiddenFill xmlns:a14="http://schemas.microsoft.com/office/drawing/2010/main">
+                <a:solidFill>
+                  <a:srgbClr val="FFFFFF"/>
+                </a:solidFill>
+              </a14:hiddenFill>
+            </a:ext>
+          </a:extLst>
+        </p:spPr>
+      </p:pic>
+      <p:sp>
+        <p:nvSpPr>
+          <p:cNvPr id="2" name="Rounded Rectangle 1"/>
+          <p:cNvSpPr/>
+          <p:nvPr/>
+        </p:nvSpPr>
+        <p:spPr bwMode="auto">
+          <a:xfrm>
+            <a:off x="1625600" y="3589867"/>
+            <a:ext cx="5779911" cy="406400"/>
+          </a:xfrm>
+          <a:prstGeom prst="roundRect">
+            <a:avLst/>
+          </a:prstGeom>
+          <a:noFill/>
+          <a:ln w="19050">
+            <a:solidFill>
+              <a:srgbClr val="FF0000"/>
+            </a:solidFill>
+            <a:headEnd type="none" w="med" len="med"/>
+            <a:tailEnd type="none" w="med" len="med"/>
+          </a:ln>
+          <a:effectLst/>
+        </p:spPr>
+        <p:style>
+          <a:lnRef idx="1">
+            <a:schemeClr val="accent2"/>
+          </a:lnRef>
+          <a:fillRef idx="3">
+            <a:schemeClr val="accent2"/>
+          </a:fillRef>
+          <a:effectRef idx="2">
+            <a:schemeClr val="accent2"/>
+          </a:effectRef>
+          <a:fontRef idx="minor">
+            <a:schemeClr val="lt1"/>
+          </a:fontRef>
+        </p:style>
+        <p:txBody>
+          <a:bodyPr rot="0" spcFirstLastPara="0" vertOverflow="overflow" horzOverflow="overflow" vert="horz" wrap="square" lIns="182880" tIns="146304" rIns="182880" bIns="146304" numCol="1" spcCol="0" rtlCol="0" fromWordArt="0" anchor="t" anchorCtr="0" forceAA="0" compatLnSpc="1">
+            <a:prstTxWarp prst="textNoShape">
+              <a:avLst/>
+            </a:prstTxWarp>
+            <a:noAutofit/>
+          </a:bodyPr>
+          <a:lstStyle/>
+          <a:p>
+            <a:pPr algn="ctr" defTabSz="932472" fontAlgn="base">
+              <a:lnSpc>
+                <a:spcPct val="90000"/>
+              </a:lnSpc>
+              <a:spcBef>
+                <a:spcPct val="0"/>
+              </a:spcBef>
+              <a:spcAft>
+                <a:spcPct val="0"/>
+              </a:spcAft>
+            </a:pPr>
+            <a:endParaRPr lang="en-US" sz="2400" dirty="0" err="1">
+              <a:gradFill>
+                <a:gsLst>
+                  <a:gs pos="0">
+                    <a:srgbClr val="FFFFFF"/>
+                  </a:gs>
+                  <a:gs pos="100000">
+                    <a:srgbClr val="FFFFFF"/>
+                  </a:gs>
+                </a:gsLst>
+                <a:lin ang="5400000" scaled="0"/>
+              </a:gradFill>
+              <a:ea typeface="Segoe UI" pitchFamily="34" charset="0"/>
+              <a:cs typeface="Segoe UI" pitchFamily="34" charset="0"/>
+            </a:endParaRPr>
+          </a:p>
+        </p:txBody>
+      </p:sp>
+      <p:sp>
+        <p:nvSpPr>
+          <p:cNvPr id="8" name="Rounded Rectangle 7"/>
+          <p:cNvSpPr/>
+          <p:nvPr/>
+        </p:nvSpPr>
+        <p:spPr bwMode="auto">
+          <a:xfrm>
+            <a:off x="1493345" y="1301765"/>
+            <a:ext cx="1078088" cy="915001"/>
+          </a:xfrm>
+          <a:prstGeom prst="roundRect">
+            <a:avLst/>
+          </a:prstGeom>
+          <a:noFill/>
+          <a:ln w="19050">
+            <a:solidFill>
+              <a:srgbClr val="FF0000"/>
+            </a:solidFill>
+            <a:headEnd type="none" w="med" len="med"/>
+            <a:tailEnd type="none" w="med" len="med"/>
+          </a:ln>
+          <a:effectLst/>
+        </p:spPr>
+        <p:style>
+          <a:lnRef idx="1">
+            <a:schemeClr val="accent2"/>
+          </a:lnRef>
+          <a:fillRef idx="3">
+            <a:schemeClr val="accent2"/>
+          </a:fillRef>
+          <a:effectRef idx="2">
+            <a:schemeClr val="accent2"/>
+          </a:effectRef>
+          <a:fontRef idx="minor">
+            <a:schemeClr val="lt1"/>
+          </a:fontRef>
+        </p:style>
+        <p:txBody>
+          <a:bodyPr rot="0" spcFirstLastPara="0" vertOverflow="overflow" horzOverflow="overflow" vert="horz" wrap="square" lIns="182880" tIns="146304" rIns="182880" bIns="146304" numCol="1" spcCol="0" rtlCol="0" fromWordArt="0" anchor="t" anchorCtr="0" forceAA="0" compatLnSpc="1">
+            <a:prstTxWarp prst="textNoShape">
+              <a:avLst/>
+            </a:prstTxWarp>
+            <a:noAutofit/>
+          </a:bodyPr>
+          <a:lstStyle/>
+          <a:p>
+            <a:pPr algn="ctr" defTabSz="932472" fontAlgn="base">
+              <a:lnSpc>
+                <a:spcPct val="90000"/>
+              </a:lnSpc>
+              <a:spcBef>
+                <a:spcPct val="0"/>
+              </a:spcBef>
+              <a:spcAft>
+                <a:spcPct val="0"/>
+              </a:spcAft>
+            </a:pPr>
+            <a:endParaRPr lang="en-US" sz="2400" dirty="0" err="1">
+              <a:gradFill>
+                <a:gsLst>
+                  <a:gs pos="0">
+                    <a:srgbClr val="FFFFFF"/>
+                  </a:gs>
+                  <a:gs pos="100000">
+                    <a:srgbClr val="FFFFFF"/>
+                  </a:gs>
+                </a:gsLst>
+                <a:lin ang="5400000" scaled="0"/>
+              </a:gradFill>
+              <a:ea typeface="Segoe UI" pitchFamily="34" charset="0"/>
+              <a:cs typeface="Segoe UI" pitchFamily="34" charset="0"/>
+            </a:endParaRPr>
+          </a:p>
+        </p:txBody>
+      </p:sp>
+    </p:spTree>
+    <p:extLst>
+      <p:ext uri="{BB962C8B-B14F-4D97-AF65-F5344CB8AC3E}">
+        <p14:creationId xmlns:p14="http://schemas.microsoft.com/office/powerpoint/2010/main" val="2885877941"/>
+      </p:ext>
+    </p:extLst>
+  </p:cSld>
+  <p:clrMapOvr>
+    <a:masterClrMapping/>
+  </p:clrMapOvr>
+  <p:transition>
+    <p:fade/>
+  </p:transition>
+  <p:timing>
+    <p:tnLst>
+      <p:par>
+        <p:cTn id="1" dur="indefinite" restart="never" nodeType="tmRoot">
+          <p:childTnLst>
+            <p:seq concurrent="1" nextAc="seek">
+              <p:cTn id="2" dur="indefinite" nodeType="mainSeq">
+                <p:childTnLst>
+                  <p:par>
+                    <p:cTn id="3" fill="hold">
+                      <p:stCondLst>
+                        <p:cond delay="indefinite"/>
+                      </p:stCondLst>
+                      <p:childTnLst>
+                        <p:par>
+                          <p:cTn id="4" fill="hold">
+                            <p:stCondLst>
+                              <p:cond delay="0"/>
+                            </p:stCondLst>
+                            <p:childTnLst>
+                              <p:par>
+                                <p:cTn id="5" presetID="63" presetClass="path" presetSubtype="0" accel="50000" decel="50000" fill="hold" grpId="0" nodeType="clickEffect">
+                                  <p:stCondLst>
+                                    <p:cond delay="0"/>
+                                  </p:stCondLst>
+                                  <p:childTnLst>
+                                    <p:animMotion origin="layout" path="M 3.33333E-6 -1.48148E-6 L 0.09336 -0.00092 " pathEditMode="relative" rAng="0" ptsTypes="AA">
+                                      <p:cBhvr>
+                                        <p:cTn id="6" dur="2000" fill="hold"/>
+                                        <p:tgtEl>
+                                          <p:spTgt spid="8"/>
+                                        </p:tgtEl>
+                                        <p:attrNameLst>
+                                          <p:attrName>ppt_x</p:attrName>
+                                          <p:attrName>ppt_y</p:attrName>
+                                        </p:attrNameLst>
+                                      </p:cBhvr>
+                                      <p:rCtr x="4661" y="-46"/>
+                                    </p:animMotion>
+                                  </p:childTnLst>
+                                </p:cTn>
+                              </p:par>
+                            </p:childTnLst>
+                          </p:cTn>
+                        </p:par>
+                      </p:childTnLst>
+                    </p:cTn>
+                  </p:par>
+                  <p:par>
+                    <p:cTn id="7" fill="hold">
+                      <p:stCondLst>
+                        <p:cond delay="indefinite"/>
+                      </p:stCondLst>
+                      <p:childTnLst>
+                        <p:par>
+                          <p:cTn id="8" fill="hold">
+                            <p:stCondLst>
+                              <p:cond delay="0"/>
+                            </p:stCondLst>
+                            <p:childTnLst>
+                              <p:par>
+                                <p:cTn id="9" presetID="42" presetClass="path" presetSubtype="0" accel="50000" decel="50000" fill="hold" grpId="1" nodeType="clickEffect">
+                                  <p:stCondLst>
+                                    <p:cond delay="0"/>
+                                  </p:stCondLst>
+                                  <p:childTnLst>
+                                    <p:animMotion origin="layout" path="M 0.09336 -0.00093 L 0.1789 0.00023 " pathEditMode="relative" rAng="0" ptsTypes="AA">
+                                      <p:cBhvr>
+                                        <p:cTn id="10" dur="2000" fill="hold"/>
+                                        <p:tgtEl>
+                                          <p:spTgt spid="8"/>
+                                        </p:tgtEl>
+                                        <p:attrNameLst>
+                                          <p:attrName>ppt_x</p:attrName>
+                                          <p:attrName>ppt_y</p:attrName>
+                                        </p:attrNameLst>
+                                      </p:cBhvr>
+                                      <p:rCtr x="4466" y="0"/>
+                                    </p:animMotion>
+                                  </p:childTnLst>
+                                </p:cTn>
+                              </p:par>
+                            </p:childTnLst>
+                          </p:cTn>
+                        </p:par>
+                      </p:childTnLst>
+                    </p:cTn>
+                  </p:par>
+                  <p:par>
+                    <p:cTn id="11" fill="hold">
+                      <p:stCondLst>
+                        <p:cond delay="indefinite"/>
+                      </p:stCondLst>
+                      <p:childTnLst>
+                        <p:par>
+                          <p:cTn id="12" fill="hold">
+                            <p:stCondLst>
+                              <p:cond delay="0"/>
+                            </p:stCondLst>
+                            <p:childTnLst>
+                              <p:par>
+                                <p:cTn id="13" presetID="10" presetClass="exit" presetSubtype="0" fill="hold" grpId="2" nodeType="clickEffect">
+                                  <p:stCondLst>
+                                    <p:cond delay="0"/>
+                                  </p:stCondLst>
+                                  <p:childTnLst>
+                                    <p:animEffect transition="out" filter="fade">
+                                      <p:cBhvr>
+                                        <p:cTn id="14" dur="500"/>
+                                        <p:tgtEl>
+                                          <p:spTgt spid="8"/>
+                                        </p:tgtEl>
+                                      </p:cBhvr>
+                                    </p:animEffect>
+                                    <p:set>
+                                      <p:cBhvr>
+                                        <p:cTn id="15" dur="1" fill="hold">
+                                          <p:stCondLst>
+                                            <p:cond delay="499"/>
+                                          </p:stCondLst>
+                                        </p:cTn>
+                                        <p:tgtEl>
+                                          <p:spTgt spid="8"/>
+                                        </p:tgtEl>
+                                        <p:attrNameLst>
+                                          <p:attrName>style.visibility</p:attrName>
+                                        </p:attrNameLst>
+                                      </p:cBhvr>
+                                      <p:to>
+                                        <p:strVal val="hidden"/>
+                                      </p:to>
+                                    </p:set>
+                                  </p:childTnLst>
+                                </p:cTn>
+                              </p:par>
+                              <p:par>
+                                <p:cTn id="16" presetID="10" presetClass="entr" presetSubtype="0" fill="hold" grpId="0" nodeType="withEffect">
+                                  <p:stCondLst>
+                                    <p:cond delay="0"/>
+                                  </p:stCondLst>
+                                  <p:childTnLst>
+                                    <p:set>
+                                      <p:cBhvr>
+                                        <p:cTn id="17" dur="1" fill="hold">
+                                          <p:stCondLst>
+                                            <p:cond delay="0"/>
+                                          </p:stCondLst>
+                                        </p:cTn>
+                                        <p:tgtEl>
+                                          <p:spTgt spid="2"/>
+                                        </p:tgtEl>
+                                        <p:attrNameLst>
+                                          <p:attrName>style.visibility</p:attrName>
+                                        </p:attrNameLst>
+                                      </p:cBhvr>
+                                      <p:to>
+                                        <p:strVal val="visible"/>
+                                      </p:to>
+                                    </p:set>
+                                    <p:animEffect transition="in" filter="fade">
+                                      <p:cBhvr>
+                                        <p:cTn id="18" dur="500"/>
+                                        <p:tgtEl>
+                                          <p:spTgt spid="2"/>
+                                        </p:tgtEl>
+                                      </p:cBhvr>
+                                    </p:animEffect>
+                                  </p:childTnLst>
+                                </p:cTn>
+                              </p:par>
+                            </p:childTnLst>
+                          </p:cTn>
+                        </p:par>
+                      </p:childTnLst>
+                    </p:cTn>
+                  </p:par>
+                </p:childTnLst>
+              </p:cTn>
+              <p:prevCondLst>
+                <p:cond evt="onPrev" delay="0">
+                  <p:tgtEl>
+                    <p:sldTgt/>
+                  </p:tgtEl>
+                </p:cond>
+              </p:prevCondLst>
+              <p:nextCondLst>
+                <p:cond evt="onNext" delay="0">
+                  <p:tgtEl>
+                    <p:sldTgt/>
+                  </p:tgtEl>
+                </p:cond>
+              </p:nextCondLst>
+            </p:seq>
+          </p:childTnLst>
+        </p:cTn>
+      </p:par>
+    </p:tnLst>
+    <p:bldLst>
+      <p:bldP spid="2" grpId="0" animBg="1"/>
+      <p:bldP spid="8" grpId="0" animBg="1"/>
+      <p:bldP spid="8" grpId="1" animBg="1"/>
+      <p:bldP spid="8" grpId="2" animBg="1"/>
+    </p:bldLst>
+  </p:timing>
+</p:sld>
+</file>
+
+<file path=ppt/slides/slide24.xml><?xml version="1.0" encoding="utf-8"?>
+<p:sld xmlns:a="http://schemas.openxmlformats.org/drawingml/2006/main" xmlns:r="http://schemas.openxmlformats.org/officeDocument/2006/relationships" xmlns:p="http://schemas.openxmlformats.org/presentationml/2006/main">
+  <p:cSld>
+    <p:spTree>
+      <p:nvGrpSpPr>
+        <p:cNvPr id="1" name=""/>
+        <p:cNvGrpSpPr/>
+        <p:nvPr/>
+      </p:nvGrpSpPr>
+      <p:grpSpPr>
+        <a:xfrm>
+          <a:off x="0" y="0"/>
+          <a:ext cx="0" cy="0"/>
+          <a:chOff x="0" y="0"/>
+          <a:chExt cx="0" cy="0"/>
+        </a:xfrm>
+      </p:grpSpPr>
+      <p:sp>
+        <p:nvSpPr>
+          <p:cNvPr id="4" name="Title 3"/>
+          <p:cNvSpPr>
+            <a:spLocks noGrp="1"/>
+          </p:cNvSpPr>
+          <p:nvPr>
+            <p:ph type="title"/>
+          </p:nvPr>
+        </p:nvSpPr>
+        <p:spPr/>
+        <p:txBody>
+          <a:bodyPr/>
+          <a:lstStyle/>
+          <a:p>
+            <a:r>
+              <a:rPr lang="en-US" dirty="0"/>
+              <a:t>Export a Template</a:t>
+            </a:r>
+          </a:p>
+        </p:txBody>
+      </p:sp>
+      <p:sp>
+        <p:nvSpPr>
+          <p:cNvPr id="5" name="Text Placeholder 4"/>
+          <p:cNvSpPr>
+            <a:spLocks noGrp="1"/>
+          </p:cNvSpPr>
+          <p:nvPr>
+            <p:ph type="body" sz="quarter" idx="10"/>
+          </p:nvPr>
+        </p:nvSpPr>
+        <p:spPr>
+          <a:xfrm>
+            <a:off x="269239" y="1189177"/>
+            <a:ext cx="11653523" cy="2718949"/>
+          </a:xfrm>
+        </p:spPr>
+        <p:txBody>
+          <a:bodyPr/>
+          <a:lstStyle/>
+          <a:p>
+            <a:r>
+              <a:rPr lang="en-US" dirty="0"/>
+              <a:t>Build it in the Azure Portal</a:t>
+            </a:r>
+          </a:p>
+          <a:p>
+            <a:r>
+              <a:rPr lang="en-US" dirty="0"/>
+              <a:t>Export it . . . </a:t>
+            </a:r>
+            <a:r>
+              <a:rPr lang="en-US" i="1" dirty="0"/>
+              <a:t>FINALLY!</a:t>
+            </a:r>
+          </a:p>
+          <a:p>
+            <a:pPr lvl="1"/>
+            <a:r>
+              <a:rPr lang="en-US" dirty="0"/>
+              <a:t>Export the resources in the selected resource group</a:t>
+            </a:r>
+          </a:p>
+          <a:p>
+            <a:pPr lvl="1"/>
+            <a:r>
+              <a:rPr lang="en-US" dirty="0"/>
+              <a:t>Export the template from a </a:t>
+            </a:r>
+            <a:r>
+              <a:rPr lang="en-US" b="1" dirty="0"/>
+              <a:t>previous</a:t>
+            </a:r>
+            <a:r>
+              <a:rPr lang="en-US" dirty="0"/>
+              <a:t> deployment</a:t>
+            </a:r>
+          </a:p>
+          <a:p>
+            <a:pPr lvl="1"/>
+            <a:r>
+              <a:rPr lang="en-US" dirty="0"/>
+              <a:t>Save it to a Templates gallery to share with others!</a:t>
+            </a:r>
+          </a:p>
+          <a:p>
+            <a:pPr lvl="1"/>
+            <a:endParaRPr lang="en-US" dirty="0"/>
+          </a:p>
+        </p:txBody>
+      </p:sp>
+      <p:sp>
+        <p:nvSpPr>
+          <p:cNvPr id="7" name="Rectangle 6"/>
+          <p:cNvSpPr/>
+          <p:nvPr/>
+        </p:nvSpPr>
+        <p:spPr bwMode="auto">
+          <a:xfrm>
+            <a:off x="348261" y="3577723"/>
+            <a:ext cx="10614661" cy="1443264"/>
+          </a:xfrm>
+          <a:prstGeom prst="rect">
+            <a:avLst/>
+          </a:prstGeom>
+          <a:solidFill>
+            <a:schemeClr val="tx2">
+              <a:lumMod val="50000"/>
+            </a:schemeClr>
+          </a:solidFill>
+          <a:ln>
+            <a:noFill/>
+            <a:headEnd type="none" w="med" len="med"/>
+            <a:tailEnd type="none" w="med" len="med"/>
+          </a:ln>
+          <a:effectLst/>
+        </p:spPr>
+        <p:style>
+          <a:lnRef idx="1">
+            <a:schemeClr val="accent2"/>
+          </a:lnRef>
+          <a:fillRef idx="3">
+            <a:schemeClr val="accent2"/>
+          </a:fillRef>
+          <a:effectRef idx="2">
+            <a:schemeClr val="accent2"/>
+          </a:effectRef>
+          <a:fontRef idx="minor">
+            <a:schemeClr val="lt1"/>
+          </a:fontRef>
+        </p:style>
+        <p:txBody>
+          <a:bodyPr rot="0" spcFirstLastPara="0" vertOverflow="overflow" horzOverflow="overflow" vert="horz" wrap="square" lIns="182880" tIns="146304" rIns="182880" bIns="146304" numCol="1" spcCol="0" rtlCol="0" fromWordArt="0" anchor="t" anchorCtr="0" forceAA="0" compatLnSpc="1">
+            <a:prstTxWarp prst="textNoShape">
+              <a:avLst/>
+            </a:prstTxWarp>
+            <a:noAutofit/>
+          </a:bodyPr>
+          <a:lstStyle/>
+          <a:p>
+            <a:pPr defTabSz="932472" fontAlgn="base">
+              <a:lnSpc>
+                <a:spcPct val="90000"/>
+              </a:lnSpc>
+              <a:spcBef>
+                <a:spcPct val="0"/>
+              </a:spcBef>
+              <a:spcAft>
+                <a:spcPct val="0"/>
+              </a:spcAft>
+            </a:pPr>
+            <a:r>
+              <a:rPr lang="en-US" sz="2000" dirty="0">
+                <a:gradFill>
+                  <a:gsLst>
+                    <a:gs pos="0">
+                      <a:srgbClr val="FFFFFF"/>
+                    </a:gs>
+                    <a:gs pos="100000">
+                      <a:srgbClr val="FFFFFF"/>
+                    </a:gs>
+                  </a:gsLst>
+                  <a:lin ang="5400000" scaled="0"/>
+                </a:gradFill>
+                <a:latin typeface="Consolas" panose="020B0609020204030204" pitchFamily="49" charset="0"/>
+                <a:ea typeface="Segoe UI" pitchFamily="34" charset="0"/>
+                <a:cs typeface="Segoe UI" pitchFamily="34" charset="0"/>
+              </a:rPr>
+              <a:t>&gt; </a:t>
+            </a:r>
+            <a:r>
+              <a:rPr lang="en-US" sz="2000" dirty="0">
+                <a:solidFill>
+                  <a:srgbClr val="FFFF00"/>
+                </a:solidFill>
+                <a:latin typeface="Consolas" panose="020B0609020204030204" pitchFamily="49" charset="0"/>
+                <a:ea typeface="Segoe UI" pitchFamily="34" charset="0"/>
+                <a:cs typeface="Segoe UI" pitchFamily="34" charset="0"/>
+              </a:rPr>
+              <a:t>Export-</a:t>
+            </a:r>
+            <a:r>
+              <a:rPr lang="en-US" sz="2000" dirty="0" err="1">
+                <a:solidFill>
+                  <a:srgbClr val="FFFF00"/>
+                </a:solidFill>
+                <a:latin typeface="Consolas" panose="020B0609020204030204" pitchFamily="49" charset="0"/>
+                <a:ea typeface="Segoe UI" pitchFamily="34" charset="0"/>
+                <a:cs typeface="Segoe UI" pitchFamily="34" charset="0"/>
+              </a:rPr>
+              <a:t>AzureRmResourceGroup</a:t>
+            </a:r>
+            <a:endParaRPr lang="en-US" sz="2000" dirty="0">
+              <a:solidFill>
+                <a:srgbClr val="FFFF00"/>
+              </a:solidFill>
+              <a:latin typeface="Consolas" panose="020B0609020204030204" pitchFamily="49" charset="0"/>
+              <a:ea typeface="Segoe UI" pitchFamily="34" charset="0"/>
+              <a:cs typeface="Segoe UI" pitchFamily="34" charset="0"/>
+            </a:endParaRPr>
+          </a:p>
+          <a:p>
+            <a:pPr defTabSz="932472" fontAlgn="base">
+              <a:lnSpc>
+                <a:spcPct val="90000"/>
+              </a:lnSpc>
+              <a:spcBef>
+                <a:spcPct val="0"/>
+              </a:spcBef>
+              <a:spcAft>
+                <a:spcPct val="0"/>
+              </a:spcAft>
+            </a:pPr>
+            <a:r>
+              <a:rPr lang="en-US" sz="2000" dirty="0">
+                <a:solidFill>
+                  <a:schemeClr val="accent4">
+                    <a:lumMod val="90000"/>
+                  </a:schemeClr>
+                </a:solidFill>
+                <a:latin typeface="Consolas" panose="020B0609020204030204" pitchFamily="49" charset="0"/>
+                <a:ea typeface="Segoe UI" pitchFamily="34" charset="0"/>
+                <a:cs typeface="Segoe UI" pitchFamily="34" charset="0"/>
+              </a:rPr>
+              <a:t>-</a:t>
+            </a:r>
+            <a:r>
+              <a:rPr lang="en-US" sz="2000" dirty="0" err="1">
+                <a:solidFill>
+                  <a:schemeClr val="accent4">
+                    <a:lumMod val="90000"/>
+                  </a:schemeClr>
+                </a:solidFill>
+                <a:latin typeface="Consolas" panose="020B0609020204030204" pitchFamily="49" charset="0"/>
+                <a:ea typeface="Segoe UI" pitchFamily="34" charset="0"/>
+                <a:cs typeface="Segoe UI" pitchFamily="34" charset="0"/>
+              </a:rPr>
+              <a:t>ResourceGroupName</a:t>
+            </a:r>
+            <a:r>
+              <a:rPr lang="en-US" sz="2000" dirty="0">
+                <a:solidFill>
+                  <a:schemeClr val="accent4">
+                    <a:lumMod val="90000"/>
+                  </a:schemeClr>
+                </a:solidFill>
+                <a:latin typeface="Consolas" panose="020B0609020204030204" pitchFamily="49" charset="0"/>
+                <a:ea typeface="Segoe UI" pitchFamily="34" charset="0"/>
+                <a:cs typeface="Segoe UI" pitchFamily="34" charset="0"/>
+              </a:rPr>
+              <a:t> </a:t>
+            </a:r>
+            <a:r>
+              <a:rPr lang="en-US" sz="2000" dirty="0">
+                <a:gradFill>
+                  <a:gsLst>
+                    <a:gs pos="0">
+                      <a:srgbClr val="FFFFFF"/>
+                    </a:gs>
+                    <a:gs pos="100000">
+                      <a:srgbClr val="FFFFFF"/>
+                    </a:gs>
+                  </a:gsLst>
+                  <a:lin ang="5400000" scaled="0"/>
+                </a:gradFill>
+                <a:latin typeface="Consolas" panose="020B0609020204030204" pitchFamily="49" charset="0"/>
+                <a:ea typeface="Segoe UI" pitchFamily="34" charset="0"/>
+                <a:cs typeface="Segoe UI" pitchFamily="34" charset="0"/>
+              </a:rPr>
+              <a:t>stirtrek2016 `</a:t>
+            </a:r>
+          </a:p>
+          <a:p>
+            <a:pPr defTabSz="932472" fontAlgn="base">
+              <a:lnSpc>
+                <a:spcPct val="90000"/>
+              </a:lnSpc>
+              <a:spcBef>
+                <a:spcPct val="0"/>
+              </a:spcBef>
+              <a:spcAft>
+                <a:spcPct val="0"/>
+              </a:spcAft>
+            </a:pPr>
+            <a:r>
+              <a:rPr lang="en-US" sz="2000" dirty="0">
+                <a:solidFill>
+                  <a:schemeClr val="accent4">
+                    <a:lumMod val="90000"/>
+                  </a:schemeClr>
+                </a:solidFill>
+                <a:latin typeface="Consolas" panose="020B0609020204030204" pitchFamily="49" charset="0"/>
+                <a:ea typeface="Segoe UI" pitchFamily="34" charset="0"/>
+                <a:cs typeface="Segoe UI" pitchFamily="34" charset="0"/>
+              </a:rPr>
+              <a:t>-Path </a:t>
+            </a:r>
+            <a:r>
+              <a:rPr lang="en-US" sz="2000" dirty="0">
+                <a:solidFill>
+                  <a:schemeClr val="bg1"/>
+                </a:solidFill>
+                <a:latin typeface="Consolas" panose="020B0609020204030204" pitchFamily="49" charset="0"/>
+                <a:ea typeface="Segoe UI" pitchFamily="34" charset="0"/>
+                <a:cs typeface="Segoe UI" pitchFamily="34" charset="0"/>
+              </a:rPr>
+              <a:t>c:\stirtrek2016.json </a:t>
+            </a:r>
+            <a:r>
+              <a:rPr lang="en-US" sz="2000" dirty="0">
+                <a:gradFill>
+                  <a:gsLst>
+                    <a:gs pos="0">
+                      <a:srgbClr val="FFFFFF"/>
+                    </a:gs>
+                    <a:gs pos="100000">
+                      <a:srgbClr val="FFFFFF"/>
+                    </a:gs>
+                  </a:gsLst>
+                  <a:lin ang="5400000" scaled="0"/>
+                </a:gradFill>
+                <a:latin typeface="Consolas" panose="020B0609020204030204" pitchFamily="49" charset="0"/>
+                <a:ea typeface="Segoe UI" pitchFamily="34" charset="0"/>
+                <a:cs typeface="Segoe UI" pitchFamily="34" charset="0"/>
+              </a:rPr>
+              <a:t>`</a:t>
+            </a:r>
+          </a:p>
+          <a:p>
+            <a:pPr defTabSz="932472" fontAlgn="base">
+              <a:lnSpc>
+                <a:spcPct val="90000"/>
+              </a:lnSpc>
+              <a:spcBef>
+                <a:spcPct val="0"/>
+              </a:spcBef>
+              <a:spcAft>
+                <a:spcPct val="0"/>
+              </a:spcAft>
+            </a:pPr>
+            <a:r>
+              <a:rPr lang="en-US" sz="2000" dirty="0">
+                <a:solidFill>
+                  <a:schemeClr val="accent4">
+                    <a:lumMod val="90000"/>
+                  </a:schemeClr>
+                </a:solidFill>
+                <a:latin typeface="Consolas" panose="020B0609020204030204" pitchFamily="49" charset="0"/>
+                <a:ea typeface="Segoe UI" pitchFamily="34" charset="0"/>
+                <a:cs typeface="Segoe UI" pitchFamily="34" charset="0"/>
+              </a:rPr>
+              <a:t>-</a:t>
+            </a:r>
+            <a:r>
+              <a:rPr lang="en-US" sz="2000" dirty="0" err="1">
+                <a:solidFill>
+                  <a:schemeClr val="accent4">
+                    <a:lumMod val="90000"/>
+                  </a:schemeClr>
+                </a:solidFill>
+                <a:latin typeface="Consolas" panose="020B0609020204030204" pitchFamily="49" charset="0"/>
+                <a:ea typeface="Segoe UI" pitchFamily="34" charset="0"/>
+                <a:cs typeface="Segoe UI" pitchFamily="34" charset="0"/>
+              </a:rPr>
+              <a:t>IncludeParameterDefaultValue</a:t>
+            </a:r>
+            <a:r>
+              <a:rPr lang="en-US" sz="2000" dirty="0">
+                <a:solidFill>
+                  <a:schemeClr val="accent4">
+                    <a:lumMod val="90000"/>
+                  </a:schemeClr>
+                </a:solidFill>
+                <a:latin typeface="Consolas" panose="020B0609020204030204" pitchFamily="49" charset="0"/>
+                <a:ea typeface="Segoe UI" pitchFamily="34" charset="0"/>
+                <a:cs typeface="Segoe UI" pitchFamily="34" charset="0"/>
+              </a:rPr>
+              <a:t> -</a:t>
+            </a:r>
+            <a:r>
+              <a:rPr lang="en-US" sz="2000" dirty="0" err="1">
+                <a:solidFill>
+                  <a:schemeClr val="accent4">
+                    <a:lumMod val="90000"/>
+                  </a:schemeClr>
+                </a:solidFill>
+                <a:latin typeface="Consolas" panose="020B0609020204030204" pitchFamily="49" charset="0"/>
+                <a:ea typeface="Segoe UI" pitchFamily="34" charset="0"/>
+                <a:cs typeface="Segoe UI" pitchFamily="34" charset="0"/>
+              </a:rPr>
+              <a:t>IncludeComments</a:t>
+            </a:r>
+            <a:endParaRPr lang="en-US" sz="2000" dirty="0">
+              <a:gradFill>
+                <a:gsLst>
+                  <a:gs pos="0">
+                    <a:srgbClr val="FFFFFF"/>
+                  </a:gs>
+                  <a:gs pos="100000">
+                    <a:srgbClr val="FFFFFF"/>
+                  </a:gs>
+                </a:gsLst>
+                <a:lin ang="5400000" scaled="0"/>
+              </a:gradFill>
+              <a:latin typeface="Consolas" panose="020B0609020204030204" pitchFamily="49" charset="0"/>
+              <a:ea typeface="Segoe UI" pitchFamily="34" charset="0"/>
+              <a:cs typeface="Segoe UI" pitchFamily="34" charset="0"/>
+            </a:endParaRPr>
+          </a:p>
+        </p:txBody>
+      </p:sp>
+      <p:sp>
+        <p:nvSpPr>
+          <p:cNvPr id="8" name="Rectangle 7"/>
+          <p:cNvSpPr/>
+          <p:nvPr/>
+        </p:nvSpPr>
+        <p:spPr bwMode="auto">
+          <a:xfrm>
+            <a:off x="348261" y="5358941"/>
+            <a:ext cx="10614661" cy="826362"/>
+          </a:xfrm>
+          <a:prstGeom prst="rect">
+            <a:avLst/>
+          </a:prstGeom>
+          <a:solidFill>
+            <a:schemeClr val="tx1">
+              <a:lumMod val="50000"/>
+            </a:schemeClr>
+          </a:solidFill>
+          <a:ln>
+            <a:noFill/>
+            <a:headEnd type="none" w="med" len="med"/>
+            <a:tailEnd type="none" w="med" len="med"/>
+          </a:ln>
+          <a:effectLst/>
+        </p:spPr>
+        <p:style>
+          <a:lnRef idx="1">
+            <a:schemeClr val="accent2"/>
+          </a:lnRef>
+          <a:fillRef idx="3">
+            <a:schemeClr val="accent2"/>
+          </a:fillRef>
+          <a:effectRef idx="2">
+            <a:schemeClr val="accent2"/>
+          </a:effectRef>
+          <a:fontRef idx="minor">
+            <a:schemeClr val="lt1"/>
+          </a:fontRef>
+        </p:style>
+        <p:txBody>
+          <a:bodyPr rot="0" spcFirstLastPara="0" vertOverflow="overflow" horzOverflow="overflow" vert="horz" wrap="square" lIns="182880" tIns="146304" rIns="182880" bIns="146304" numCol="1" spcCol="0" rtlCol="0" fromWordArt="0" anchor="t" anchorCtr="0" forceAA="0" compatLnSpc="1">
+            <a:prstTxWarp prst="textNoShape">
+              <a:avLst/>
+            </a:prstTxWarp>
+            <a:noAutofit/>
+          </a:bodyPr>
+          <a:lstStyle/>
+          <a:p>
+            <a:pPr defTabSz="932472" fontAlgn="base">
+              <a:lnSpc>
+                <a:spcPct val="90000"/>
+              </a:lnSpc>
+              <a:spcBef>
+                <a:spcPct val="0"/>
+              </a:spcBef>
+              <a:spcAft>
+                <a:spcPct val="0"/>
+              </a:spcAft>
+            </a:pPr>
+            <a:r>
+              <a:rPr lang="en-US" sz="2000" dirty="0">
+                <a:gradFill>
+                  <a:gsLst>
+                    <a:gs pos="0">
+                      <a:srgbClr val="FFFFFF"/>
+                    </a:gs>
+                    <a:gs pos="100000">
+                      <a:srgbClr val="FFFFFF"/>
+                    </a:gs>
+                  </a:gsLst>
+                  <a:lin ang="5400000" scaled="0"/>
+                </a:gradFill>
+                <a:latin typeface="Consolas" panose="020B0609020204030204" pitchFamily="49" charset="0"/>
+                <a:ea typeface="Segoe UI" pitchFamily="34" charset="0"/>
+                <a:cs typeface="Segoe UI" pitchFamily="34" charset="0"/>
+              </a:rPr>
+              <a:t>&gt; azure group export --name stirtrek2016 --directory c:\temp</a:t>
+            </a:r>
+          </a:p>
+          <a:p>
+            <a:pPr defTabSz="932472" fontAlgn="base">
+              <a:lnSpc>
+                <a:spcPct val="90000"/>
+              </a:lnSpc>
+              <a:spcBef>
+                <a:spcPct val="0"/>
+              </a:spcBef>
+              <a:spcAft>
+                <a:spcPct val="0"/>
+              </a:spcAft>
+            </a:pPr>
+            <a:r>
+              <a:rPr lang="en-US" sz="2000" dirty="0">
+                <a:gradFill>
+                  <a:gsLst>
+                    <a:gs pos="0">
+                      <a:srgbClr val="FFFFFF"/>
+                    </a:gs>
+                    <a:gs pos="100000">
+                      <a:srgbClr val="FFFFFF"/>
+                    </a:gs>
+                  </a:gsLst>
+                  <a:lin ang="5400000" scaled="0"/>
+                </a:gradFill>
+                <a:latin typeface="Consolas" panose="020B0609020204030204" pitchFamily="49" charset="0"/>
+                <a:ea typeface="Segoe UI" pitchFamily="34" charset="0"/>
+                <a:cs typeface="Segoe UI" pitchFamily="34" charset="0"/>
+              </a:rPr>
+              <a:t> --</a:t>
+            </a:r>
+            <a:r>
+              <a:rPr lang="en-US" sz="2000" dirty="0" err="1">
+                <a:gradFill>
+                  <a:gsLst>
+                    <a:gs pos="0">
+                      <a:srgbClr val="FFFFFF"/>
+                    </a:gs>
+                    <a:gs pos="100000">
+                      <a:srgbClr val="FFFFFF"/>
+                    </a:gs>
+                  </a:gsLst>
+                  <a:lin ang="5400000" scaled="0"/>
+                </a:gradFill>
+                <a:latin typeface="Consolas" panose="020B0609020204030204" pitchFamily="49" charset="0"/>
+                <a:ea typeface="Segoe UI" pitchFamily="34" charset="0"/>
+                <a:cs typeface="Segoe UI" pitchFamily="34" charset="0"/>
+              </a:rPr>
+              <a:t>includeComments</a:t>
+            </a:r>
+            <a:r>
+              <a:rPr lang="en-US" sz="2000" dirty="0">
+                <a:gradFill>
+                  <a:gsLst>
+                    <a:gs pos="0">
+                      <a:srgbClr val="FFFFFF"/>
+                    </a:gs>
+                    <a:gs pos="100000">
+                      <a:srgbClr val="FFFFFF"/>
+                    </a:gs>
+                  </a:gsLst>
+                  <a:lin ang="5400000" scaled="0"/>
+                </a:gradFill>
+                <a:latin typeface="Consolas" panose="020B0609020204030204" pitchFamily="49" charset="0"/>
+                <a:ea typeface="Segoe UI" pitchFamily="34" charset="0"/>
+                <a:cs typeface="Segoe UI" pitchFamily="34" charset="0"/>
+              </a:rPr>
+              <a:t> --</a:t>
+            </a:r>
+            <a:r>
+              <a:rPr lang="en-US" sz="2000" dirty="0" err="1">
+                <a:gradFill>
+                  <a:gsLst>
+                    <a:gs pos="0">
+                      <a:srgbClr val="FFFFFF"/>
+                    </a:gs>
+                    <a:gs pos="100000">
+                      <a:srgbClr val="FFFFFF"/>
+                    </a:gs>
+                  </a:gsLst>
+                  <a:lin ang="5400000" scaled="0"/>
+                </a:gradFill>
+                <a:latin typeface="Consolas" panose="020B0609020204030204" pitchFamily="49" charset="0"/>
+                <a:ea typeface="Segoe UI" pitchFamily="34" charset="0"/>
+                <a:cs typeface="Segoe UI" pitchFamily="34" charset="0"/>
+              </a:rPr>
+              <a:t>includeParameterDefaultValue</a:t>
+            </a:r>
+            <a:endParaRPr lang="en-US" sz="2000" dirty="0">
+              <a:gradFill>
+                <a:gsLst>
+                  <a:gs pos="0">
+                    <a:srgbClr val="FFFFFF"/>
+                  </a:gs>
+                  <a:gs pos="100000">
+                    <a:srgbClr val="FFFFFF"/>
+                  </a:gs>
+                </a:gsLst>
+                <a:lin ang="5400000" scaled="0"/>
+              </a:gradFill>
+              <a:latin typeface="Consolas" panose="020B0609020204030204" pitchFamily="49" charset="0"/>
+              <a:ea typeface="Segoe UI" pitchFamily="34" charset="0"/>
+              <a:cs typeface="Segoe UI" pitchFamily="34" charset="0"/>
+            </a:endParaRPr>
+          </a:p>
+        </p:txBody>
+      </p:sp>
+    </p:spTree>
+    <p:extLst>
+      <p:ext uri="{BB962C8B-B14F-4D97-AF65-F5344CB8AC3E}">
+        <p14:creationId xmlns:p14="http://schemas.microsoft.com/office/powerpoint/2010/main" val="2913080713"/>
+      </p:ext>
+    </p:extLst>
+  </p:cSld>
+  <p:clrMapOvr>
+    <a:masterClrMapping/>
+  </p:clrMapOvr>
+  <p:transition>
+    <p:fade/>
+  </p:transition>
+</p:sld>
+</file>
+
+<file path=ppt/slides/slide25.xml><?xml version="1.0" encoding="utf-8"?>
+<p:sld xmlns:a="http://schemas.openxmlformats.org/drawingml/2006/main" xmlns:r="http://schemas.openxmlformats.org/officeDocument/2006/relationships" xmlns:p="http://schemas.openxmlformats.org/presentationml/2006/main">
+  <p:cSld>
+    <p:spTree>
+      <p:nvGrpSpPr>
+        <p:cNvPr id="1" name=""/>
+        <p:cNvGrpSpPr/>
+        <p:nvPr/>
+      </p:nvGrpSpPr>
+      <p:grpSpPr>
+        <a:xfrm>
+          <a:off x="0" y="0"/>
+          <a:ext cx="0" cy="0"/>
+          <a:chOff x="0" y="0"/>
+          <a:chExt cx="0" cy="0"/>
+        </a:xfrm>
+      </p:grpSpPr>
+      <p:sp>
+        <p:nvSpPr>
+          <p:cNvPr id="4" name="Title 3"/>
+          <p:cNvSpPr>
+            <a:spLocks noGrp="1"/>
+          </p:cNvSpPr>
+          <p:nvPr>
+            <p:ph type="title"/>
+          </p:nvPr>
+        </p:nvSpPr>
         <p:spPr>
           <a:xfrm>
             <a:off x="269239" y="2084172"/>
@@ -32957,7 +35193,7 @@
 </p:sld>
 </file>
 
-<file path=ppt/slides/slide22.xml><?xml version="1.0" encoding="utf-8"?>
+<file path=ppt/slides/slide26.xml><?xml version="1.0" encoding="utf-8"?>
 <p:sld xmlns:a="http://schemas.openxmlformats.org/drawingml/2006/main" xmlns:r="http://schemas.openxmlformats.org/officeDocument/2006/relationships" xmlns:p="http://schemas.openxmlformats.org/presentationml/2006/main">
   <p:cSld>
     <p:spTree>
@@ -33009,7 +35245,7 @@
         <p:spPr>
           <a:xfrm>
             <a:off x="269239" y="1197322"/>
-            <a:ext cx="11653522" cy="5462008"/>
+            <a:ext cx="11653522" cy="5439246"/>
           </a:xfrm>
         </p:spPr>
         <p:txBody>
@@ -33072,35 +35308,35 @@
           </a:p>
           <a:p>
             <a:r>
-              <a:rPr lang="en-US" dirty="0"/>
+              <a:rPr lang="en-US" sz="3200" dirty="0"/>
               <a:t>"variables":{</a:t>
             </a:r>
           </a:p>
           <a:p>
             <a:r>
-              <a:rPr lang="en-US" dirty="0"/>
+              <a:rPr lang="en-US" sz="3200" dirty="0"/>
               <a:t>"</a:t>
             </a:r>
             <a:r>
-              <a:rPr lang="en-US" dirty="0" err="1"/>
+              <a:rPr lang="en-US" sz="3200" dirty="0" err="1"/>
               <a:t>authorizationHeader</a:t>
             </a:r>
             <a:r>
-              <a:rPr lang="en-US" dirty="0"/>
+              <a:rPr lang="en-US" sz="3200" dirty="0"/>
               <a:t>": "[</a:t>
             </a:r>
             <a:r>
-              <a:rPr lang="en-US" dirty="0" err="1"/>
+              <a:rPr lang="en-US" sz="3200" dirty="0" err="1"/>
               <a:t>concat</a:t>
             </a:r>
             <a:r>
-              <a:rPr lang="en-US" dirty="0"/>
+              <a:rPr lang="en-US" sz="3200" dirty="0"/>
               <a:t>('Basic ', base64(variables('password')))]</a:t>
             </a:r>
           </a:p>
           <a:p>
             <a:r>
-              <a:rPr lang="en-US" dirty="0"/>
+              <a:rPr lang="en-US" sz="3200" dirty="0"/>
               <a:t>}</a:t>
             </a:r>
           </a:p>
@@ -33122,7 +35358,7 @@
 </p:sld>
 </file>
 
-<file path=ppt/slides/slide23.xml><?xml version="1.0" encoding="utf-8"?>
+<file path=ppt/slides/slide27.xml><?xml version="1.0" encoding="utf-8"?>
 <p:sld xmlns:a="http://schemas.openxmlformats.org/drawingml/2006/main" xmlns:r="http://schemas.openxmlformats.org/officeDocument/2006/relationships" xmlns:p="http://schemas.openxmlformats.org/presentationml/2006/main">
   <p:cSld>
     <p:spTree>
@@ -33869,7 +36105,7 @@
 </p:sld>
 </file>
 
-<file path=ppt/slides/slide24.xml><?xml version="1.0" encoding="utf-8"?>
+<file path=ppt/slides/slide28.xml><?xml version="1.0" encoding="utf-8"?>
 <p:sld xmlns:a="http://schemas.openxmlformats.org/drawingml/2006/main" xmlns:r="http://schemas.openxmlformats.org/officeDocument/2006/relationships" xmlns:p="http://schemas.openxmlformats.org/presentationml/2006/main">
   <p:cSld>
     <p:spTree>
@@ -34179,7 +36415,7 @@
 </p:sld>
 </file>
 
-<file path=ppt/slides/slide25.xml><?xml version="1.0" encoding="utf-8"?>
+<file path=ppt/slides/slide29.xml><?xml version="1.0" encoding="utf-8"?>
 <p:sld xmlns:a="http://schemas.openxmlformats.org/drawingml/2006/main" xmlns:r="http://schemas.openxmlformats.org/officeDocument/2006/relationships" xmlns:p="http://schemas.openxmlformats.org/presentationml/2006/main">
   <p:cSld>
     <p:spTree>
@@ -34299,7 +36535,546 @@
 </p:sld>
 </file>
 
-<file path=ppt/slides/slide26.xml><?xml version="1.0" encoding="utf-8"?>
+<file path=ppt/slides/slide3.xml><?xml version="1.0" encoding="utf-8"?>
+<p:sld xmlns:a="http://schemas.openxmlformats.org/drawingml/2006/main" xmlns:r="http://schemas.openxmlformats.org/officeDocument/2006/relationships" xmlns:p="http://schemas.openxmlformats.org/presentationml/2006/main">
+  <p:cSld>
+    <p:spTree>
+      <p:nvGrpSpPr>
+        <p:cNvPr id="1" name=""/>
+        <p:cNvGrpSpPr/>
+        <p:nvPr/>
+      </p:nvGrpSpPr>
+      <p:grpSpPr>
+        <a:xfrm>
+          <a:off x="0" y="0"/>
+          <a:ext cx="0" cy="0"/>
+          <a:chOff x="0" y="0"/>
+          <a:chExt cx="0" cy="0"/>
+        </a:xfrm>
+      </p:grpSpPr>
+      <p:sp>
+        <p:nvSpPr>
+          <p:cNvPr id="4" name="Title 3"/>
+          <p:cNvSpPr>
+            <a:spLocks noGrp="1"/>
+          </p:cNvSpPr>
+          <p:nvPr>
+            <p:ph type="title"/>
+          </p:nvPr>
+        </p:nvSpPr>
+        <p:spPr/>
+        <p:txBody>
+          <a:bodyPr/>
+          <a:lstStyle/>
+          <a:p>
+            <a:pPr algn="ctr"/>
+            <a:r>
+              <a:rPr lang="en-US" dirty="0"/>
+              <a:t>Michael S. Collier</a:t>
+            </a:r>
+          </a:p>
+        </p:txBody>
+      </p:sp>
+      <p:sp>
+        <p:nvSpPr>
+          <p:cNvPr id="5" name="Text Placeholder 4"/>
+          <p:cNvSpPr>
+            <a:spLocks noGrp="1"/>
+          </p:cNvSpPr>
+          <p:nvPr>
+            <p:ph type="body" sz="quarter" idx="10"/>
+          </p:nvPr>
+        </p:nvSpPr>
+        <p:spPr>
+          <a:xfrm>
+            <a:off x="269239" y="1189177"/>
+            <a:ext cx="11653523" cy="5061899"/>
+          </a:xfrm>
+        </p:spPr>
+        <p:txBody>
+          <a:bodyPr/>
+          <a:lstStyle/>
+          <a:p>
+            <a:r>
+              <a:rPr lang="en-US" dirty="0"/>
+              <a:t>Cloud Solution Architect, Microsoft</a:t>
+            </a:r>
+          </a:p>
+          <a:p>
+            <a:endParaRPr lang="en-US" sz="2000" dirty="0"/>
+          </a:p>
+          <a:p>
+            <a:r>
+              <a:rPr lang="en-US" dirty="0"/>
+              <a:t>michael.collier@microsoft.com</a:t>
+            </a:r>
+          </a:p>
+          <a:p>
+            <a:r>
+              <a:rPr lang="en-US" dirty="0"/>
+              <a:t>michaelscollier@gmail.com</a:t>
+            </a:r>
+          </a:p>
+          <a:p>
+            <a:endParaRPr lang="en-US" sz="2000" dirty="0"/>
+          </a:p>
+          <a:p>
+            <a:r>
+              <a:rPr lang="en-US" dirty="0"/>
+              <a:t>@</a:t>
+            </a:r>
+            <a:r>
+              <a:rPr lang="en-US" dirty="0" err="1"/>
+              <a:t>MichaelCollier</a:t>
+            </a:r>
+            <a:endParaRPr lang="en-US" dirty="0"/>
+          </a:p>
+          <a:p>
+            <a:endParaRPr lang="en-US" sz="2000" dirty="0"/>
+          </a:p>
+          <a:p>
+            <a:r>
+              <a:rPr lang="en-US" dirty="0"/>
+              <a:t>www.MichaelSCollier.com</a:t>
+            </a:r>
+          </a:p>
+          <a:p>
+            <a:r>
+              <a:rPr lang="en-US" dirty="0"/>
+              <a:t>http://aka.ms/csablog </a:t>
+            </a:r>
+          </a:p>
+        </p:txBody>
+      </p:sp>
+      <p:sp>
+        <p:nvSpPr>
+          <p:cNvPr id="2" name="TextBox 1"/>
+          <p:cNvSpPr txBox="1"/>
+          <p:nvPr/>
+        </p:nvSpPr>
+        <p:spPr>
+          <a:xfrm rot="19406000">
+            <a:off x="4697870" y="3350794"/>
+            <a:ext cx="8730907" cy="738664"/>
+          </a:xfrm>
+          <a:prstGeom prst="rect">
+            <a:avLst/>
+          </a:prstGeom>
+          <a:noFill/>
+        </p:spPr>
+        <p:txBody>
+          <a:bodyPr wrap="square" lIns="182880" tIns="146304" rIns="182880" bIns="146304" rtlCol="0">
+            <a:spAutoFit/>
+          </a:bodyPr>
+          <a:lstStyle/>
+          <a:p>
+            <a:pPr lvl="0">
+              <a:lnSpc>
+                <a:spcPct val="90000"/>
+              </a:lnSpc>
+              <a:spcAft>
+                <a:spcPts val="600"/>
+              </a:spcAft>
+              <a:defRPr/>
+            </a:pPr>
+            <a:r>
+              <a:rPr kumimoji="0" lang="en-US" sz="3200" b="0" i="0" u="none" strike="noStrike" kern="0" cap="none" spc="0" normalizeH="0" baseline="0" noProof="0" dirty="0">
+                <a:ln>
+                  <a:noFill/>
+                </a:ln>
+                <a:solidFill>
+                  <a:srgbClr val="FF0000"/>
+                </a:solidFill>
+                <a:effectLst/>
+                <a:uLnTx/>
+                <a:uFillTx/>
+              </a:rPr>
+              <a:t>https://</a:t>
+            </a:r>
+            <a:r>
+              <a:rPr lang="en-US" sz="3200" kern="0" dirty="0">
+                <a:solidFill>
+                  <a:srgbClr val="FF0000"/>
+                </a:solidFill>
+              </a:rPr>
+              <a:t>github.com/</a:t>
+            </a:r>
+            <a:r>
+              <a:rPr lang="en-US" sz="3200" kern="0" dirty="0" err="1">
+                <a:solidFill>
+                  <a:srgbClr val="FF0000"/>
+                </a:solidFill>
+              </a:rPr>
+              <a:t>mcollier</a:t>
+            </a:r>
+            <a:r>
+              <a:rPr lang="en-US" sz="3200" kern="0" dirty="0">
+                <a:solidFill>
+                  <a:srgbClr val="FF0000"/>
+                </a:solidFill>
+              </a:rPr>
+              <a:t>/StirTrek2016</a:t>
+            </a:r>
+            <a:endParaRPr kumimoji="0" lang="en-US" sz="3200" b="0" i="0" u="none" strike="noStrike" kern="0" cap="none" spc="0" normalizeH="0" baseline="0" noProof="0" dirty="0">
+              <a:ln>
+                <a:noFill/>
+              </a:ln>
+              <a:solidFill>
+                <a:srgbClr val="FF0000"/>
+              </a:solidFill>
+              <a:effectLst/>
+              <a:uLnTx/>
+              <a:uFillTx/>
+            </a:endParaRPr>
+          </a:p>
+        </p:txBody>
+      </p:sp>
+    </p:spTree>
+    <p:extLst>
+      <p:ext uri="{BB962C8B-B14F-4D97-AF65-F5344CB8AC3E}">
+        <p14:creationId xmlns:p14="http://schemas.microsoft.com/office/powerpoint/2010/main" val="2903133316"/>
+      </p:ext>
+    </p:extLst>
+  </p:cSld>
+  <p:clrMapOvr>
+    <a:masterClrMapping/>
+  </p:clrMapOvr>
+  <p:transition>
+    <p:fade/>
+  </p:transition>
+  <p:timing>
+    <p:tnLst>
+      <p:par>
+        <p:cTn id="1" dur="indefinite" restart="never" nodeType="tmRoot">
+          <p:childTnLst>
+            <p:seq concurrent="1" nextAc="seek">
+              <p:cTn id="2" dur="indefinite" nodeType="mainSeq">
+                <p:childTnLst>
+                  <p:par>
+                    <p:cTn id="3" fill="hold">
+                      <p:stCondLst>
+                        <p:cond delay="indefinite"/>
+                      </p:stCondLst>
+                      <p:childTnLst>
+                        <p:par>
+                          <p:cTn id="4" fill="hold">
+                            <p:stCondLst>
+                              <p:cond delay="0"/>
+                            </p:stCondLst>
+                            <p:childTnLst>
+                              <p:par>
+                                <p:cTn id="5" presetID="26" presetClass="entr" presetSubtype="0" fill="hold" grpId="0" nodeType="clickEffect">
+                                  <p:stCondLst>
+                                    <p:cond delay="0"/>
+                                  </p:stCondLst>
+                                  <p:childTnLst>
+                                    <p:set>
+                                      <p:cBhvr>
+                                        <p:cTn id="6" dur="1" fill="hold">
+                                          <p:stCondLst>
+                                            <p:cond delay="0"/>
+                                          </p:stCondLst>
+                                        </p:cTn>
+                                        <p:tgtEl>
+                                          <p:spTgt spid="2"/>
+                                        </p:tgtEl>
+                                        <p:attrNameLst>
+                                          <p:attrName>style.visibility</p:attrName>
+                                        </p:attrNameLst>
+                                      </p:cBhvr>
+                                      <p:to>
+                                        <p:strVal val="visible"/>
+                                      </p:to>
+                                    </p:set>
+                                    <p:animEffect transition="in" filter="wipe(down)">
+                                      <p:cBhvr>
+                                        <p:cTn id="7" dur="580">
+                                          <p:stCondLst>
+                                            <p:cond delay="0"/>
+                                          </p:stCondLst>
+                                        </p:cTn>
+                                        <p:tgtEl>
+                                          <p:spTgt spid="2"/>
+                                        </p:tgtEl>
+                                      </p:cBhvr>
+                                    </p:animEffect>
+                                    <p:anim calcmode="lin" valueType="num">
+                                      <p:cBhvr>
+                                        <p:cTn id="8" dur="1822" tmFilter="0,0; 0.14,0.36; 0.43,0.73; 0.71,0.91; 1.0,1.0">
+                                          <p:stCondLst>
+                                            <p:cond delay="0"/>
+                                          </p:stCondLst>
+                                        </p:cTn>
+                                        <p:tgtEl>
+                                          <p:spTgt spid="2"/>
+                                        </p:tgtEl>
+                                        <p:attrNameLst>
+                                          <p:attrName>ppt_x</p:attrName>
+                                        </p:attrNameLst>
+                                      </p:cBhvr>
+                                      <p:tavLst>
+                                        <p:tav tm="0">
+                                          <p:val>
+                                            <p:strVal val="#ppt_x-0.25"/>
+                                          </p:val>
+                                        </p:tav>
+                                        <p:tav tm="100000">
+                                          <p:val>
+                                            <p:strVal val="#ppt_x"/>
+                                          </p:val>
+                                        </p:tav>
+                                      </p:tavLst>
+                                    </p:anim>
+                                    <p:anim calcmode="lin" valueType="num">
+                                      <p:cBhvr>
+                                        <p:cTn id="9" dur="664" tmFilter="0.0,0.0; 0.25,0.07; 0.50,0.2; 0.75,0.467; 1.0,1.0">
+                                          <p:stCondLst>
+                                            <p:cond delay="0"/>
+                                          </p:stCondLst>
+                                        </p:cTn>
+                                        <p:tgtEl>
+                                          <p:spTgt spid="2"/>
+                                        </p:tgtEl>
+                                        <p:attrNameLst>
+                                          <p:attrName>ppt_y</p:attrName>
+                                        </p:attrNameLst>
+                                      </p:cBhvr>
+                                      <p:tavLst>
+                                        <p:tav tm="0" fmla="#ppt_y-sin(pi*$)/3">
+                                          <p:val>
+                                            <p:fltVal val="0.5"/>
+                                          </p:val>
+                                        </p:tav>
+                                        <p:tav tm="100000">
+                                          <p:val>
+                                            <p:fltVal val="1"/>
+                                          </p:val>
+                                        </p:tav>
+                                      </p:tavLst>
+                                    </p:anim>
+                                    <p:anim calcmode="lin" valueType="num">
+                                      <p:cBhvr>
+                                        <p:cTn id="10" dur="664" tmFilter="0, 0; 0.125,0.2665; 0.25,0.4; 0.375,0.465; 0.5,0.5;  0.625,0.535; 0.75,0.6; 0.875,0.7335; 1,1">
+                                          <p:stCondLst>
+                                            <p:cond delay="664"/>
+                                          </p:stCondLst>
+                                        </p:cTn>
+                                        <p:tgtEl>
+                                          <p:spTgt spid="2"/>
+                                        </p:tgtEl>
+                                        <p:attrNameLst>
+                                          <p:attrName>ppt_y</p:attrName>
+                                        </p:attrNameLst>
+                                      </p:cBhvr>
+                                      <p:tavLst>
+                                        <p:tav tm="0" fmla="#ppt_y-sin(pi*$)/9">
+                                          <p:val>
+                                            <p:fltVal val="0"/>
+                                          </p:val>
+                                        </p:tav>
+                                        <p:tav tm="100000">
+                                          <p:val>
+                                            <p:fltVal val="1"/>
+                                          </p:val>
+                                        </p:tav>
+                                      </p:tavLst>
+                                    </p:anim>
+                                    <p:anim calcmode="lin" valueType="num">
+                                      <p:cBhvr>
+                                        <p:cTn id="11" dur="332" tmFilter="0, 0; 0.125,0.2665; 0.25,0.4; 0.375,0.465; 0.5,0.5;  0.625,0.535; 0.75,0.6; 0.875,0.7335; 1,1">
+                                          <p:stCondLst>
+                                            <p:cond delay="1324"/>
+                                          </p:stCondLst>
+                                        </p:cTn>
+                                        <p:tgtEl>
+                                          <p:spTgt spid="2"/>
+                                        </p:tgtEl>
+                                        <p:attrNameLst>
+                                          <p:attrName>ppt_y</p:attrName>
+                                        </p:attrNameLst>
+                                      </p:cBhvr>
+                                      <p:tavLst>
+                                        <p:tav tm="0" fmla="#ppt_y-sin(pi*$)/27">
+                                          <p:val>
+                                            <p:fltVal val="0"/>
+                                          </p:val>
+                                        </p:tav>
+                                        <p:tav tm="100000">
+                                          <p:val>
+                                            <p:fltVal val="1"/>
+                                          </p:val>
+                                        </p:tav>
+                                      </p:tavLst>
+                                    </p:anim>
+                                    <p:anim calcmode="lin" valueType="num">
+                                      <p:cBhvr>
+                                        <p:cTn id="12" dur="164" tmFilter="0, 0; 0.125,0.2665; 0.25,0.4; 0.375,0.465; 0.5,0.5;  0.625,0.535; 0.75,0.6; 0.875,0.7335; 1,1">
+                                          <p:stCondLst>
+                                            <p:cond delay="1656"/>
+                                          </p:stCondLst>
+                                        </p:cTn>
+                                        <p:tgtEl>
+                                          <p:spTgt spid="2"/>
+                                        </p:tgtEl>
+                                        <p:attrNameLst>
+                                          <p:attrName>ppt_y</p:attrName>
+                                        </p:attrNameLst>
+                                      </p:cBhvr>
+                                      <p:tavLst>
+                                        <p:tav tm="0" fmla="#ppt_y-sin(pi*$)/81">
+                                          <p:val>
+                                            <p:fltVal val="0"/>
+                                          </p:val>
+                                        </p:tav>
+                                        <p:tav tm="100000">
+                                          <p:val>
+                                            <p:fltVal val="1"/>
+                                          </p:val>
+                                        </p:tav>
+                                      </p:tavLst>
+                                    </p:anim>
+                                    <p:animScale>
+                                      <p:cBhvr>
+                                        <p:cTn id="13" dur="26">
+                                          <p:stCondLst>
+                                            <p:cond delay="650"/>
+                                          </p:stCondLst>
+                                        </p:cTn>
+                                        <p:tgtEl>
+                                          <p:spTgt spid="2"/>
+                                        </p:tgtEl>
+                                      </p:cBhvr>
+                                      <p:to x="100000" y="60000"/>
+                                    </p:animScale>
+                                    <p:animScale>
+                                      <p:cBhvr>
+                                        <p:cTn id="14" dur="166" decel="50000">
+                                          <p:stCondLst>
+                                            <p:cond delay="676"/>
+                                          </p:stCondLst>
+                                        </p:cTn>
+                                        <p:tgtEl>
+                                          <p:spTgt spid="2"/>
+                                        </p:tgtEl>
+                                      </p:cBhvr>
+                                      <p:to x="100000" y="100000"/>
+                                    </p:animScale>
+                                    <p:animScale>
+                                      <p:cBhvr>
+                                        <p:cTn id="15" dur="26">
+                                          <p:stCondLst>
+                                            <p:cond delay="1312"/>
+                                          </p:stCondLst>
+                                        </p:cTn>
+                                        <p:tgtEl>
+                                          <p:spTgt spid="2"/>
+                                        </p:tgtEl>
+                                      </p:cBhvr>
+                                      <p:to x="100000" y="80000"/>
+                                    </p:animScale>
+                                    <p:animScale>
+                                      <p:cBhvr>
+                                        <p:cTn id="16" dur="166" decel="50000">
+                                          <p:stCondLst>
+                                            <p:cond delay="1338"/>
+                                          </p:stCondLst>
+                                        </p:cTn>
+                                        <p:tgtEl>
+                                          <p:spTgt spid="2"/>
+                                        </p:tgtEl>
+                                      </p:cBhvr>
+                                      <p:to x="100000" y="100000"/>
+                                    </p:animScale>
+                                    <p:animScale>
+                                      <p:cBhvr>
+                                        <p:cTn id="17" dur="26">
+                                          <p:stCondLst>
+                                            <p:cond delay="1642"/>
+                                          </p:stCondLst>
+                                        </p:cTn>
+                                        <p:tgtEl>
+                                          <p:spTgt spid="2"/>
+                                        </p:tgtEl>
+                                      </p:cBhvr>
+                                      <p:to x="100000" y="90000"/>
+                                    </p:animScale>
+                                    <p:animScale>
+                                      <p:cBhvr>
+                                        <p:cTn id="18" dur="166" decel="50000">
+                                          <p:stCondLst>
+                                            <p:cond delay="1668"/>
+                                          </p:stCondLst>
+                                        </p:cTn>
+                                        <p:tgtEl>
+                                          <p:spTgt spid="2"/>
+                                        </p:tgtEl>
+                                      </p:cBhvr>
+                                      <p:to x="100000" y="100000"/>
+                                    </p:animScale>
+                                    <p:animScale>
+                                      <p:cBhvr>
+                                        <p:cTn id="19" dur="26">
+                                          <p:stCondLst>
+                                            <p:cond delay="1808"/>
+                                          </p:stCondLst>
+                                        </p:cTn>
+                                        <p:tgtEl>
+                                          <p:spTgt spid="2"/>
+                                        </p:tgtEl>
+                                      </p:cBhvr>
+                                      <p:to x="100000" y="95000"/>
+                                    </p:animScale>
+                                    <p:animScale>
+                                      <p:cBhvr>
+                                        <p:cTn id="20" dur="166" decel="50000">
+                                          <p:stCondLst>
+                                            <p:cond delay="1834"/>
+                                          </p:stCondLst>
+                                        </p:cTn>
+                                        <p:tgtEl>
+                                          <p:spTgt spid="2"/>
+                                        </p:tgtEl>
+                                      </p:cBhvr>
+                                      <p:to x="100000" y="100000"/>
+                                    </p:animScale>
+                                  </p:childTnLst>
+                                </p:cTn>
+                              </p:par>
+                            </p:childTnLst>
+                          </p:cTn>
+                        </p:par>
+                      </p:childTnLst>
+                    </p:cTn>
+                  </p:par>
+                </p:childTnLst>
+              </p:cTn>
+              <p:prevCondLst>
+                <p:cond evt="onPrev" delay="0">
+                  <p:tgtEl>
+                    <p:sldTgt/>
+                  </p:tgtEl>
+                </p:cond>
+              </p:prevCondLst>
+              <p:nextCondLst>
+                <p:cond evt="onNext" delay="0">
+                  <p:tgtEl>
+                    <p:sldTgt/>
+                  </p:tgtEl>
+                </p:cond>
+              </p:nextCondLst>
+            </p:seq>
+          </p:childTnLst>
+        </p:cTn>
+      </p:par>
+    </p:tnLst>
+    <p:bldLst>
+      <p:bldP spid="2" grpId="0"/>
+    </p:bldLst>
+  </p:timing>
+</p:sld>
+</file>
+
+<file path=ppt/slides/slide30.xml><?xml version="1.0" encoding="utf-8"?>
 <p:sld xmlns:a="http://schemas.openxmlformats.org/drawingml/2006/main" xmlns:r="http://schemas.openxmlformats.org/officeDocument/2006/relationships" xmlns:p="http://schemas.openxmlformats.org/presentationml/2006/main">
   <p:cSld>
     <p:spTree>
@@ -34905,7 +37680,7 @@
 </p:sld>
 </file>
 
-<file path=ppt/slides/slide27.xml><?xml version="1.0" encoding="utf-8"?>
+<file path=ppt/slides/slide31.xml><?xml version="1.0" encoding="utf-8"?>
 <p:sld xmlns:a="http://schemas.openxmlformats.org/drawingml/2006/main" xmlns:r="http://schemas.openxmlformats.org/officeDocument/2006/relationships" xmlns:p="http://schemas.openxmlformats.org/presentationml/2006/main">
   <p:cSld>
     <p:spTree>
@@ -34989,7 +37764,7 @@
 </p:sld>
 </file>
 
-<file path=ppt/slides/slide28.xml><?xml version="1.0" encoding="utf-8"?>
+<file path=ppt/slides/slide32.xml><?xml version="1.0" encoding="utf-8"?>
 <p:sld xmlns:a="http://schemas.openxmlformats.org/drawingml/2006/main" xmlns:r="http://schemas.openxmlformats.org/officeDocument/2006/relationships" xmlns:p="http://schemas.openxmlformats.org/presentationml/2006/main">
   <p:cSld>
     <p:spTree>
@@ -35109,7 +37884,7 @@
 </p:sld>
 </file>
 
-<file path=ppt/slides/slide29.xml><?xml version="1.0" encoding="utf-8"?>
+<file path=ppt/slides/slide33.xml><?xml version="1.0" encoding="utf-8"?>
 <p:sld xmlns:a="http://schemas.openxmlformats.org/drawingml/2006/main" xmlns:r="http://schemas.openxmlformats.org/officeDocument/2006/relationships" xmlns:p="http://schemas.openxmlformats.org/presentationml/2006/main">
   <p:cSld>
     <p:spTree>
@@ -35242,546 +38017,7 @@
 </p:sld>
 </file>
 
-<file path=ppt/slides/slide3.xml><?xml version="1.0" encoding="utf-8"?>
-<p:sld xmlns:a="http://schemas.openxmlformats.org/drawingml/2006/main" xmlns:r="http://schemas.openxmlformats.org/officeDocument/2006/relationships" xmlns:p="http://schemas.openxmlformats.org/presentationml/2006/main">
-  <p:cSld>
-    <p:spTree>
-      <p:nvGrpSpPr>
-        <p:cNvPr id="1" name=""/>
-        <p:cNvGrpSpPr/>
-        <p:nvPr/>
-      </p:nvGrpSpPr>
-      <p:grpSpPr>
-        <a:xfrm>
-          <a:off x="0" y="0"/>
-          <a:ext cx="0" cy="0"/>
-          <a:chOff x="0" y="0"/>
-          <a:chExt cx="0" cy="0"/>
-        </a:xfrm>
-      </p:grpSpPr>
-      <p:sp>
-        <p:nvSpPr>
-          <p:cNvPr id="4" name="Title 3"/>
-          <p:cNvSpPr>
-            <a:spLocks noGrp="1"/>
-          </p:cNvSpPr>
-          <p:nvPr>
-            <p:ph type="title"/>
-          </p:nvPr>
-        </p:nvSpPr>
-        <p:spPr/>
-        <p:txBody>
-          <a:bodyPr/>
-          <a:lstStyle/>
-          <a:p>
-            <a:pPr algn="ctr"/>
-            <a:r>
-              <a:rPr lang="en-US" dirty="0"/>
-              <a:t>Michael S. Collier</a:t>
-            </a:r>
-          </a:p>
-        </p:txBody>
-      </p:sp>
-      <p:sp>
-        <p:nvSpPr>
-          <p:cNvPr id="5" name="Text Placeholder 4"/>
-          <p:cNvSpPr>
-            <a:spLocks noGrp="1"/>
-          </p:cNvSpPr>
-          <p:nvPr>
-            <p:ph type="body" sz="quarter" idx="10"/>
-          </p:nvPr>
-        </p:nvSpPr>
-        <p:spPr>
-          <a:xfrm>
-            <a:off x="269239" y="1189177"/>
-            <a:ext cx="11653523" cy="5061899"/>
-          </a:xfrm>
-        </p:spPr>
-        <p:txBody>
-          <a:bodyPr/>
-          <a:lstStyle/>
-          <a:p>
-            <a:r>
-              <a:rPr lang="en-US" dirty="0"/>
-              <a:t>Cloud Solution Architect, Microsoft</a:t>
-            </a:r>
-          </a:p>
-          <a:p>
-            <a:endParaRPr lang="en-US" sz="2000" dirty="0"/>
-          </a:p>
-          <a:p>
-            <a:r>
-              <a:rPr lang="en-US" dirty="0"/>
-              <a:t>michael.collier@microsoft.com</a:t>
-            </a:r>
-          </a:p>
-          <a:p>
-            <a:r>
-              <a:rPr lang="en-US" dirty="0"/>
-              <a:t>michaelscollier@gmail.com</a:t>
-            </a:r>
-          </a:p>
-          <a:p>
-            <a:endParaRPr lang="en-US" sz="2000" dirty="0"/>
-          </a:p>
-          <a:p>
-            <a:r>
-              <a:rPr lang="en-US" dirty="0"/>
-              <a:t>@</a:t>
-            </a:r>
-            <a:r>
-              <a:rPr lang="en-US" dirty="0" err="1"/>
-              <a:t>MichaelCollier</a:t>
-            </a:r>
-            <a:endParaRPr lang="en-US" dirty="0"/>
-          </a:p>
-          <a:p>
-            <a:endParaRPr lang="en-US" sz="2000" dirty="0"/>
-          </a:p>
-          <a:p>
-            <a:r>
-              <a:rPr lang="en-US" dirty="0"/>
-              <a:t>www.MichaelSCollier.com</a:t>
-            </a:r>
-          </a:p>
-          <a:p>
-            <a:r>
-              <a:rPr lang="en-US" dirty="0"/>
-              <a:t>http://aka.ms/csablog </a:t>
-            </a:r>
-          </a:p>
-        </p:txBody>
-      </p:sp>
-      <p:sp>
-        <p:nvSpPr>
-          <p:cNvPr id="2" name="TextBox 1"/>
-          <p:cNvSpPr txBox="1"/>
-          <p:nvPr/>
-        </p:nvSpPr>
-        <p:spPr>
-          <a:xfrm rot="19406000">
-            <a:off x="4697870" y="3350794"/>
-            <a:ext cx="8730907" cy="738664"/>
-          </a:xfrm>
-          <a:prstGeom prst="rect">
-            <a:avLst/>
-          </a:prstGeom>
-          <a:noFill/>
-        </p:spPr>
-        <p:txBody>
-          <a:bodyPr wrap="square" lIns="182880" tIns="146304" rIns="182880" bIns="146304" rtlCol="0">
-            <a:spAutoFit/>
-          </a:bodyPr>
-          <a:lstStyle/>
-          <a:p>
-            <a:pPr lvl="0">
-              <a:lnSpc>
-                <a:spcPct val="90000"/>
-              </a:lnSpc>
-              <a:spcAft>
-                <a:spcPts val="600"/>
-              </a:spcAft>
-              <a:defRPr/>
-            </a:pPr>
-            <a:r>
-              <a:rPr kumimoji="0" lang="en-US" sz="3200" b="0" i="0" u="none" strike="noStrike" kern="0" cap="none" spc="0" normalizeH="0" baseline="0" noProof="0" dirty="0">
-                <a:ln>
-                  <a:noFill/>
-                </a:ln>
-                <a:solidFill>
-                  <a:srgbClr val="FF0000"/>
-                </a:solidFill>
-                <a:effectLst/>
-                <a:uLnTx/>
-                <a:uFillTx/>
-              </a:rPr>
-              <a:t>https://</a:t>
-            </a:r>
-            <a:r>
-              <a:rPr lang="en-US" sz="3200" kern="0" dirty="0">
-                <a:solidFill>
-                  <a:srgbClr val="FF0000"/>
-                </a:solidFill>
-              </a:rPr>
-              <a:t>github.com/</a:t>
-            </a:r>
-            <a:r>
-              <a:rPr lang="en-US" sz="3200" kern="0" dirty="0" err="1">
-                <a:solidFill>
-                  <a:srgbClr val="FF0000"/>
-                </a:solidFill>
-              </a:rPr>
-              <a:t>mcollier</a:t>
-            </a:r>
-            <a:r>
-              <a:rPr lang="en-US" sz="3200" kern="0" dirty="0">
-                <a:solidFill>
-                  <a:srgbClr val="FF0000"/>
-                </a:solidFill>
-              </a:rPr>
-              <a:t>/StirTrek2016</a:t>
-            </a:r>
-            <a:endParaRPr kumimoji="0" lang="en-US" sz="3200" b="0" i="0" u="none" strike="noStrike" kern="0" cap="none" spc="0" normalizeH="0" baseline="0" noProof="0" dirty="0">
-              <a:ln>
-                <a:noFill/>
-              </a:ln>
-              <a:solidFill>
-                <a:srgbClr val="FF0000"/>
-              </a:solidFill>
-              <a:effectLst/>
-              <a:uLnTx/>
-              <a:uFillTx/>
-            </a:endParaRPr>
-          </a:p>
-        </p:txBody>
-      </p:sp>
-    </p:spTree>
-    <p:extLst>
-      <p:ext uri="{BB962C8B-B14F-4D97-AF65-F5344CB8AC3E}">
-        <p14:creationId xmlns:p14="http://schemas.microsoft.com/office/powerpoint/2010/main" val="2903133316"/>
-      </p:ext>
-    </p:extLst>
-  </p:cSld>
-  <p:clrMapOvr>
-    <a:masterClrMapping/>
-  </p:clrMapOvr>
-  <p:transition>
-    <p:fade/>
-  </p:transition>
-  <p:timing>
-    <p:tnLst>
-      <p:par>
-        <p:cTn id="1" dur="indefinite" restart="never" nodeType="tmRoot">
-          <p:childTnLst>
-            <p:seq concurrent="1" nextAc="seek">
-              <p:cTn id="2" dur="indefinite" nodeType="mainSeq">
-                <p:childTnLst>
-                  <p:par>
-                    <p:cTn id="3" fill="hold">
-                      <p:stCondLst>
-                        <p:cond delay="indefinite"/>
-                      </p:stCondLst>
-                      <p:childTnLst>
-                        <p:par>
-                          <p:cTn id="4" fill="hold">
-                            <p:stCondLst>
-                              <p:cond delay="0"/>
-                            </p:stCondLst>
-                            <p:childTnLst>
-                              <p:par>
-                                <p:cTn id="5" presetID="26" presetClass="entr" presetSubtype="0" fill="hold" grpId="0" nodeType="clickEffect">
-                                  <p:stCondLst>
-                                    <p:cond delay="0"/>
-                                  </p:stCondLst>
-                                  <p:childTnLst>
-                                    <p:set>
-                                      <p:cBhvr>
-                                        <p:cTn id="6" dur="1" fill="hold">
-                                          <p:stCondLst>
-                                            <p:cond delay="0"/>
-                                          </p:stCondLst>
-                                        </p:cTn>
-                                        <p:tgtEl>
-                                          <p:spTgt spid="2"/>
-                                        </p:tgtEl>
-                                        <p:attrNameLst>
-                                          <p:attrName>style.visibility</p:attrName>
-                                        </p:attrNameLst>
-                                      </p:cBhvr>
-                                      <p:to>
-                                        <p:strVal val="visible"/>
-                                      </p:to>
-                                    </p:set>
-                                    <p:animEffect transition="in" filter="wipe(down)">
-                                      <p:cBhvr>
-                                        <p:cTn id="7" dur="580">
-                                          <p:stCondLst>
-                                            <p:cond delay="0"/>
-                                          </p:stCondLst>
-                                        </p:cTn>
-                                        <p:tgtEl>
-                                          <p:spTgt spid="2"/>
-                                        </p:tgtEl>
-                                      </p:cBhvr>
-                                    </p:animEffect>
-                                    <p:anim calcmode="lin" valueType="num">
-                                      <p:cBhvr>
-                                        <p:cTn id="8" dur="1822" tmFilter="0,0; 0.14,0.36; 0.43,0.73; 0.71,0.91; 1.0,1.0">
-                                          <p:stCondLst>
-                                            <p:cond delay="0"/>
-                                          </p:stCondLst>
-                                        </p:cTn>
-                                        <p:tgtEl>
-                                          <p:spTgt spid="2"/>
-                                        </p:tgtEl>
-                                        <p:attrNameLst>
-                                          <p:attrName>ppt_x</p:attrName>
-                                        </p:attrNameLst>
-                                      </p:cBhvr>
-                                      <p:tavLst>
-                                        <p:tav tm="0">
-                                          <p:val>
-                                            <p:strVal val="#ppt_x-0.25"/>
-                                          </p:val>
-                                        </p:tav>
-                                        <p:tav tm="100000">
-                                          <p:val>
-                                            <p:strVal val="#ppt_x"/>
-                                          </p:val>
-                                        </p:tav>
-                                      </p:tavLst>
-                                    </p:anim>
-                                    <p:anim calcmode="lin" valueType="num">
-                                      <p:cBhvr>
-                                        <p:cTn id="9" dur="664" tmFilter="0.0,0.0; 0.25,0.07; 0.50,0.2; 0.75,0.467; 1.0,1.0">
-                                          <p:stCondLst>
-                                            <p:cond delay="0"/>
-                                          </p:stCondLst>
-                                        </p:cTn>
-                                        <p:tgtEl>
-                                          <p:spTgt spid="2"/>
-                                        </p:tgtEl>
-                                        <p:attrNameLst>
-                                          <p:attrName>ppt_y</p:attrName>
-                                        </p:attrNameLst>
-                                      </p:cBhvr>
-                                      <p:tavLst>
-                                        <p:tav tm="0" fmla="#ppt_y-sin(pi*$)/3">
-                                          <p:val>
-                                            <p:fltVal val="0.5"/>
-                                          </p:val>
-                                        </p:tav>
-                                        <p:tav tm="100000">
-                                          <p:val>
-                                            <p:fltVal val="1"/>
-                                          </p:val>
-                                        </p:tav>
-                                      </p:tavLst>
-                                    </p:anim>
-                                    <p:anim calcmode="lin" valueType="num">
-                                      <p:cBhvr>
-                                        <p:cTn id="10" dur="664" tmFilter="0, 0; 0.125,0.2665; 0.25,0.4; 0.375,0.465; 0.5,0.5;  0.625,0.535; 0.75,0.6; 0.875,0.7335; 1,1">
-                                          <p:stCondLst>
-                                            <p:cond delay="664"/>
-                                          </p:stCondLst>
-                                        </p:cTn>
-                                        <p:tgtEl>
-                                          <p:spTgt spid="2"/>
-                                        </p:tgtEl>
-                                        <p:attrNameLst>
-                                          <p:attrName>ppt_y</p:attrName>
-                                        </p:attrNameLst>
-                                      </p:cBhvr>
-                                      <p:tavLst>
-                                        <p:tav tm="0" fmla="#ppt_y-sin(pi*$)/9">
-                                          <p:val>
-                                            <p:fltVal val="0"/>
-                                          </p:val>
-                                        </p:tav>
-                                        <p:tav tm="100000">
-                                          <p:val>
-                                            <p:fltVal val="1"/>
-                                          </p:val>
-                                        </p:tav>
-                                      </p:tavLst>
-                                    </p:anim>
-                                    <p:anim calcmode="lin" valueType="num">
-                                      <p:cBhvr>
-                                        <p:cTn id="11" dur="332" tmFilter="0, 0; 0.125,0.2665; 0.25,0.4; 0.375,0.465; 0.5,0.5;  0.625,0.535; 0.75,0.6; 0.875,0.7335; 1,1">
-                                          <p:stCondLst>
-                                            <p:cond delay="1324"/>
-                                          </p:stCondLst>
-                                        </p:cTn>
-                                        <p:tgtEl>
-                                          <p:spTgt spid="2"/>
-                                        </p:tgtEl>
-                                        <p:attrNameLst>
-                                          <p:attrName>ppt_y</p:attrName>
-                                        </p:attrNameLst>
-                                      </p:cBhvr>
-                                      <p:tavLst>
-                                        <p:tav tm="0" fmla="#ppt_y-sin(pi*$)/27">
-                                          <p:val>
-                                            <p:fltVal val="0"/>
-                                          </p:val>
-                                        </p:tav>
-                                        <p:tav tm="100000">
-                                          <p:val>
-                                            <p:fltVal val="1"/>
-                                          </p:val>
-                                        </p:tav>
-                                      </p:tavLst>
-                                    </p:anim>
-                                    <p:anim calcmode="lin" valueType="num">
-                                      <p:cBhvr>
-                                        <p:cTn id="12" dur="164" tmFilter="0, 0; 0.125,0.2665; 0.25,0.4; 0.375,0.465; 0.5,0.5;  0.625,0.535; 0.75,0.6; 0.875,0.7335; 1,1">
-                                          <p:stCondLst>
-                                            <p:cond delay="1656"/>
-                                          </p:stCondLst>
-                                        </p:cTn>
-                                        <p:tgtEl>
-                                          <p:spTgt spid="2"/>
-                                        </p:tgtEl>
-                                        <p:attrNameLst>
-                                          <p:attrName>ppt_y</p:attrName>
-                                        </p:attrNameLst>
-                                      </p:cBhvr>
-                                      <p:tavLst>
-                                        <p:tav tm="0" fmla="#ppt_y-sin(pi*$)/81">
-                                          <p:val>
-                                            <p:fltVal val="0"/>
-                                          </p:val>
-                                        </p:tav>
-                                        <p:tav tm="100000">
-                                          <p:val>
-                                            <p:fltVal val="1"/>
-                                          </p:val>
-                                        </p:tav>
-                                      </p:tavLst>
-                                    </p:anim>
-                                    <p:animScale>
-                                      <p:cBhvr>
-                                        <p:cTn id="13" dur="26">
-                                          <p:stCondLst>
-                                            <p:cond delay="650"/>
-                                          </p:stCondLst>
-                                        </p:cTn>
-                                        <p:tgtEl>
-                                          <p:spTgt spid="2"/>
-                                        </p:tgtEl>
-                                      </p:cBhvr>
-                                      <p:to x="100000" y="60000"/>
-                                    </p:animScale>
-                                    <p:animScale>
-                                      <p:cBhvr>
-                                        <p:cTn id="14" dur="166" decel="50000">
-                                          <p:stCondLst>
-                                            <p:cond delay="676"/>
-                                          </p:stCondLst>
-                                        </p:cTn>
-                                        <p:tgtEl>
-                                          <p:spTgt spid="2"/>
-                                        </p:tgtEl>
-                                      </p:cBhvr>
-                                      <p:to x="100000" y="100000"/>
-                                    </p:animScale>
-                                    <p:animScale>
-                                      <p:cBhvr>
-                                        <p:cTn id="15" dur="26">
-                                          <p:stCondLst>
-                                            <p:cond delay="1312"/>
-                                          </p:stCondLst>
-                                        </p:cTn>
-                                        <p:tgtEl>
-                                          <p:spTgt spid="2"/>
-                                        </p:tgtEl>
-                                      </p:cBhvr>
-                                      <p:to x="100000" y="80000"/>
-                                    </p:animScale>
-                                    <p:animScale>
-                                      <p:cBhvr>
-                                        <p:cTn id="16" dur="166" decel="50000">
-                                          <p:stCondLst>
-                                            <p:cond delay="1338"/>
-                                          </p:stCondLst>
-                                        </p:cTn>
-                                        <p:tgtEl>
-                                          <p:spTgt spid="2"/>
-                                        </p:tgtEl>
-                                      </p:cBhvr>
-                                      <p:to x="100000" y="100000"/>
-                                    </p:animScale>
-                                    <p:animScale>
-                                      <p:cBhvr>
-                                        <p:cTn id="17" dur="26">
-                                          <p:stCondLst>
-                                            <p:cond delay="1642"/>
-                                          </p:stCondLst>
-                                        </p:cTn>
-                                        <p:tgtEl>
-                                          <p:spTgt spid="2"/>
-                                        </p:tgtEl>
-                                      </p:cBhvr>
-                                      <p:to x="100000" y="90000"/>
-                                    </p:animScale>
-                                    <p:animScale>
-                                      <p:cBhvr>
-                                        <p:cTn id="18" dur="166" decel="50000">
-                                          <p:stCondLst>
-                                            <p:cond delay="1668"/>
-                                          </p:stCondLst>
-                                        </p:cTn>
-                                        <p:tgtEl>
-                                          <p:spTgt spid="2"/>
-                                        </p:tgtEl>
-                                      </p:cBhvr>
-                                      <p:to x="100000" y="100000"/>
-                                    </p:animScale>
-                                    <p:animScale>
-                                      <p:cBhvr>
-                                        <p:cTn id="19" dur="26">
-                                          <p:stCondLst>
-                                            <p:cond delay="1808"/>
-                                          </p:stCondLst>
-                                        </p:cTn>
-                                        <p:tgtEl>
-                                          <p:spTgt spid="2"/>
-                                        </p:tgtEl>
-                                      </p:cBhvr>
-                                      <p:to x="100000" y="95000"/>
-                                    </p:animScale>
-                                    <p:animScale>
-                                      <p:cBhvr>
-                                        <p:cTn id="20" dur="166" decel="50000">
-                                          <p:stCondLst>
-                                            <p:cond delay="1834"/>
-                                          </p:stCondLst>
-                                        </p:cTn>
-                                        <p:tgtEl>
-                                          <p:spTgt spid="2"/>
-                                        </p:tgtEl>
-                                      </p:cBhvr>
-                                      <p:to x="100000" y="100000"/>
-                                    </p:animScale>
-                                  </p:childTnLst>
-                                </p:cTn>
-                              </p:par>
-                            </p:childTnLst>
-                          </p:cTn>
-                        </p:par>
-                      </p:childTnLst>
-                    </p:cTn>
-                  </p:par>
-                </p:childTnLst>
-              </p:cTn>
-              <p:prevCondLst>
-                <p:cond evt="onPrev" delay="0">
-                  <p:tgtEl>
-                    <p:sldTgt/>
-                  </p:tgtEl>
-                </p:cond>
-              </p:prevCondLst>
-              <p:nextCondLst>
-                <p:cond evt="onNext" delay="0">
-                  <p:tgtEl>
-                    <p:sldTgt/>
-                  </p:tgtEl>
-                </p:cond>
-              </p:nextCondLst>
-            </p:seq>
-          </p:childTnLst>
-        </p:cTn>
-      </p:par>
-    </p:tnLst>
-    <p:bldLst>
-      <p:bldP spid="2" grpId="0"/>
-    </p:bldLst>
-  </p:timing>
-</p:sld>
-</file>
-
-<file path=ppt/slides/slide30.xml><?xml version="1.0" encoding="utf-8"?>
+<file path=ppt/slides/slide34.xml><?xml version="1.0" encoding="utf-8"?>
 <p:sld xmlns:a="http://schemas.openxmlformats.org/drawingml/2006/main" xmlns:r="http://schemas.openxmlformats.org/officeDocument/2006/relationships" xmlns:p="http://schemas.openxmlformats.org/presentationml/2006/main">
   <p:cSld>
     <p:spTree>
@@ -35931,7 +38167,7 @@
 </p:sld>
 </file>
 
-<file path=ppt/slides/slide31.xml><?xml version="1.0" encoding="utf-8"?>
+<file path=ppt/slides/slide35.xml><?xml version="1.0" encoding="utf-8"?>
 <p:sld xmlns:a="http://schemas.openxmlformats.org/drawingml/2006/main" xmlns:r="http://schemas.openxmlformats.org/officeDocument/2006/relationships" xmlns:p="http://schemas.openxmlformats.org/presentationml/2006/main">
   <p:cSld>
     <p:spTree>
@@ -36675,7 +38911,7 @@
 </p:sld>
 </file>
 
-<file path=ppt/slides/slide32.xml><?xml version="1.0" encoding="utf-8"?>
+<file path=ppt/slides/slide36.xml><?xml version="1.0" encoding="utf-8"?>
 <p:sld xmlns:a="http://schemas.openxmlformats.org/drawingml/2006/main" xmlns:r="http://schemas.openxmlformats.org/officeDocument/2006/relationships" xmlns:p="http://schemas.openxmlformats.org/presentationml/2006/main">
   <p:cSld>
     <p:spTree>
@@ -36740,7 +38976,7 @@
             <a:fld id="{0A164282-434E-41D4-9582-783D542A7B68}" type="slidenum">
               <a:rPr lang="en-US" smtClean="0"/>
               <a:pPr/>
-              <a:t>32</a:t>
+              <a:t>36</a:t>
             </a:fld>
             <a:endParaRPr lang="en-US"/>
           </a:p>
@@ -37905,7 +40141,7 @@
 </p:sld>
 </file>
 
-<file path=ppt/slides/slide33.xml><?xml version="1.0" encoding="utf-8"?>
+<file path=ppt/slides/slide37.xml><?xml version="1.0" encoding="utf-8"?>
 <p:sld xmlns:a="http://schemas.openxmlformats.org/drawingml/2006/main" xmlns:r="http://schemas.openxmlformats.org/officeDocument/2006/relationships" xmlns:p="http://schemas.openxmlformats.org/presentationml/2006/main">
   <p:cSld>
     <p:spTree>
@@ -38305,7 +40541,7 @@
 </p:sld>
 </file>
 
-<file path=ppt/slides/slide34.xml><?xml version="1.0" encoding="utf-8"?>
+<file path=ppt/slides/slide38.xml><?xml version="1.0" encoding="utf-8"?>
 <p:sld xmlns:a="http://schemas.openxmlformats.org/drawingml/2006/main" xmlns:r="http://schemas.openxmlformats.org/officeDocument/2006/relationships" xmlns:p="http://schemas.openxmlformats.org/presentationml/2006/main">
   <p:cSld>
     <p:spTree>
@@ -38750,194 +40986,7 @@
 </p:sld>
 </file>
 
-<file path=ppt/slides/slide35.xml><?xml version="1.0" encoding="utf-8"?>
-<p:sld xmlns:a="http://schemas.openxmlformats.org/drawingml/2006/main" xmlns:r="http://schemas.openxmlformats.org/officeDocument/2006/relationships" xmlns:p="http://schemas.openxmlformats.org/presentationml/2006/main" show="0">
-  <p:cSld>
-    <p:spTree>
-      <p:nvGrpSpPr>
-        <p:cNvPr id="1" name=""/>
-        <p:cNvGrpSpPr/>
-        <p:nvPr/>
-      </p:nvGrpSpPr>
-      <p:grpSpPr>
-        <a:xfrm>
-          <a:off x="0" y="0"/>
-          <a:ext cx="0" cy="0"/>
-          <a:chOff x="0" y="0"/>
-          <a:chExt cx="0" cy="0"/>
-        </a:xfrm>
-      </p:grpSpPr>
-      <p:sp>
-        <p:nvSpPr>
-          <p:cNvPr id="2" name="Title 1"/>
-          <p:cNvSpPr>
-            <a:spLocks noGrp="1"/>
-          </p:cNvSpPr>
-          <p:nvPr>
-            <p:ph type="title"/>
-          </p:nvPr>
-        </p:nvSpPr>
-        <p:spPr/>
-        <p:txBody>
-          <a:bodyPr/>
-          <a:lstStyle/>
-          <a:p>
-            <a:r>
-              <a:rPr lang="en-US"/>
-              <a:t>Objects</a:t>
-            </a:r>
-            <a:endParaRPr lang="en-US" dirty="0"/>
-          </a:p>
-        </p:txBody>
-      </p:sp>
-      <p:sp>
-        <p:nvSpPr>
-          <p:cNvPr id="3" name="Text Placeholder 2"/>
-          <p:cNvSpPr>
-            <a:spLocks noGrp="1"/>
-          </p:cNvSpPr>
-          <p:nvPr>
-            <p:ph type="body" sz="quarter" idx="10"/>
-          </p:nvPr>
-        </p:nvSpPr>
-        <p:spPr>
-          <a:xfrm>
-            <a:off x="269239" y="2378718"/>
-            <a:ext cx="11653523" cy="4185761"/>
-          </a:xfrm>
-        </p:spPr>
-        <p:txBody>
-          <a:bodyPr/>
-          <a:lstStyle/>
-          <a:p>
-            <a:r>
-              <a:rPr lang="en-US" sz="2000"/>
-              <a:t>"variables": {</a:t>
-            </a:r>
-          </a:p>
-          <a:p>
-            <a:r>
-              <a:rPr lang="en-US" sz="2000"/>
-              <a:t>    "templateBaseUrl": "https://collierstirtrek.blob.core.windows.net/templates/",</a:t>
-            </a:r>
-          </a:p>
-          <a:p>
-            <a:r>
-              <a:rPr lang="en-US" sz="2000"/>
-              <a:t>    "tshirtSizeSmall": {</a:t>
-            </a:r>
-          </a:p>
-          <a:p>
-            <a:r>
-              <a:rPr lang="en-US" sz="2000"/>
-              <a:t>        "vmSize": "Standard_A1",</a:t>
-            </a:r>
-          </a:p>
-          <a:p>
-            <a:r>
-              <a:rPr lang="en-US" sz="2000"/>
-              <a:t>        "vmTemplate": "[concat(variables('templateBaseUrl'), '2disk-resources.json')]",</a:t>
-            </a:r>
-          </a:p>
-          <a:p>
-            <a:r>
-              <a:rPr lang="en-US" sz="2000"/>
-              <a:t>        "vmCount": 2,</a:t>
-            </a:r>
-          </a:p>
-          <a:p>
-            <a:r>
-              <a:rPr lang="en-US" sz="2000"/>
-              <a:t>        "storage": {</a:t>
-            </a:r>
-          </a:p>
-          <a:p>
-            <a:r>
-              <a:rPr lang="en-US" sz="2000"/>
-              <a:t>            "name": "[variables('storageAccountNameBase')]",</a:t>
-            </a:r>
-          </a:p>
-          <a:p>
-            <a:r>
-              <a:rPr lang="en-US" sz="2000"/>
-              <a:t>            "count": 1</a:t>
-            </a:r>
-          </a:p>
-          <a:p>
-            <a:r>
-              <a:rPr lang="en-US" sz="2000"/>
-              <a:t>         }</a:t>
-            </a:r>
-          </a:p>
-          <a:p>
-            <a:r>
-              <a:rPr lang="en-US" sz="2000"/>
-              <a:t>     }</a:t>
-            </a:r>
-          </a:p>
-          <a:p>
-            <a:r>
-              <a:rPr lang="en-US" sz="2000"/>
-              <a:t>}</a:t>
-            </a:r>
-            <a:endParaRPr lang="en-US" sz="2000" dirty="0"/>
-          </a:p>
-        </p:txBody>
-      </p:sp>
-      <p:sp>
-        <p:nvSpPr>
-          <p:cNvPr id="4" name="TextBox 3"/>
-          <p:cNvSpPr txBox="1"/>
-          <p:nvPr/>
-        </p:nvSpPr>
-        <p:spPr>
-          <a:xfrm>
-            <a:off x="269240" y="1418455"/>
-            <a:ext cx="11653522" cy="960263"/>
-          </a:xfrm>
-          <a:prstGeom prst="rect">
-            <a:avLst/>
-          </a:prstGeom>
-          <a:noFill/>
-        </p:spPr>
-        <p:txBody>
-          <a:bodyPr wrap="square" lIns="182880" tIns="146304" rIns="182880" bIns="146304" rtlCol="0">
-            <a:spAutoFit/>
-          </a:bodyPr>
-          <a:lstStyle/>
-          <a:p>
-            <a:pPr>
-              <a:lnSpc>
-                <a:spcPct val="90000"/>
-              </a:lnSpc>
-              <a:spcAft>
-                <a:spcPts val="600"/>
-              </a:spcAft>
-            </a:pPr>
-            <a:r>
-              <a:rPr lang="en-US" sz="2400" dirty="0"/>
-              <a:t>Ability to create loosely typed objects for passing between templates, or for organization.</a:t>
-            </a:r>
-          </a:p>
-        </p:txBody>
-      </p:sp>
-    </p:spTree>
-    <p:extLst>
-      <p:ext uri="{BB962C8B-B14F-4D97-AF65-F5344CB8AC3E}">
-        <p14:creationId xmlns:p14="http://schemas.microsoft.com/office/powerpoint/2010/main" val="486412216"/>
-      </p:ext>
-    </p:extLst>
-  </p:cSld>
-  <p:clrMapOvr>
-    <a:masterClrMapping/>
-  </p:clrMapOvr>
-  <p:transition>
-    <p:fade/>
-  </p:transition>
-</p:sld>
-</file>
-
-<file path=ppt/slides/slide36.xml><?xml version="1.0" encoding="utf-8"?>
+<file path=ppt/slides/slide39.xml><?xml version="1.0" encoding="utf-8"?>
 <p:sld xmlns:a="http://schemas.openxmlformats.org/drawingml/2006/main" xmlns:r="http://schemas.openxmlformats.org/officeDocument/2006/relationships" xmlns:p="http://schemas.openxmlformats.org/presentationml/2006/main">
   <p:cSld>
     <p:spTree>
@@ -39011,496 +41060,6 @@
     <p:extLst>
       <p:ext uri="{BB962C8B-B14F-4D97-AF65-F5344CB8AC3E}">
         <p14:creationId xmlns:p14="http://schemas.microsoft.com/office/powerpoint/2010/main" val="2464285892"/>
-      </p:ext>
-    </p:extLst>
-  </p:cSld>
-  <p:clrMapOvr>
-    <a:masterClrMapping/>
-  </p:clrMapOvr>
-  <p:transition>
-    <p:fade/>
-  </p:transition>
-</p:sld>
-</file>
-
-<file path=ppt/slides/slide37.xml><?xml version="1.0" encoding="utf-8"?>
-<p:sld xmlns:a="http://schemas.openxmlformats.org/drawingml/2006/main" xmlns:r="http://schemas.openxmlformats.org/officeDocument/2006/relationships" xmlns:p="http://schemas.openxmlformats.org/presentationml/2006/main">
-  <p:cSld>
-    <p:spTree>
-      <p:nvGrpSpPr>
-        <p:cNvPr id="1" name=""/>
-        <p:cNvGrpSpPr/>
-        <p:nvPr/>
-      </p:nvGrpSpPr>
-      <p:grpSpPr>
-        <a:xfrm>
-          <a:off x="0" y="0"/>
-          <a:ext cx="0" cy="0"/>
-          <a:chOff x="0" y="0"/>
-          <a:chExt cx="0" cy="0"/>
-        </a:xfrm>
-      </p:grpSpPr>
-      <p:sp>
-        <p:nvSpPr>
-          <p:cNvPr id="2" name="Title 1"/>
-          <p:cNvSpPr>
-            <a:spLocks noGrp="1"/>
-          </p:cNvSpPr>
-          <p:nvPr>
-            <p:ph type="title"/>
-          </p:nvPr>
-        </p:nvSpPr>
-        <p:spPr/>
-        <p:txBody>
-          <a:bodyPr/>
-          <a:lstStyle/>
-          <a:p>
-            <a:r>
-              <a:rPr lang="en-US" dirty="0"/>
-              <a:t>Questions?</a:t>
-            </a:r>
-          </a:p>
-        </p:txBody>
-      </p:sp>
-      <p:sp>
-        <p:nvSpPr>
-          <p:cNvPr id="3" name="Picture Placeholder 2"/>
-          <p:cNvSpPr>
-            <a:spLocks noGrp="1"/>
-          </p:cNvSpPr>
-          <p:nvPr>
-            <p:ph type="pic" sz="quarter" idx="10"/>
-          </p:nvPr>
-        </p:nvSpPr>
-        <p:spPr/>
-      </p:sp>
-    </p:spTree>
-    <p:extLst>
-      <p:ext uri="{BB962C8B-B14F-4D97-AF65-F5344CB8AC3E}">
-        <p14:creationId xmlns:p14="http://schemas.microsoft.com/office/powerpoint/2010/main" val="1813964047"/>
-      </p:ext>
-    </p:extLst>
-  </p:cSld>
-  <p:clrMapOvr>
-    <a:masterClrMapping/>
-  </p:clrMapOvr>
-  <p:transition>
-    <p:fade/>
-  </p:transition>
-</p:sld>
-</file>
-
-<file path=ppt/slides/slide38.xml><?xml version="1.0" encoding="utf-8"?>
-<p:sld xmlns:a="http://schemas.openxmlformats.org/drawingml/2006/main" xmlns:r="http://schemas.openxmlformats.org/officeDocument/2006/relationships" xmlns:p="http://schemas.openxmlformats.org/presentationml/2006/main">
-  <p:cSld>
-    <p:spTree>
-      <p:nvGrpSpPr>
-        <p:cNvPr id="1" name=""/>
-        <p:cNvGrpSpPr/>
-        <p:nvPr/>
-      </p:nvGrpSpPr>
-      <p:grpSpPr>
-        <a:xfrm>
-          <a:off x="0" y="0"/>
-          <a:ext cx="0" cy="0"/>
-          <a:chOff x="0" y="0"/>
-          <a:chExt cx="0" cy="0"/>
-        </a:xfrm>
-      </p:grpSpPr>
-      <p:sp>
-        <p:nvSpPr>
-          <p:cNvPr id="5" name="Text Placeholder 4"/>
-          <p:cNvSpPr>
-            <a:spLocks noGrp="1"/>
-          </p:cNvSpPr>
-          <p:nvPr>
-            <p:ph type="body" sz="quarter" idx="10"/>
-          </p:nvPr>
-        </p:nvSpPr>
-        <p:spPr>
-          <a:xfrm>
-            <a:off x="269239" y="1189177"/>
-            <a:ext cx="11653523" cy="5210657"/>
-          </a:xfrm>
-        </p:spPr>
-        <p:txBody>
-          <a:bodyPr/>
-          <a:lstStyle/>
-          <a:p>
-            <a:r>
-              <a:rPr lang="en-US" sz="3200" dirty="0"/>
-              <a:t>ARM Quick Start Templates</a:t>
-            </a:r>
-          </a:p>
-          <a:p>
-            <a:pPr lvl="1"/>
-            <a:r>
-              <a:rPr lang="en-US" sz="1800" dirty="0"/>
-              <a:t>https://azure.Microsoft.com/en-us/documentation/templates</a:t>
-            </a:r>
-          </a:p>
-          <a:p>
-            <a:pPr lvl="1"/>
-            <a:r>
-              <a:rPr lang="en-US" sz="1800" dirty="0"/>
-              <a:t>https://github.com/Azure/azure-quick-start-templates </a:t>
-            </a:r>
-          </a:p>
-          <a:p>
-            <a:r>
-              <a:rPr lang="en-US" sz="3200" dirty="0"/>
-              <a:t>ARM Schemas</a:t>
-            </a:r>
-          </a:p>
-          <a:p>
-            <a:pPr lvl="1"/>
-            <a:r>
-              <a:rPr lang="en-US" sz="1800" dirty="0"/>
-              <a:t>https://github.com/Azure/azure-resource-manager-schemas/tree/master/schemas </a:t>
-            </a:r>
-          </a:p>
-          <a:p>
-            <a:r>
-              <a:rPr lang="en-US" sz="3200" dirty="0"/>
-              <a:t>ARM Best Practices</a:t>
-            </a:r>
-          </a:p>
-          <a:p>
-            <a:pPr lvl="1"/>
-            <a:r>
-              <a:rPr lang="en-US" sz="1800" dirty="0"/>
-              <a:t>https://azure.microsoft.com/en-us/documentation/articles/best-practices-resource-manager-design-templates/</a:t>
-            </a:r>
-          </a:p>
-          <a:p>
-            <a:pPr lvl="1"/>
-            <a:r>
-              <a:rPr lang="en-US" sz="1800" dirty="0"/>
-              <a:t>Get the </a:t>
-            </a:r>
-            <a:r>
-              <a:rPr lang="en-US" sz="1800" dirty="0" err="1"/>
-              <a:t>AzureCAT</a:t>
-            </a:r>
-            <a:r>
-              <a:rPr lang="en-US" sz="1800" dirty="0"/>
-              <a:t> document!</a:t>
-            </a:r>
-          </a:p>
-          <a:p>
-            <a:r>
-              <a:rPr lang="en-US" sz="3200" dirty="0"/>
-              <a:t>ARM Visualizer</a:t>
-            </a:r>
-          </a:p>
-          <a:p>
-            <a:pPr lvl="1"/>
-            <a:r>
-              <a:rPr lang="en-US" sz="1800" u="sng" dirty="0"/>
-              <a:t>http://armviz.io</a:t>
-            </a:r>
-          </a:p>
-          <a:p>
-            <a:r>
-              <a:rPr lang="en-US" sz="3200" dirty="0"/>
-              <a:t>VS Code Extensions</a:t>
-            </a:r>
-          </a:p>
-          <a:p>
-            <a:pPr lvl="1"/>
-            <a:r>
-              <a:rPr lang="en-US" sz="1800" dirty="0"/>
-              <a:t>https://github.com/Azure/azure-xplat-arm-tooling</a:t>
-            </a:r>
-          </a:p>
-        </p:txBody>
-      </p:sp>
-      <p:sp>
-        <p:nvSpPr>
-          <p:cNvPr id="4" name="Title 3"/>
-          <p:cNvSpPr>
-            <a:spLocks noGrp="1"/>
-          </p:cNvSpPr>
-          <p:nvPr>
-            <p:ph type="title"/>
-          </p:nvPr>
-        </p:nvSpPr>
-        <p:spPr/>
-        <p:txBody>
-          <a:bodyPr/>
-          <a:lstStyle/>
-          <a:p>
-            <a:r>
-              <a:rPr lang="en-US" dirty="0"/>
-              <a:t>Resources</a:t>
-            </a:r>
-          </a:p>
-        </p:txBody>
-      </p:sp>
-    </p:spTree>
-    <p:extLst>
-      <p:ext uri="{BB962C8B-B14F-4D97-AF65-F5344CB8AC3E}">
-        <p14:creationId xmlns:p14="http://schemas.microsoft.com/office/powerpoint/2010/main" val="2182657033"/>
-      </p:ext>
-    </p:extLst>
-  </p:cSld>
-  <p:clrMapOvr>
-    <a:masterClrMapping/>
-  </p:clrMapOvr>
-  <p:transition>
-    <p:fade/>
-  </p:transition>
-</p:sld>
-</file>
-
-<file path=ppt/slides/slide39.xml><?xml version="1.0" encoding="utf-8"?>
-<p:sld xmlns:a="http://schemas.openxmlformats.org/drawingml/2006/main" xmlns:r="http://schemas.openxmlformats.org/officeDocument/2006/relationships" xmlns:p="http://schemas.openxmlformats.org/presentationml/2006/main">
-  <p:cSld>
-    <p:spTree>
-      <p:nvGrpSpPr>
-        <p:cNvPr id="1" name=""/>
-        <p:cNvGrpSpPr/>
-        <p:nvPr/>
-      </p:nvGrpSpPr>
-      <p:grpSpPr>
-        <a:xfrm>
-          <a:off x="0" y="0"/>
-          <a:ext cx="0" cy="0"/>
-          <a:chOff x="0" y="0"/>
-          <a:chExt cx="0" cy="0"/>
-        </a:xfrm>
-      </p:grpSpPr>
-      <p:sp>
-        <p:nvSpPr>
-          <p:cNvPr id="9" name="Title 8"/>
-          <p:cNvSpPr>
-            <a:spLocks noGrp="1"/>
-          </p:cNvSpPr>
-          <p:nvPr>
-            <p:ph type="title"/>
-          </p:nvPr>
-        </p:nvSpPr>
-        <p:spPr/>
-        <p:txBody>
-          <a:bodyPr>
-            <a:normAutofit fontScale="90000"/>
-          </a:bodyPr>
-          <a:lstStyle/>
-          <a:p>
-            <a:pPr algn="ctr"/>
-            <a:r>
-              <a:rPr lang="en-US" b="1" dirty="0">
-                <a:solidFill>
-                  <a:schemeClr val="bg1"/>
-                </a:solidFill>
-              </a:rPr>
-              <a:t>Thank You!</a:t>
-            </a:r>
-          </a:p>
-        </p:txBody>
-      </p:sp>
-      <p:pic>
-        <p:nvPicPr>
-          <p:cNvPr id="6" name="Picture 5"/>
-          <p:cNvPicPr>
-            <a:picLocks noChangeAspect="1"/>
-          </p:cNvPicPr>
-          <p:nvPr/>
-        </p:nvPicPr>
-        <p:blipFill>
-          <a:blip r:embed="rId3"/>
-          <a:stretch>
-            <a:fillRect/>
-          </a:stretch>
-        </p:blipFill>
-        <p:spPr>
-          <a:xfrm>
-            <a:off x="9976756" y="4391130"/>
-            <a:ext cx="1967495" cy="2408421"/>
-          </a:xfrm>
-          <a:prstGeom prst="rect">
-            <a:avLst/>
-          </a:prstGeom>
-        </p:spPr>
-      </p:pic>
-      <p:sp>
-        <p:nvSpPr>
-          <p:cNvPr id="12" name="TextBox 11"/>
-          <p:cNvSpPr txBox="1"/>
-          <p:nvPr/>
-        </p:nvSpPr>
-        <p:spPr>
-          <a:xfrm>
-            <a:off x="603891" y="2541655"/>
-            <a:ext cx="10982632" cy="1446550"/>
-          </a:xfrm>
-          <a:prstGeom prst="rect">
-            <a:avLst/>
-          </a:prstGeom>
-          <a:noFill/>
-        </p:spPr>
-        <p:txBody>
-          <a:bodyPr wrap="square" rtlCol="0">
-            <a:spAutoFit/>
-          </a:bodyPr>
-          <a:lstStyle/>
-          <a:p>
-            <a:pPr marL="0" marR="0" lvl="0" indent="0" algn="ctr" defTabSz="914400" eaLnBrk="1" fontAlgn="auto" latinLnBrk="0" hangingPunct="1">
-              <a:lnSpc>
-                <a:spcPct val="100000"/>
-              </a:lnSpc>
-              <a:spcBef>
-                <a:spcPts val="0"/>
-              </a:spcBef>
-              <a:spcAft>
-                <a:spcPts val="0"/>
-              </a:spcAft>
-              <a:buClrTx/>
-              <a:buSzTx/>
-              <a:buFontTx/>
-              <a:buNone/>
-              <a:tabLst/>
-              <a:defRPr/>
-            </a:pPr>
-            <a:r>
-              <a:rPr kumimoji="0" lang="en-US" sz="3200" b="0" i="0" u="none" strike="noStrike" kern="0" cap="none" spc="0" normalizeH="0" baseline="0" noProof="0" dirty="0">
-                <a:ln>
-                  <a:noFill/>
-                </a:ln>
-                <a:solidFill>
-                  <a:srgbClr val="FFFFFF"/>
-                </a:solidFill>
-                <a:effectLst/>
-                <a:uLnTx/>
-                <a:uFillTx/>
-              </a:rPr>
-              <a:t>Michael S. Collier</a:t>
-            </a:r>
-          </a:p>
-          <a:p>
-            <a:pPr marL="0" marR="0" lvl="0" indent="0" algn="ctr" defTabSz="914400" eaLnBrk="1" fontAlgn="auto" latinLnBrk="0" hangingPunct="1">
-              <a:lnSpc>
-                <a:spcPct val="100000"/>
-              </a:lnSpc>
-              <a:spcBef>
-                <a:spcPts val="0"/>
-              </a:spcBef>
-              <a:spcAft>
-                <a:spcPts val="0"/>
-              </a:spcAft>
-              <a:buClrTx/>
-              <a:buSzTx/>
-              <a:buFontTx/>
-              <a:buNone/>
-              <a:tabLst/>
-              <a:defRPr/>
-            </a:pPr>
-            <a:r>
-              <a:rPr kumimoji="0" lang="en-US" sz="2800" b="0" i="0" u="none" strike="noStrike" kern="0" cap="none" spc="0" normalizeH="0" baseline="0" noProof="0" dirty="0">
-                <a:ln>
-                  <a:noFill/>
-                </a:ln>
-                <a:solidFill>
-                  <a:srgbClr val="FFFFFF"/>
-                </a:solidFill>
-                <a:effectLst/>
-                <a:uLnTx/>
-                <a:uFillTx/>
-              </a:rPr>
-              <a:t>@</a:t>
-            </a:r>
-            <a:r>
-              <a:rPr kumimoji="0" lang="en-US" sz="2800" b="0" i="0" u="none" strike="noStrike" kern="0" cap="none" spc="0" normalizeH="0" baseline="0" noProof="0" dirty="0" err="1">
-                <a:ln>
-                  <a:noFill/>
-                </a:ln>
-                <a:solidFill>
-                  <a:srgbClr val="FFFFFF"/>
-                </a:solidFill>
-                <a:effectLst/>
-                <a:uLnTx/>
-                <a:uFillTx/>
-              </a:rPr>
-              <a:t>MichaelCollier</a:t>
-            </a:r>
-            <a:r>
-              <a:rPr kumimoji="0" lang="en-US" sz="2800" b="0" i="0" u="none" strike="noStrike" kern="0" cap="none" spc="0" normalizeH="0" baseline="0" noProof="0" dirty="0">
-                <a:ln>
-                  <a:noFill/>
-                </a:ln>
-                <a:solidFill>
-                  <a:srgbClr val="FFFFFF"/>
-                </a:solidFill>
-                <a:effectLst/>
-                <a:uLnTx/>
-                <a:uFillTx/>
-              </a:rPr>
-              <a:t> | www.michaelscollier.com</a:t>
-            </a:r>
-          </a:p>
-          <a:p>
-            <a:pPr marL="0" marR="0" lvl="0" indent="0" algn="ctr" defTabSz="914400" eaLnBrk="1" fontAlgn="auto" latinLnBrk="0" hangingPunct="1">
-              <a:lnSpc>
-                <a:spcPct val="100000"/>
-              </a:lnSpc>
-              <a:spcBef>
-                <a:spcPts val="0"/>
-              </a:spcBef>
-              <a:spcAft>
-                <a:spcPts val="0"/>
-              </a:spcAft>
-              <a:buClrTx/>
-              <a:buSzTx/>
-              <a:buFontTx/>
-              <a:buNone/>
-              <a:tabLst/>
-              <a:defRPr/>
-            </a:pPr>
-            <a:r>
-              <a:rPr kumimoji="0" lang="en-US" sz="2800" b="0" i="0" u="none" strike="noStrike" kern="0" cap="none" spc="0" normalizeH="0" baseline="0" noProof="0" dirty="0">
-                <a:ln>
-                  <a:noFill/>
-                </a:ln>
-                <a:solidFill>
-                  <a:srgbClr val="FFFFFF"/>
-                </a:solidFill>
-                <a:effectLst/>
-                <a:uLnTx/>
-                <a:uFillTx/>
-              </a:rPr>
-              <a:t>michaelscollier@gmail.com | michael.collier@microsoft.com</a:t>
-            </a:r>
-          </a:p>
-        </p:txBody>
-      </p:sp>
-      <p:pic>
-        <p:nvPicPr>
-          <p:cNvPr id="7" name="Picture 6"/>
-          <p:cNvPicPr>
-            <a:picLocks noChangeAspect="1"/>
-          </p:cNvPicPr>
-          <p:nvPr/>
-        </p:nvPicPr>
-        <p:blipFill>
-          <a:blip r:embed="rId4"/>
-          <a:stretch>
-            <a:fillRect/>
-          </a:stretch>
-        </p:blipFill>
-        <p:spPr>
-          <a:xfrm>
-            <a:off x="239369" y="4391129"/>
-            <a:ext cx="1967495" cy="2408421"/>
-          </a:xfrm>
-          <a:prstGeom prst="rect">
-            <a:avLst/>
-          </a:prstGeom>
-        </p:spPr>
-      </p:pic>
-    </p:spTree>
-    <p:extLst>
-      <p:ext uri="{BB962C8B-B14F-4D97-AF65-F5344CB8AC3E}">
-        <p14:creationId xmlns:p14="http://schemas.microsoft.com/office/powerpoint/2010/main" val="3660880939"/>
       </p:ext>
     </p:extLst>
   </p:cSld>
@@ -39605,6 +41164,496 @@
 </file>
 
 <file path=ppt/slides/slide40.xml><?xml version="1.0" encoding="utf-8"?>
+<p:sld xmlns:a="http://schemas.openxmlformats.org/drawingml/2006/main" xmlns:r="http://schemas.openxmlformats.org/officeDocument/2006/relationships" xmlns:p="http://schemas.openxmlformats.org/presentationml/2006/main">
+  <p:cSld>
+    <p:spTree>
+      <p:nvGrpSpPr>
+        <p:cNvPr id="1" name=""/>
+        <p:cNvGrpSpPr/>
+        <p:nvPr/>
+      </p:nvGrpSpPr>
+      <p:grpSpPr>
+        <a:xfrm>
+          <a:off x="0" y="0"/>
+          <a:ext cx="0" cy="0"/>
+          <a:chOff x="0" y="0"/>
+          <a:chExt cx="0" cy="0"/>
+        </a:xfrm>
+      </p:grpSpPr>
+      <p:sp>
+        <p:nvSpPr>
+          <p:cNvPr id="2" name="Title 1"/>
+          <p:cNvSpPr>
+            <a:spLocks noGrp="1"/>
+          </p:cNvSpPr>
+          <p:nvPr>
+            <p:ph type="title"/>
+          </p:nvPr>
+        </p:nvSpPr>
+        <p:spPr/>
+        <p:txBody>
+          <a:bodyPr/>
+          <a:lstStyle/>
+          <a:p>
+            <a:r>
+              <a:rPr lang="en-US" dirty="0"/>
+              <a:t>Questions?</a:t>
+            </a:r>
+          </a:p>
+        </p:txBody>
+      </p:sp>
+      <p:sp>
+        <p:nvSpPr>
+          <p:cNvPr id="3" name="Picture Placeholder 2"/>
+          <p:cNvSpPr>
+            <a:spLocks noGrp="1"/>
+          </p:cNvSpPr>
+          <p:nvPr>
+            <p:ph type="pic" sz="quarter" idx="10"/>
+          </p:nvPr>
+        </p:nvSpPr>
+        <p:spPr/>
+      </p:sp>
+    </p:spTree>
+    <p:extLst>
+      <p:ext uri="{BB962C8B-B14F-4D97-AF65-F5344CB8AC3E}">
+        <p14:creationId xmlns:p14="http://schemas.microsoft.com/office/powerpoint/2010/main" val="1813964047"/>
+      </p:ext>
+    </p:extLst>
+  </p:cSld>
+  <p:clrMapOvr>
+    <a:masterClrMapping/>
+  </p:clrMapOvr>
+  <p:transition>
+    <p:fade/>
+  </p:transition>
+</p:sld>
+</file>
+
+<file path=ppt/slides/slide41.xml><?xml version="1.0" encoding="utf-8"?>
+<p:sld xmlns:a="http://schemas.openxmlformats.org/drawingml/2006/main" xmlns:r="http://schemas.openxmlformats.org/officeDocument/2006/relationships" xmlns:p="http://schemas.openxmlformats.org/presentationml/2006/main">
+  <p:cSld>
+    <p:spTree>
+      <p:nvGrpSpPr>
+        <p:cNvPr id="1" name=""/>
+        <p:cNvGrpSpPr/>
+        <p:nvPr/>
+      </p:nvGrpSpPr>
+      <p:grpSpPr>
+        <a:xfrm>
+          <a:off x="0" y="0"/>
+          <a:ext cx="0" cy="0"/>
+          <a:chOff x="0" y="0"/>
+          <a:chExt cx="0" cy="0"/>
+        </a:xfrm>
+      </p:grpSpPr>
+      <p:sp>
+        <p:nvSpPr>
+          <p:cNvPr id="5" name="Text Placeholder 4"/>
+          <p:cNvSpPr>
+            <a:spLocks noGrp="1"/>
+          </p:cNvSpPr>
+          <p:nvPr>
+            <p:ph type="body" sz="quarter" idx="10"/>
+          </p:nvPr>
+        </p:nvSpPr>
+        <p:spPr>
+          <a:xfrm>
+            <a:off x="269239" y="1189177"/>
+            <a:ext cx="11653523" cy="5210657"/>
+          </a:xfrm>
+        </p:spPr>
+        <p:txBody>
+          <a:bodyPr/>
+          <a:lstStyle/>
+          <a:p>
+            <a:r>
+              <a:rPr lang="en-US" sz="3200" dirty="0"/>
+              <a:t>ARM Quick Start Templates</a:t>
+            </a:r>
+          </a:p>
+          <a:p>
+            <a:pPr lvl="1"/>
+            <a:r>
+              <a:rPr lang="en-US" sz="1800" dirty="0"/>
+              <a:t>https://azure.Microsoft.com/en-us/documentation/templates</a:t>
+            </a:r>
+          </a:p>
+          <a:p>
+            <a:pPr lvl="1"/>
+            <a:r>
+              <a:rPr lang="en-US" sz="1800" dirty="0"/>
+              <a:t>https://github.com/Azure/azure-quick-start-templates </a:t>
+            </a:r>
+          </a:p>
+          <a:p>
+            <a:r>
+              <a:rPr lang="en-US" sz="3200" dirty="0"/>
+              <a:t>ARM Schemas</a:t>
+            </a:r>
+          </a:p>
+          <a:p>
+            <a:pPr lvl="1"/>
+            <a:r>
+              <a:rPr lang="en-US" sz="1800" dirty="0"/>
+              <a:t>https://github.com/Azure/azure-resource-manager-schemas/tree/master/schemas </a:t>
+            </a:r>
+          </a:p>
+          <a:p>
+            <a:r>
+              <a:rPr lang="en-US" sz="3200" dirty="0"/>
+              <a:t>ARM Best Practices</a:t>
+            </a:r>
+          </a:p>
+          <a:p>
+            <a:pPr lvl="1"/>
+            <a:r>
+              <a:rPr lang="en-US" sz="1800" dirty="0"/>
+              <a:t>https://azure.microsoft.com/en-us/documentation/articles/best-practices-resource-manager-design-templates/</a:t>
+            </a:r>
+          </a:p>
+          <a:p>
+            <a:pPr lvl="1"/>
+            <a:r>
+              <a:rPr lang="en-US" sz="1800" dirty="0"/>
+              <a:t>Get the </a:t>
+            </a:r>
+            <a:r>
+              <a:rPr lang="en-US" sz="1800" dirty="0" err="1"/>
+              <a:t>AzureCAT</a:t>
+            </a:r>
+            <a:r>
+              <a:rPr lang="en-US" sz="1800" dirty="0"/>
+              <a:t> document!</a:t>
+            </a:r>
+          </a:p>
+          <a:p>
+            <a:r>
+              <a:rPr lang="en-US" sz="3200" dirty="0"/>
+              <a:t>ARM Visualizer</a:t>
+            </a:r>
+          </a:p>
+          <a:p>
+            <a:pPr lvl="1"/>
+            <a:r>
+              <a:rPr lang="en-US" sz="1800" u="sng" dirty="0"/>
+              <a:t>http://armviz.io</a:t>
+            </a:r>
+          </a:p>
+          <a:p>
+            <a:r>
+              <a:rPr lang="en-US" sz="3200" dirty="0"/>
+              <a:t>VS Code Extensions</a:t>
+            </a:r>
+          </a:p>
+          <a:p>
+            <a:pPr lvl="1"/>
+            <a:r>
+              <a:rPr lang="en-US" sz="1800" dirty="0"/>
+              <a:t>https://github.com/Azure/azure-xplat-arm-tooling</a:t>
+            </a:r>
+          </a:p>
+        </p:txBody>
+      </p:sp>
+      <p:sp>
+        <p:nvSpPr>
+          <p:cNvPr id="4" name="Title 3"/>
+          <p:cNvSpPr>
+            <a:spLocks noGrp="1"/>
+          </p:cNvSpPr>
+          <p:nvPr>
+            <p:ph type="title"/>
+          </p:nvPr>
+        </p:nvSpPr>
+        <p:spPr/>
+        <p:txBody>
+          <a:bodyPr/>
+          <a:lstStyle/>
+          <a:p>
+            <a:r>
+              <a:rPr lang="en-US" dirty="0"/>
+              <a:t>Resources</a:t>
+            </a:r>
+          </a:p>
+        </p:txBody>
+      </p:sp>
+    </p:spTree>
+    <p:extLst>
+      <p:ext uri="{BB962C8B-B14F-4D97-AF65-F5344CB8AC3E}">
+        <p14:creationId xmlns:p14="http://schemas.microsoft.com/office/powerpoint/2010/main" val="2182657033"/>
+      </p:ext>
+    </p:extLst>
+  </p:cSld>
+  <p:clrMapOvr>
+    <a:masterClrMapping/>
+  </p:clrMapOvr>
+  <p:transition>
+    <p:fade/>
+  </p:transition>
+</p:sld>
+</file>
+
+<file path=ppt/slides/slide42.xml><?xml version="1.0" encoding="utf-8"?>
+<p:sld xmlns:a="http://schemas.openxmlformats.org/drawingml/2006/main" xmlns:r="http://schemas.openxmlformats.org/officeDocument/2006/relationships" xmlns:p="http://schemas.openxmlformats.org/presentationml/2006/main">
+  <p:cSld>
+    <p:spTree>
+      <p:nvGrpSpPr>
+        <p:cNvPr id="1" name=""/>
+        <p:cNvGrpSpPr/>
+        <p:nvPr/>
+      </p:nvGrpSpPr>
+      <p:grpSpPr>
+        <a:xfrm>
+          <a:off x="0" y="0"/>
+          <a:ext cx="0" cy="0"/>
+          <a:chOff x="0" y="0"/>
+          <a:chExt cx="0" cy="0"/>
+        </a:xfrm>
+      </p:grpSpPr>
+      <p:sp>
+        <p:nvSpPr>
+          <p:cNvPr id="9" name="Title 8"/>
+          <p:cNvSpPr>
+            <a:spLocks noGrp="1"/>
+          </p:cNvSpPr>
+          <p:nvPr>
+            <p:ph type="title"/>
+          </p:nvPr>
+        </p:nvSpPr>
+        <p:spPr/>
+        <p:txBody>
+          <a:bodyPr>
+            <a:normAutofit fontScale="90000"/>
+          </a:bodyPr>
+          <a:lstStyle/>
+          <a:p>
+            <a:pPr algn="ctr"/>
+            <a:r>
+              <a:rPr lang="en-US" b="1" dirty="0">
+                <a:solidFill>
+                  <a:schemeClr val="bg1"/>
+                </a:solidFill>
+              </a:rPr>
+              <a:t>Thank You!</a:t>
+            </a:r>
+          </a:p>
+        </p:txBody>
+      </p:sp>
+      <p:pic>
+        <p:nvPicPr>
+          <p:cNvPr id="6" name="Picture 5"/>
+          <p:cNvPicPr>
+            <a:picLocks noChangeAspect="1"/>
+          </p:cNvPicPr>
+          <p:nvPr/>
+        </p:nvPicPr>
+        <p:blipFill>
+          <a:blip r:embed="rId3"/>
+          <a:stretch>
+            <a:fillRect/>
+          </a:stretch>
+        </p:blipFill>
+        <p:spPr>
+          <a:xfrm>
+            <a:off x="9976756" y="4391130"/>
+            <a:ext cx="1967495" cy="2408421"/>
+          </a:xfrm>
+          <a:prstGeom prst="rect">
+            <a:avLst/>
+          </a:prstGeom>
+        </p:spPr>
+      </p:pic>
+      <p:sp>
+        <p:nvSpPr>
+          <p:cNvPr id="12" name="TextBox 11"/>
+          <p:cNvSpPr txBox="1"/>
+          <p:nvPr/>
+        </p:nvSpPr>
+        <p:spPr>
+          <a:xfrm>
+            <a:off x="603891" y="2541655"/>
+            <a:ext cx="10982632" cy="1446550"/>
+          </a:xfrm>
+          <a:prstGeom prst="rect">
+            <a:avLst/>
+          </a:prstGeom>
+          <a:noFill/>
+        </p:spPr>
+        <p:txBody>
+          <a:bodyPr wrap="square" rtlCol="0">
+            <a:spAutoFit/>
+          </a:bodyPr>
+          <a:lstStyle/>
+          <a:p>
+            <a:pPr marL="0" marR="0" lvl="0" indent="0" algn="ctr" defTabSz="914400" eaLnBrk="1" fontAlgn="auto" latinLnBrk="0" hangingPunct="1">
+              <a:lnSpc>
+                <a:spcPct val="100000"/>
+              </a:lnSpc>
+              <a:spcBef>
+                <a:spcPts val="0"/>
+              </a:spcBef>
+              <a:spcAft>
+                <a:spcPts val="0"/>
+              </a:spcAft>
+              <a:buClrTx/>
+              <a:buSzTx/>
+              <a:buFontTx/>
+              <a:buNone/>
+              <a:tabLst/>
+              <a:defRPr/>
+            </a:pPr>
+            <a:r>
+              <a:rPr kumimoji="0" lang="en-US" sz="3200" b="0" i="0" u="none" strike="noStrike" kern="0" cap="none" spc="0" normalizeH="0" baseline="0" noProof="0" dirty="0">
+                <a:ln>
+                  <a:noFill/>
+                </a:ln>
+                <a:solidFill>
+                  <a:srgbClr val="FFFFFF"/>
+                </a:solidFill>
+                <a:effectLst/>
+                <a:uLnTx/>
+                <a:uFillTx/>
+              </a:rPr>
+              <a:t>Michael S. Collier</a:t>
+            </a:r>
+          </a:p>
+          <a:p>
+            <a:pPr marL="0" marR="0" lvl="0" indent="0" algn="ctr" defTabSz="914400" eaLnBrk="1" fontAlgn="auto" latinLnBrk="0" hangingPunct="1">
+              <a:lnSpc>
+                <a:spcPct val="100000"/>
+              </a:lnSpc>
+              <a:spcBef>
+                <a:spcPts val="0"/>
+              </a:spcBef>
+              <a:spcAft>
+                <a:spcPts val="0"/>
+              </a:spcAft>
+              <a:buClrTx/>
+              <a:buSzTx/>
+              <a:buFontTx/>
+              <a:buNone/>
+              <a:tabLst/>
+              <a:defRPr/>
+            </a:pPr>
+            <a:r>
+              <a:rPr kumimoji="0" lang="en-US" sz="2800" b="0" i="0" u="none" strike="noStrike" kern="0" cap="none" spc="0" normalizeH="0" baseline="0" noProof="0" dirty="0">
+                <a:ln>
+                  <a:noFill/>
+                </a:ln>
+                <a:solidFill>
+                  <a:srgbClr val="FFFFFF"/>
+                </a:solidFill>
+                <a:effectLst/>
+                <a:uLnTx/>
+                <a:uFillTx/>
+              </a:rPr>
+              <a:t>@</a:t>
+            </a:r>
+            <a:r>
+              <a:rPr kumimoji="0" lang="en-US" sz="2800" b="0" i="0" u="none" strike="noStrike" kern="0" cap="none" spc="0" normalizeH="0" baseline="0" noProof="0" dirty="0" err="1">
+                <a:ln>
+                  <a:noFill/>
+                </a:ln>
+                <a:solidFill>
+                  <a:srgbClr val="FFFFFF"/>
+                </a:solidFill>
+                <a:effectLst/>
+                <a:uLnTx/>
+                <a:uFillTx/>
+              </a:rPr>
+              <a:t>MichaelCollier</a:t>
+            </a:r>
+            <a:r>
+              <a:rPr kumimoji="0" lang="en-US" sz="2800" b="0" i="0" u="none" strike="noStrike" kern="0" cap="none" spc="0" normalizeH="0" baseline="0" noProof="0" dirty="0">
+                <a:ln>
+                  <a:noFill/>
+                </a:ln>
+                <a:solidFill>
+                  <a:srgbClr val="FFFFFF"/>
+                </a:solidFill>
+                <a:effectLst/>
+                <a:uLnTx/>
+                <a:uFillTx/>
+              </a:rPr>
+              <a:t> | www.michaelscollier.com</a:t>
+            </a:r>
+          </a:p>
+          <a:p>
+            <a:pPr marL="0" marR="0" lvl="0" indent="0" algn="ctr" defTabSz="914400" eaLnBrk="1" fontAlgn="auto" latinLnBrk="0" hangingPunct="1">
+              <a:lnSpc>
+                <a:spcPct val="100000"/>
+              </a:lnSpc>
+              <a:spcBef>
+                <a:spcPts val="0"/>
+              </a:spcBef>
+              <a:spcAft>
+                <a:spcPts val="0"/>
+              </a:spcAft>
+              <a:buClrTx/>
+              <a:buSzTx/>
+              <a:buFontTx/>
+              <a:buNone/>
+              <a:tabLst/>
+              <a:defRPr/>
+            </a:pPr>
+            <a:r>
+              <a:rPr kumimoji="0" lang="en-US" sz="2800" b="0" i="0" u="none" strike="noStrike" kern="0" cap="none" spc="0" normalizeH="0" baseline="0" noProof="0" dirty="0">
+                <a:ln>
+                  <a:noFill/>
+                </a:ln>
+                <a:solidFill>
+                  <a:srgbClr val="FFFFFF"/>
+                </a:solidFill>
+                <a:effectLst/>
+                <a:uLnTx/>
+                <a:uFillTx/>
+              </a:rPr>
+              <a:t>michaelscollier@gmail.com | michael.collier@microsoft.com</a:t>
+            </a:r>
+          </a:p>
+        </p:txBody>
+      </p:sp>
+      <p:pic>
+        <p:nvPicPr>
+          <p:cNvPr id="7" name="Picture 6"/>
+          <p:cNvPicPr>
+            <a:picLocks noChangeAspect="1"/>
+          </p:cNvPicPr>
+          <p:nvPr/>
+        </p:nvPicPr>
+        <p:blipFill>
+          <a:blip r:embed="rId4"/>
+          <a:stretch>
+            <a:fillRect/>
+          </a:stretch>
+        </p:blipFill>
+        <p:spPr>
+          <a:xfrm>
+            <a:off x="239369" y="4391129"/>
+            <a:ext cx="1967495" cy="2408421"/>
+          </a:xfrm>
+          <a:prstGeom prst="rect">
+            <a:avLst/>
+          </a:prstGeom>
+        </p:spPr>
+      </p:pic>
+    </p:spTree>
+    <p:extLst>
+      <p:ext uri="{BB962C8B-B14F-4D97-AF65-F5344CB8AC3E}">
+        <p14:creationId xmlns:p14="http://schemas.microsoft.com/office/powerpoint/2010/main" val="3660880939"/>
+      </p:ext>
+    </p:extLst>
+  </p:cSld>
+  <p:clrMapOvr>
+    <a:masterClrMapping/>
+  </p:clrMapOvr>
+  <p:transition>
+    <p:fade/>
+  </p:transition>
+</p:sld>
+</file>
+
+<file path=ppt/slides/slide43.xml><?xml version="1.0" encoding="utf-8"?>
 <p:sld xmlns:a="http://schemas.openxmlformats.org/drawingml/2006/main" xmlns:r="http://schemas.openxmlformats.org/officeDocument/2006/relationships" xmlns:p="http://schemas.openxmlformats.org/presentationml/2006/main" show="0">
   <p:cSld>
     <p:spTree>
@@ -39724,7 +41773,7 @@
 </p:sld>
 </file>
 
-<file path=ppt/slides/slide41.xml><?xml version="1.0" encoding="utf-8"?>
+<file path=ppt/slides/slide44.xml><?xml version="1.0" encoding="utf-8"?>
 <p:sld xmlns:a="http://schemas.openxmlformats.org/drawingml/2006/main" xmlns:r="http://schemas.openxmlformats.org/officeDocument/2006/relationships" xmlns:p="http://schemas.openxmlformats.org/presentationml/2006/main" show="0">
   <p:cSld>
     <p:spTree>
@@ -40382,7 +42431,7 @@
 </p:sld>
 </file>
 
-<file path=ppt/slides/slide42.xml><?xml version="1.0" encoding="utf-8"?>
+<file path=ppt/slides/slide45.xml><?xml version="1.0" encoding="utf-8"?>
 <p:sld xmlns:a="http://schemas.openxmlformats.org/drawingml/2006/main" xmlns:r="http://schemas.openxmlformats.org/officeDocument/2006/relationships" xmlns:p="http://schemas.openxmlformats.org/presentationml/2006/main" show="0">
   <p:cSld>
     <p:spTree>
@@ -40692,7 +42741,7 @@
 </p:sld>
 </file>
 
-<file path=ppt/slides/slide43.xml><?xml version="1.0" encoding="utf-8"?>
+<file path=ppt/slides/slide46.xml><?xml version="1.0" encoding="utf-8"?>
 <p:sld xmlns:a="http://schemas.openxmlformats.org/drawingml/2006/main" xmlns:r="http://schemas.openxmlformats.org/officeDocument/2006/relationships" xmlns:p="http://schemas.openxmlformats.org/presentationml/2006/main" show="0">
   <p:cSld>
     <p:spTree>
@@ -41043,7 +43092,7 @@
 </p:sld>
 </file>
 
-<file path=ppt/slides/slide44.xml><?xml version="1.0" encoding="utf-8"?>
+<file path=ppt/slides/slide47.xml><?xml version="1.0" encoding="utf-8"?>
 <p:sld xmlns:a="http://schemas.openxmlformats.org/drawingml/2006/main" xmlns:r="http://schemas.openxmlformats.org/officeDocument/2006/relationships" xmlns:p="http://schemas.openxmlformats.org/presentationml/2006/main" show="0">
   <p:cSld>
     <p:spTree>
@@ -41697,7 +43746,7 @@
 </p:sld>
 </file>
 
-<file path=ppt/slides/slide45.xml><?xml version="1.0" encoding="utf-8"?>
+<file path=ppt/slides/slide48.xml><?xml version="1.0" encoding="utf-8"?>
 <p:sld xmlns:a="http://schemas.openxmlformats.org/drawingml/2006/main" xmlns:r="http://schemas.openxmlformats.org/officeDocument/2006/relationships" xmlns:p="http://schemas.openxmlformats.org/presentationml/2006/main" show="0">
   <p:cSld>
     <p:spTree>
@@ -42493,1031 +44542,6 @@
 </p:sld>
 </file>
 
-<file path=ppt/slides/slide46.xml><?xml version="1.0" encoding="utf-8"?>
-<p:sld xmlns:a="http://schemas.openxmlformats.org/drawingml/2006/main" xmlns:r="http://schemas.openxmlformats.org/officeDocument/2006/relationships" xmlns:p="http://schemas.openxmlformats.org/presentationml/2006/main" show="0">
-  <p:cSld>
-    <p:spTree>
-      <p:nvGrpSpPr>
-        <p:cNvPr id="1" name=""/>
-        <p:cNvGrpSpPr/>
-        <p:nvPr/>
-      </p:nvGrpSpPr>
-      <p:grpSpPr>
-        <a:xfrm>
-          <a:off x="0" y="0"/>
-          <a:ext cx="0" cy="0"/>
-          <a:chOff x="0" y="0"/>
-          <a:chExt cx="0" cy="0"/>
-        </a:xfrm>
-      </p:grpSpPr>
-      <p:sp>
-        <p:nvSpPr>
-          <p:cNvPr id="2" name="Title 1"/>
-          <p:cNvSpPr>
-            <a:spLocks noGrp="1"/>
-          </p:cNvSpPr>
-          <p:nvPr>
-            <p:ph type="title"/>
-          </p:nvPr>
-        </p:nvSpPr>
-        <p:spPr/>
-        <p:txBody>
-          <a:bodyPr/>
-          <a:lstStyle/>
-          <a:p>
-            <a:r>
-              <a:rPr lang="en-US"/>
-              <a:t>Demo</a:t>
-            </a:r>
-            <a:endParaRPr lang="en-US" dirty="0"/>
-          </a:p>
-        </p:txBody>
-      </p:sp>
-      <p:sp>
-        <p:nvSpPr>
-          <p:cNvPr id="3" name="Text Placeholder 2"/>
-          <p:cNvSpPr>
-            <a:spLocks noGrp="1"/>
-          </p:cNvSpPr>
-          <p:nvPr>
-            <p:ph type="body" sz="quarter" idx="12"/>
-          </p:nvPr>
-        </p:nvSpPr>
-        <p:spPr/>
-        <p:txBody>
-          <a:bodyPr/>
-          <a:lstStyle/>
-          <a:p>
-            <a:r>
-              <a:rPr lang="en-US" dirty="0"/>
-              <a:t>Debug Logging</a:t>
-            </a:r>
-          </a:p>
-        </p:txBody>
-      </p:sp>
-    </p:spTree>
-    <p:extLst>
-      <p:ext uri="{BB962C8B-B14F-4D97-AF65-F5344CB8AC3E}">
-        <p14:creationId xmlns:p14="http://schemas.microsoft.com/office/powerpoint/2010/main" val="2796969900"/>
-      </p:ext>
-    </p:extLst>
-  </p:cSld>
-  <p:clrMapOvr>
-    <a:masterClrMapping/>
-  </p:clrMapOvr>
-  <p:transition>
-    <p:fade/>
-  </p:transition>
-</p:sld>
-</file>
-
-<file path=ppt/slides/slide47.xml><?xml version="1.0" encoding="utf-8"?>
-<p:sld xmlns:a="http://schemas.openxmlformats.org/drawingml/2006/main" xmlns:r="http://schemas.openxmlformats.org/officeDocument/2006/relationships" xmlns:p="http://schemas.openxmlformats.org/presentationml/2006/main" show="0">
-  <p:cSld>
-    <p:spTree>
-      <p:nvGrpSpPr>
-        <p:cNvPr id="1" name=""/>
-        <p:cNvGrpSpPr/>
-        <p:nvPr/>
-      </p:nvGrpSpPr>
-      <p:grpSpPr>
-        <a:xfrm>
-          <a:off x="0" y="0"/>
-          <a:ext cx="0" cy="0"/>
-          <a:chOff x="0" y="0"/>
-          <a:chExt cx="0" cy="0"/>
-        </a:xfrm>
-      </p:grpSpPr>
-      <p:sp>
-        <p:nvSpPr>
-          <p:cNvPr id="2" name="Title 1"/>
-          <p:cNvSpPr>
-            <a:spLocks noGrp="1"/>
-          </p:cNvSpPr>
-          <p:nvPr>
-            <p:ph type="title"/>
-          </p:nvPr>
-        </p:nvSpPr>
-        <p:spPr/>
-        <p:txBody>
-          <a:bodyPr/>
-          <a:lstStyle/>
-          <a:p>
-            <a:r>
-              <a:rPr lang="en-US" dirty="0"/>
-              <a:t>Resource Group Logging</a:t>
-            </a:r>
-          </a:p>
-        </p:txBody>
-      </p:sp>
-      <p:sp>
-        <p:nvSpPr>
-          <p:cNvPr id="4" name="Text Placeholder 3"/>
-          <p:cNvSpPr>
-            <a:spLocks noGrp="1"/>
-          </p:cNvSpPr>
-          <p:nvPr>
-            <p:ph type="body" sz="quarter" idx="10"/>
-          </p:nvPr>
-        </p:nvSpPr>
-        <p:spPr>
-          <a:xfrm>
-            <a:off x="269239" y="1189177"/>
-            <a:ext cx="11653523" cy="2055114"/>
-          </a:xfrm>
-        </p:spPr>
-        <p:txBody>
-          <a:bodyPr/>
-          <a:lstStyle/>
-          <a:p>
-            <a:r>
-              <a:rPr lang="en-US" dirty="0"/>
-              <a:t>Portal</a:t>
-            </a:r>
-          </a:p>
-          <a:p>
-            <a:r>
-              <a:rPr lang="en-US" dirty="0"/>
-              <a:t>PowerShell</a:t>
-            </a:r>
-          </a:p>
-          <a:p>
-            <a:r>
-              <a:rPr lang="en-US" dirty="0"/>
-              <a:t>CLI</a:t>
-            </a:r>
-          </a:p>
-        </p:txBody>
-      </p:sp>
-      <p:pic>
-        <p:nvPicPr>
-          <p:cNvPr id="2050" name="Picture 2" descr="C:\Users\mcollier\AppData\Local\Temp\SNAGHTML5d7078.PNG"/>
-          <p:cNvPicPr>
-            <a:picLocks noChangeAspect="1" noChangeArrowheads="1"/>
-          </p:cNvPicPr>
-          <p:nvPr/>
-        </p:nvPicPr>
-        <p:blipFill>
-          <a:blip r:embed="rId3">
-            <a:extLst>
-              <a:ext uri="{28A0092B-C50C-407E-A947-70E740481C1C}">
-                <a14:useLocalDpi xmlns:a14="http://schemas.microsoft.com/office/drawing/2010/main" val="0"/>
-              </a:ext>
-            </a:extLst>
-          </a:blip>
-          <a:srcRect/>
-          <a:stretch>
-            <a:fillRect/>
-          </a:stretch>
-        </p:blipFill>
-        <p:spPr bwMode="auto">
-          <a:xfrm>
-            <a:off x="269239" y="1919267"/>
-            <a:ext cx="11725275" cy="4143848"/>
-          </a:xfrm>
-          <a:prstGeom prst="rect">
-            <a:avLst/>
-          </a:prstGeom>
-          <a:noFill/>
-          <a:extLst>
-            <a:ext uri="{909E8E84-426E-40DD-AFC4-6F175D3DCCD1}">
-              <a14:hiddenFill xmlns:a14="http://schemas.microsoft.com/office/drawing/2010/main">
-                <a:solidFill>
-                  <a:srgbClr val="FFFFFF"/>
-                </a:solidFill>
-              </a14:hiddenFill>
-            </a:ext>
-          </a:extLst>
-        </p:spPr>
-      </p:pic>
-    </p:spTree>
-    <p:extLst>
-      <p:ext uri="{BB962C8B-B14F-4D97-AF65-F5344CB8AC3E}">
-        <p14:creationId xmlns:p14="http://schemas.microsoft.com/office/powerpoint/2010/main" val="3693200405"/>
-      </p:ext>
-    </p:extLst>
-  </p:cSld>
-  <p:clrMapOvr>
-    <a:masterClrMapping/>
-  </p:clrMapOvr>
-  <p:transition>
-    <p:fade/>
-  </p:transition>
-</p:sld>
-</file>
-
-<file path=ppt/slides/slide48.xml><?xml version="1.0" encoding="utf-8"?>
-<p:sld xmlns:a="http://schemas.openxmlformats.org/drawingml/2006/main" xmlns:r="http://schemas.openxmlformats.org/officeDocument/2006/relationships" xmlns:p="http://schemas.openxmlformats.org/presentationml/2006/main" show="0">
-  <p:cSld>
-    <p:spTree>
-      <p:nvGrpSpPr>
-        <p:cNvPr id="1" name=""/>
-        <p:cNvGrpSpPr/>
-        <p:nvPr/>
-      </p:nvGrpSpPr>
-      <p:grpSpPr>
-        <a:xfrm>
-          <a:off x="0" y="0"/>
-          <a:ext cx="0" cy="0"/>
-          <a:chOff x="0" y="0"/>
-          <a:chExt cx="0" cy="0"/>
-        </a:xfrm>
-      </p:grpSpPr>
-      <p:sp>
-        <p:nvSpPr>
-          <p:cNvPr id="2" name="Title 1"/>
-          <p:cNvSpPr>
-            <a:spLocks noGrp="1"/>
-          </p:cNvSpPr>
-          <p:nvPr>
-            <p:ph type="title"/>
-          </p:nvPr>
-        </p:nvSpPr>
-        <p:spPr/>
-        <p:txBody>
-          <a:bodyPr/>
-          <a:lstStyle/>
-          <a:p>
-            <a:r>
-              <a:rPr lang="en-US" dirty="0"/>
-              <a:t>Resource Group Logging</a:t>
-            </a:r>
-          </a:p>
-        </p:txBody>
-      </p:sp>
-      <p:sp>
-        <p:nvSpPr>
-          <p:cNvPr id="4" name="Text Placeholder 3"/>
-          <p:cNvSpPr>
-            <a:spLocks noGrp="1"/>
-          </p:cNvSpPr>
-          <p:nvPr>
-            <p:ph type="body" sz="quarter" idx="10"/>
-          </p:nvPr>
-        </p:nvSpPr>
-        <p:spPr>
-          <a:xfrm>
-            <a:off x="269239" y="1189177"/>
-            <a:ext cx="11653523" cy="4709944"/>
-          </a:xfrm>
-        </p:spPr>
-        <p:txBody>
-          <a:bodyPr/>
-          <a:lstStyle/>
-          <a:p>
-            <a:r>
-              <a:rPr lang="en-US" dirty="0"/>
-              <a:t>PowerShell</a:t>
-            </a:r>
-          </a:p>
-          <a:p>
-            <a:endParaRPr lang="en-US" dirty="0"/>
-          </a:p>
-          <a:p>
-            <a:endParaRPr lang="en-US" dirty="0"/>
-          </a:p>
-          <a:p>
-            <a:endParaRPr lang="en-US" dirty="0"/>
-          </a:p>
-          <a:p>
-            <a:endParaRPr lang="en-US" dirty="0"/>
-          </a:p>
-          <a:p>
-            <a:endParaRPr lang="en-US" dirty="0"/>
-          </a:p>
-          <a:p>
-            <a:r>
-              <a:rPr lang="en-US" dirty="0"/>
-              <a:t>CLI</a:t>
-            </a:r>
-          </a:p>
-        </p:txBody>
-      </p:sp>
-      <p:sp>
-        <p:nvSpPr>
-          <p:cNvPr id="5" name="Rectangle 4"/>
-          <p:cNvSpPr/>
-          <p:nvPr/>
-        </p:nvSpPr>
-        <p:spPr bwMode="auto">
-          <a:xfrm>
-            <a:off x="139581" y="1900274"/>
-            <a:ext cx="11912838" cy="3269931"/>
-          </a:xfrm>
-          <a:prstGeom prst="rect">
-            <a:avLst/>
-          </a:prstGeom>
-          <a:solidFill>
-            <a:schemeClr val="tx2">
-              <a:lumMod val="50000"/>
-            </a:schemeClr>
-          </a:solidFill>
-          <a:ln>
-            <a:noFill/>
-            <a:headEnd type="none" w="med" len="med"/>
-            <a:tailEnd type="none" w="med" len="med"/>
-          </a:ln>
-          <a:effectLst/>
-        </p:spPr>
-        <p:style>
-          <a:lnRef idx="1">
-            <a:schemeClr val="accent2"/>
-          </a:lnRef>
-          <a:fillRef idx="3">
-            <a:schemeClr val="accent2"/>
-          </a:fillRef>
-          <a:effectRef idx="2">
-            <a:schemeClr val="accent2"/>
-          </a:effectRef>
-          <a:fontRef idx="minor">
-            <a:schemeClr val="lt1"/>
-          </a:fontRef>
-        </p:style>
-        <p:txBody>
-          <a:bodyPr rot="0" spcFirstLastPara="0" vertOverflow="overflow" horzOverflow="overflow" vert="horz" wrap="square" lIns="182880" tIns="146304" rIns="182880" bIns="146304" numCol="1" spcCol="0" rtlCol="0" fromWordArt="0" anchor="t" anchorCtr="0" forceAA="0" compatLnSpc="1">
-            <a:prstTxWarp prst="textNoShape">
-              <a:avLst/>
-            </a:prstTxWarp>
-            <a:noAutofit/>
-          </a:bodyPr>
-          <a:lstStyle/>
-          <a:p>
-            <a:r>
-              <a:rPr lang="en-US" sz="1400" dirty="0">
-                <a:latin typeface="Consolas" panose="020B0609020204030204" pitchFamily="49" charset="0"/>
-              </a:rPr>
-              <a:t> </a:t>
-            </a:r>
-            <a:r>
-              <a:rPr lang="en-US" dirty="0">
-                <a:solidFill>
-                  <a:srgbClr val="008000"/>
-                </a:solidFill>
-                <a:latin typeface="Consolas" panose="020B0609020204030204" pitchFamily="49" charset="0"/>
-              </a:rPr>
-              <a:t># Get logs for the resource group in the last 1 hour</a:t>
-            </a:r>
-          </a:p>
-          <a:p>
-            <a:r>
-              <a:rPr lang="en-US" dirty="0">
-                <a:solidFill>
-                  <a:schemeClr val="bg1"/>
-                </a:solidFill>
-                <a:latin typeface="Consolas" panose="020B0609020204030204" pitchFamily="49" charset="0"/>
-              </a:rPr>
-              <a:t>Get-</a:t>
-            </a:r>
-            <a:r>
-              <a:rPr lang="en-US" dirty="0" err="1">
-                <a:solidFill>
-                  <a:schemeClr val="bg1"/>
-                </a:solidFill>
-                <a:latin typeface="Consolas" panose="020B0609020204030204" pitchFamily="49" charset="0"/>
-              </a:rPr>
-              <a:t>AzureRmLog</a:t>
-            </a:r>
-            <a:r>
-              <a:rPr lang="en-US" dirty="0">
-                <a:solidFill>
-                  <a:schemeClr val="bg1"/>
-                </a:solidFill>
-                <a:latin typeface="Consolas" panose="020B0609020204030204" pitchFamily="49" charset="0"/>
-              </a:rPr>
-              <a:t> -</a:t>
-            </a:r>
-            <a:r>
-              <a:rPr lang="en-US" dirty="0" err="1">
-                <a:solidFill>
-                  <a:schemeClr val="bg1"/>
-                </a:solidFill>
-                <a:latin typeface="Consolas" panose="020B0609020204030204" pitchFamily="49" charset="0"/>
-              </a:rPr>
-              <a:t>ResourceGroup</a:t>
-            </a:r>
-            <a:r>
-              <a:rPr lang="en-US" dirty="0">
-                <a:solidFill>
-                  <a:schemeClr val="bg1"/>
-                </a:solidFill>
-                <a:latin typeface="Consolas" panose="020B0609020204030204" pitchFamily="49" charset="0"/>
-              </a:rPr>
-              <a:t> $</a:t>
-            </a:r>
-            <a:r>
-              <a:rPr lang="en-US" dirty="0" err="1">
-                <a:solidFill>
-                  <a:schemeClr val="bg1"/>
-                </a:solidFill>
-                <a:latin typeface="Consolas" panose="020B0609020204030204" pitchFamily="49" charset="0"/>
-              </a:rPr>
-              <a:t>resourceGroupName</a:t>
-            </a:r>
-            <a:endParaRPr lang="en-US" dirty="0">
-              <a:solidFill>
-                <a:schemeClr val="bg1"/>
-              </a:solidFill>
-              <a:latin typeface="Consolas" panose="020B0609020204030204" pitchFamily="49" charset="0"/>
-            </a:endParaRPr>
-          </a:p>
-          <a:p>
-            <a:endParaRPr lang="en-US" dirty="0">
-              <a:latin typeface="Consolas" panose="020B0609020204030204" pitchFamily="49" charset="0"/>
-            </a:endParaRPr>
-          </a:p>
-          <a:p>
-            <a:r>
-              <a:rPr lang="en-US" dirty="0">
-                <a:solidFill>
-                  <a:srgbClr val="008000"/>
-                </a:solidFill>
-                <a:latin typeface="Consolas" panose="020B0609020204030204" pitchFamily="49" charset="0"/>
-              </a:rPr>
-              <a:t># Get logs for the resource group since a specific time</a:t>
-            </a:r>
-          </a:p>
-          <a:p>
-            <a:r>
-              <a:rPr lang="en-US" dirty="0">
-                <a:solidFill>
-                  <a:schemeClr val="bg1"/>
-                </a:solidFill>
-                <a:latin typeface="Consolas" panose="020B0609020204030204" pitchFamily="49" charset="0"/>
-              </a:rPr>
-              <a:t>$</a:t>
-            </a:r>
-            <a:r>
-              <a:rPr lang="en-US" dirty="0" err="1">
-                <a:solidFill>
-                  <a:schemeClr val="bg1"/>
-                </a:solidFill>
-                <a:latin typeface="Consolas" panose="020B0609020204030204" pitchFamily="49" charset="0"/>
-              </a:rPr>
-              <a:t>startTime</a:t>
-            </a:r>
-            <a:r>
-              <a:rPr lang="en-US" dirty="0">
-                <a:solidFill>
-                  <a:schemeClr val="bg1"/>
-                </a:solidFill>
-                <a:latin typeface="Consolas" panose="020B0609020204030204" pitchFamily="49" charset="0"/>
-              </a:rPr>
-              <a:t> = (get-date).</a:t>
-            </a:r>
-            <a:r>
-              <a:rPr lang="en-US" dirty="0" err="1">
-                <a:solidFill>
-                  <a:schemeClr val="bg1"/>
-                </a:solidFill>
-                <a:latin typeface="Consolas" panose="020B0609020204030204" pitchFamily="49" charset="0"/>
-              </a:rPr>
-              <a:t>AddHours</a:t>
-            </a:r>
-            <a:r>
-              <a:rPr lang="en-US" dirty="0">
-                <a:solidFill>
-                  <a:schemeClr val="bg1"/>
-                </a:solidFill>
-                <a:latin typeface="Consolas" panose="020B0609020204030204" pitchFamily="49" charset="0"/>
-              </a:rPr>
-              <a:t>(-2).</a:t>
-            </a:r>
-            <a:r>
-              <a:rPr lang="en-US" dirty="0" err="1">
-                <a:solidFill>
-                  <a:schemeClr val="bg1"/>
-                </a:solidFill>
-                <a:latin typeface="Consolas" panose="020B0609020204030204" pitchFamily="49" charset="0"/>
-              </a:rPr>
-              <a:t>ToString</a:t>
-            </a:r>
-            <a:r>
-              <a:rPr lang="en-US" dirty="0">
-                <a:solidFill>
-                  <a:schemeClr val="bg1"/>
-                </a:solidFill>
-                <a:latin typeface="Consolas" panose="020B0609020204030204" pitchFamily="49" charset="0"/>
-              </a:rPr>
-              <a:t>('</a:t>
-            </a:r>
-            <a:r>
-              <a:rPr lang="en-US" dirty="0" err="1">
-                <a:solidFill>
-                  <a:schemeClr val="bg1"/>
-                </a:solidFill>
-                <a:latin typeface="Consolas" panose="020B0609020204030204" pitchFamily="49" charset="0"/>
-              </a:rPr>
-              <a:t>yyyy-MM-ddTHH:mm</a:t>
-            </a:r>
-            <a:r>
-              <a:rPr lang="en-US" dirty="0">
-                <a:solidFill>
-                  <a:schemeClr val="bg1"/>
-                </a:solidFill>
-                <a:latin typeface="Consolas" panose="020B0609020204030204" pitchFamily="49" charset="0"/>
-              </a:rPr>
-              <a:t>')</a:t>
-            </a:r>
-          </a:p>
-          <a:p>
-            <a:r>
-              <a:rPr lang="en-US" dirty="0">
-                <a:solidFill>
-                  <a:schemeClr val="bg1"/>
-                </a:solidFill>
-                <a:latin typeface="Consolas" panose="020B0609020204030204" pitchFamily="49" charset="0"/>
-              </a:rPr>
-              <a:t>Get-</a:t>
-            </a:r>
-            <a:r>
-              <a:rPr lang="en-US" dirty="0" err="1">
-                <a:solidFill>
-                  <a:schemeClr val="bg1"/>
-                </a:solidFill>
-                <a:latin typeface="Consolas" panose="020B0609020204030204" pitchFamily="49" charset="0"/>
-              </a:rPr>
-              <a:t>AzureRmLog</a:t>
-            </a:r>
-            <a:r>
-              <a:rPr lang="en-US" dirty="0">
-                <a:solidFill>
-                  <a:schemeClr val="bg1"/>
-                </a:solidFill>
-                <a:latin typeface="Consolas" panose="020B0609020204030204" pitchFamily="49" charset="0"/>
-              </a:rPr>
-              <a:t> -</a:t>
-            </a:r>
-            <a:r>
-              <a:rPr lang="en-US" dirty="0" err="1">
-                <a:solidFill>
-                  <a:schemeClr val="bg1"/>
-                </a:solidFill>
-                <a:latin typeface="Consolas" panose="020B0609020204030204" pitchFamily="49" charset="0"/>
-              </a:rPr>
-              <a:t>ResourceGroup</a:t>
-            </a:r>
-            <a:r>
-              <a:rPr lang="en-US" dirty="0">
-                <a:solidFill>
-                  <a:schemeClr val="bg1"/>
-                </a:solidFill>
-                <a:latin typeface="Consolas" panose="020B0609020204030204" pitchFamily="49" charset="0"/>
-              </a:rPr>
-              <a:t> $</a:t>
-            </a:r>
-            <a:r>
-              <a:rPr lang="en-US" dirty="0" err="1">
-                <a:solidFill>
-                  <a:schemeClr val="bg1"/>
-                </a:solidFill>
-                <a:latin typeface="Consolas" panose="020B0609020204030204" pitchFamily="49" charset="0"/>
-              </a:rPr>
-              <a:t>resourceGroupName</a:t>
-            </a:r>
-            <a:r>
-              <a:rPr lang="en-US" dirty="0">
-                <a:solidFill>
-                  <a:schemeClr val="bg1"/>
-                </a:solidFill>
-                <a:latin typeface="Consolas" panose="020B0609020204030204" pitchFamily="49" charset="0"/>
-              </a:rPr>
-              <a:t> -</a:t>
-            </a:r>
-            <a:r>
-              <a:rPr lang="en-US" dirty="0" err="1">
-                <a:solidFill>
-                  <a:schemeClr val="bg1"/>
-                </a:solidFill>
-                <a:latin typeface="Consolas" panose="020B0609020204030204" pitchFamily="49" charset="0"/>
-              </a:rPr>
-              <a:t>StartTime</a:t>
-            </a:r>
-            <a:r>
-              <a:rPr lang="en-US" dirty="0">
-                <a:solidFill>
-                  <a:schemeClr val="bg1"/>
-                </a:solidFill>
-                <a:latin typeface="Consolas" panose="020B0609020204030204" pitchFamily="49" charset="0"/>
-              </a:rPr>
-              <a:t> $</a:t>
-            </a:r>
-            <a:r>
-              <a:rPr lang="en-US" dirty="0" err="1">
-                <a:solidFill>
-                  <a:schemeClr val="bg1"/>
-                </a:solidFill>
-                <a:latin typeface="Consolas" panose="020B0609020204030204" pitchFamily="49" charset="0"/>
-              </a:rPr>
-              <a:t>startTime</a:t>
-            </a:r>
-            <a:endParaRPr lang="en-US" dirty="0">
-              <a:solidFill>
-                <a:schemeClr val="bg1"/>
-              </a:solidFill>
-              <a:latin typeface="Consolas" panose="020B0609020204030204" pitchFamily="49" charset="0"/>
-            </a:endParaRPr>
-          </a:p>
-          <a:p>
-            <a:endParaRPr lang="en-US" dirty="0">
-              <a:latin typeface="Consolas" panose="020B0609020204030204" pitchFamily="49" charset="0"/>
-            </a:endParaRPr>
-          </a:p>
-          <a:p>
-            <a:r>
-              <a:rPr lang="en-US" dirty="0">
-                <a:solidFill>
-                  <a:srgbClr val="008000"/>
-                </a:solidFill>
-                <a:latin typeface="Consolas" panose="020B0609020204030204" pitchFamily="49" charset="0"/>
-              </a:rPr>
-              <a:t># Get the logs for a resource provider since a specific time</a:t>
-            </a:r>
-          </a:p>
-          <a:p>
-            <a:r>
-              <a:rPr lang="en-US" dirty="0">
-                <a:solidFill>
-                  <a:schemeClr val="bg1"/>
-                </a:solidFill>
-                <a:latin typeface="Consolas" panose="020B0609020204030204" pitchFamily="49" charset="0"/>
-              </a:rPr>
-              <a:t>$</a:t>
-            </a:r>
-            <a:r>
-              <a:rPr lang="en-US" dirty="0" err="1">
-                <a:solidFill>
-                  <a:schemeClr val="bg1"/>
-                </a:solidFill>
-                <a:latin typeface="Consolas" panose="020B0609020204030204" pitchFamily="49" charset="0"/>
-              </a:rPr>
-              <a:t>startTime</a:t>
-            </a:r>
-            <a:r>
-              <a:rPr lang="en-US" dirty="0">
-                <a:solidFill>
-                  <a:schemeClr val="bg1"/>
-                </a:solidFill>
-                <a:latin typeface="Consolas" panose="020B0609020204030204" pitchFamily="49" charset="0"/>
-              </a:rPr>
-              <a:t> = (get-date).</a:t>
-            </a:r>
-            <a:r>
-              <a:rPr lang="en-US" dirty="0" err="1">
-                <a:solidFill>
-                  <a:schemeClr val="bg1"/>
-                </a:solidFill>
-                <a:latin typeface="Consolas" panose="020B0609020204030204" pitchFamily="49" charset="0"/>
-              </a:rPr>
-              <a:t>AddHours</a:t>
-            </a:r>
-            <a:r>
-              <a:rPr lang="en-US" dirty="0">
-                <a:solidFill>
-                  <a:schemeClr val="bg1"/>
-                </a:solidFill>
-                <a:latin typeface="Consolas" panose="020B0609020204030204" pitchFamily="49" charset="0"/>
-              </a:rPr>
-              <a:t>(-2).</a:t>
-            </a:r>
-            <a:r>
-              <a:rPr lang="en-US" dirty="0" err="1">
-                <a:solidFill>
-                  <a:schemeClr val="bg1"/>
-                </a:solidFill>
-                <a:latin typeface="Consolas" panose="020B0609020204030204" pitchFamily="49" charset="0"/>
-              </a:rPr>
-              <a:t>ToString</a:t>
-            </a:r>
-            <a:r>
-              <a:rPr lang="en-US" dirty="0">
-                <a:solidFill>
-                  <a:schemeClr val="bg1"/>
-                </a:solidFill>
-                <a:latin typeface="Consolas" panose="020B0609020204030204" pitchFamily="49" charset="0"/>
-              </a:rPr>
-              <a:t>('</a:t>
-            </a:r>
-            <a:r>
-              <a:rPr lang="en-US" dirty="0" err="1">
-                <a:solidFill>
-                  <a:schemeClr val="bg1"/>
-                </a:solidFill>
-                <a:latin typeface="Consolas" panose="020B0609020204030204" pitchFamily="49" charset="0"/>
-              </a:rPr>
-              <a:t>yyyy-MM-ddTHH:mm</a:t>
-            </a:r>
-            <a:r>
-              <a:rPr lang="en-US" dirty="0">
-                <a:solidFill>
-                  <a:schemeClr val="bg1"/>
-                </a:solidFill>
-                <a:latin typeface="Consolas" panose="020B0609020204030204" pitchFamily="49" charset="0"/>
-              </a:rPr>
-              <a:t>')</a:t>
-            </a:r>
-          </a:p>
-          <a:p>
-            <a:r>
-              <a:rPr lang="en-US" dirty="0">
-                <a:solidFill>
-                  <a:schemeClr val="bg1"/>
-                </a:solidFill>
-                <a:latin typeface="Consolas" panose="020B0609020204030204" pitchFamily="49" charset="0"/>
-              </a:rPr>
-              <a:t>Get-</a:t>
-            </a:r>
-            <a:r>
-              <a:rPr lang="en-US" dirty="0" err="1">
-                <a:solidFill>
-                  <a:schemeClr val="bg1"/>
-                </a:solidFill>
-                <a:latin typeface="Consolas" panose="020B0609020204030204" pitchFamily="49" charset="0"/>
-              </a:rPr>
-              <a:t>AzureRmLog</a:t>
-            </a:r>
-            <a:r>
-              <a:rPr lang="en-US" dirty="0">
-                <a:solidFill>
-                  <a:schemeClr val="bg1"/>
-                </a:solidFill>
-                <a:latin typeface="Consolas" panose="020B0609020204030204" pitchFamily="49" charset="0"/>
-              </a:rPr>
-              <a:t> -</a:t>
-            </a:r>
-            <a:r>
-              <a:rPr lang="en-US" dirty="0" err="1">
-                <a:solidFill>
-                  <a:schemeClr val="bg1"/>
-                </a:solidFill>
-                <a:latin typeface="Consolas" panose="020B0609020204030204" pitchFamily="49" charset="0"/>
-              </a:rPr>
-              <a:t>ResourceProvider</a:t>
-            </a:r>
-            <a:r>
-              <a:rPr lang="en-US" dirty="0">
-                <a:solidFill>
-                  <a:schemeClr val="bg1"/>
-                </a:solidFill>
-                <a:latin typeface="Consolas" panose="020B0609020204030204" pitchFamily="49" charset="0"/>
-              </a:rPr>
-              <a:t> "</a:t>
-            </a:r>
-            <a:r>
-              <a:rPr lang="en-US" dirty="0" err="1">
-                <a:solidFill>
-                  <a:schemeClr val="bg1"/>
-                </a:solidFill>
-                <a:latin typeface="Consolas" panose="020B0609020204030204" pitchFamily="49" charset="0"/>
-              </a:rPr>
-              <a:t>Microsoft.Compute</a:t>
-            </a:r>
-            <a:r>
-              <a:rPr lang="en-US" dirty="0">
-                <a:solidFill>
-                  <a:schemeClr val="bg1"/>
-                </a:solidFill>
-                <a:latin typeface="Consolas" panose="020B0609020204030204" pitchFamily="49" charset="0"/>
-              </a:rPr>
-              <a:t>" -</a:t>
-            </a:r>
-            <a:r>
-              <a:rPr lang="en-US" dirty="0" err="1">
-                <a:solidFill>
-                  <a:schemeClr val="bg1"/>
-                </a:solidFill>
-                <a:latin typeface="Consolas" panose="020B0609020204030204" pitchFamily="49" charset="0"/>
-              </a:rPr>
-              <a:t>StartTime</a:t>
-            </a:r>
-            <a:r>
-              <a:rPr lang="en-US" dirty="0">
-                <a:solidFill>
-                  <a:schemeClr val="bg1"/>
-                </a:solidFill>
-                <a:latin typeface="Consolas" panose="020B0609020204030204" pitchFamily="49" charset="0"/>
-              </a:rPr>
-              <a:t> $</a:t>
-            </a:r>
-            <a:r>
-              <a:rPr lang="en-US" dirty="0" err="1">
-                <a:solidFill>
-                  <a:schemeClr val="bg1"/>
-                </a:solidFill>
-                <a:latin typeface="Consolas" panose="020B0609020204030204" pitchFamily="49" charset="0"/>
-              </a:rPr>
-              <a:t>startTime</a:t>
-            </a:r>
-            <a:r>
-              <a:rPr lang="en-US" dirty="0">
-                <a:solidFill>
-                  <a:schemeClr val="bg1"/>
-                </a:solidFill>
-                <a:latin typeface="Consolas" panose="020B0609020204030204" pitchFamily="49" charset="0"/>
-              </a:rPr>
-              <a:t> `</a:t>
-            </a:r>
-          </a:p>
-          <a:p>
-            <a:r>
-              <a:rPr lang="en-US" dirty="0">
-                <a:solidFill>
-                  <a:schemeClr val="bg1"/>
-                </a:solidFill>
-                <a:latin typeface="Consolas" panose="020B0609020204030204" pitchFamily="49" charset="0"/>
-              </a:rPr>
-              <a:t>               -Status Failed -</a:t>
-            </a:r>
-            <a:r>
-              <a:rPr lang="en-US" dirty="0" err="1">
-                <a:solidFill>
-                  <a:schemeClr val="bg1"/>
-                </a:solidFill>
-                <a:latin typeface="Consolas" panose="020B0609020204030204" pitchFamily="49" charset="0"/>
-              </a:rPr>
-              <a:t>DetailedOutput</a:t>
-            </a:r>
-            <a:r>
-              <a:rPr lang="en-US" dirty="0">
-                <a:solidFill>
-                  <a:schemeClr val="bg1"/>
-                </a:solidFill>
-                <a:latin typeface="Consolas" panose="020B0609020204030204" pitchFamily="49" charset="0"/>
-              </a:rPr>
-              <a:t> </a:t>
-            </a:r>
-          </a:p>
-        </p:txBody>
-      </p:sp>
-      <p:sp>
-        <p:nvSpPr>
-          <p:cNvPr id="6" name="Rectangle 5"/>
-          <p:cNvSpPr/>
-          <p:nvPr/>
-        </p:nvSpPr>
-        <p:spPr bwMode="auto">
-          <a:xfrm>
-            <a:off x="139581" y="5920507"/>
-            <a:ext cx="11912838" cy="826362"/>
-          </a:xfrm>
-          <a:prstGeom prst="rect">
-            <a:avLst/>
-          </a:prstGeom>
-          <a:solidFill>
-            <a:schemeClr val="tx1">
-              <a:lumMod val="50000"/>
-            </a:schemeClr>
-          </a:solidFill>
-          <a:ln>
-            <a:noFill/>
-            <a:headEnd type="none" w="med" len="med"/>
-            <a:tailEnd type="none" w="med" len="med"/>
-          </a:ln>
-          <a:effectLst/>
-        </p:spPr>
-        <p:style>
-          <a:lnRef idx="1">
-            <a:schemeClr val="accent2"/>
-          </a:lnRef>
-          <a:fillRef idx="3">
-            <a:schemeClr val="accent2"/>
-          </a:fillRef>
-          <a:effectRef idx="2">
-            <a:schemeClr val="accent2"/>
-          </a:effectRef>
-          <a:fontRef idx="minor">
-            <a:schemeClr val="lt1"/>
-          </a:fontRef>
-        </p:style>
-        <p:txBody>
-          <a:bodyPr rot="0" spcFirstLastPara="0" vertOverflow="overflow" horzOverflow="overflow" vert="horz" wrap="square" lIns="182880" tIns="146304" rIns="182880" bIns="146304" numCol="1" spcCol="0" rtlCol="0" fromWordArt="0" anchor="t" anchorCtr="0" forceAA="0" compatLnSpc="1">
-            <a:prstTxWarp prst="textNoShape">
-              <a:avLst/>
-            </a:prstTxWarp>
-            <a:noAutofit/>
-          </a:bodyPr>
-          <a:lstStyle/>
-          <a:p>
-            <a:pPr defTabSz="932472" fontAlgn="base">
-              <a:lnSpc>
-                <a:spcPct val="90000"/>
-              </a:lnSpc>
-              <a:spcBef>
-                <a:spcPct val="0"/>
-              </a:spcBef>
-              <a:spcAft>
-                <a:spcPct val="0"/>
-              </a:spcAft>
-            </a:pPr>
-            <a:r>
-              <a:rPr lang="en-US" sz="2000" dirty="0">
-                <a:gradFill>
-                  <a:gsLst>
-                    <a:gs pos="0">
-                      <a:srgbClr val="FFFFFF"/>
-                    </a:gs>
-                    <a:gs pos="100000">
-                      <a:srgbClr val="FFFFFF"/>
-                    </a:gs>
-                  </a:gsLst>
-                  <a:lin ang="5400000" scaled="0"/>
-                </a:gradFill>
-                <a:latin typeface="Consolas" panose="020B0609020204030204" pitchFamily="49" charset="0"/>
-                <a:ea typeface="Segoe UI" pitchFamily="34" charset="0"/>
-                <a:cs typeface="Segoe UI" pitchFamily="34" charset="0"/>
-              </a:rPr>
-              <a:t>&gt; azure group deployment create --debug-setting </a:t>
-            </a:r>
-            <a:r>
-              <a:rPr lang="en-US" sz="2000" dirty="0" err="1">
-                <a:gradFill>
-                  <a:gsLst>
-                    <a:gs pos="0">
-                      <a:srgbClr val="FFFFFF"/>
-                    </a:gs>
-                    <a:gs pos="100000">
-                      <a:srgbClr val="FFFFFF"/>
-                    </a:gs>
-                  </a:gsLst>
-                  <a:lin ang="5400000" scaled="0"/>
-                </a:gradFill>
-                <a:latin typeface="Consolas" panose="020B0609020204030204" pitchFamily="49" charset="0"/>
-                <a:ea typeface="Segoe UI" pitchFamily="34" charset="0"/>
-                <a:cs typeface="Segoe UI" pitchFamily="34" charset="0"/>
-              </a:rPr>
-              <a:t>RequestContent</a:t>
-            </a:r>
-            <a:endParaRPr lang="en-US" sz="2000" dirty="0">
-              <a:gradFill>
-                <a:gsLst>
-                  <a:gs pos="0">
-                    <a:srgbClr val="FFFFFF"/>
-                  </a:gs>
-                  <a:gs pos="100000">
-                    <a:srgbClr val="FFFFFF"/>
-                  </a:gs>
-                </a:gsLst>
-                <a:lin ang="5400000" scaled="0"/>
-              </a:gradFill>
-              <a:latin typeface="Consolas" panose="020B0609020204030204" pitchFamily="49" charset="0"/>
-              <a:ea typeface="Segoe UI" pitchFamily="34" charset="0"/>
-              <a:cs typeface="Segoe UI" pitchFamily="34" charset="0"/>
-            </a:endParaRPr>
-          </a:p>
-        </p:txBody>
-      </p:sp>
-      <p:cxnSp>
-        <p:nvCxnSpPr>
-          <p:cNvPr id="7" name="Straight Arrow Connector 6"/>
-          <p:cNvCxnSpPr/>
-          <p:nvPr/>
-        </p:nvCxnSpPr>
-        <p:spPr>
-          <a:xfrm flipH="1" flipV="1">
-            <a:off x="5785504" y="5056099"/>
-            <a:ext cx="683662" cy="379026"/>
-          </a:xfrm>
-          <a:prstGeom prst="straightConnector1">
-            <a:avLst/>
-          </a:prstGeom>
-          <a:ln w="57150">
-            <a:solidFill>
-              <a:srgbClr val="FF0000"/>
-            </a:solidFill>
-            <a:headEnd type="none"/>
-            <a:tailEnd type="triangle"/>
-          </a:ln>
-        </p:spPr>
-        <p:style>
-          <a:lnRef idx="1">
-            <a:schemeClr val="accent1"/>
-          </a:lnRef>
-          <a:fillRef idx="0">
-            <a:schemeClr val="accent1"/>
-          </a:fillRef>
-          <a:effectRef idx="0">
-            <a:schemeClr val="accent1"/>
-          </a:effectRef>
-          <a:fontRef idx="minor">
-            <a:schemeClr val="tx1"/>
-          </a:fontRef>
-        </p:style>
-      </p:cxnSp>
-    </p:spTree>
-    <p:extLst>
-      <p:ext uri="{BB962C8B-B14F-4D97-AF65-F5344CB8AC3E}">
-        <p14:creationId xmlns:p14="http://schemas.microsoft.com/office/powerpoint/2010/main" val="2325504180"/>
-      </p:ext>
-    </p:extLst>
-  </p:cSld>
-  <p:clrMapOvr>
-    <a:masterClrMapping/>
-  </p:clrMapOvr>
-  <p:transition>
-    <p:fade/>
-  </p:transition>
-</p:sld>
-</file>
-
 <file path=ppt/slides/slide49.xml><?xml version="1.0" encoding="utf-8"?>
 <p:sld xmlns:a="http://schemas.openxmlformats.org/drawingml/2006/main" xmlns:r="http://schemas.openxmlformats.org/officeDocument/2006/relationships" xmlns:p="http://schemas.openxmlformats.org/presentationml/2006/main" show="0">
   <p:cSld>
@@ -43551,90 +44575,31 @@
           <a:lstStyle/>
           <a:p>
             <a:r>
-              <a:rPr lang="en-US" dirty="0"/>
-              <a:t>Azure Rest API Explorer</a:t>
-            </a:r>
+              <a:rPr lang="en-US"/>
+              <a:t>Demo</a:t>
+            </a:r>
+            <a:endParaRPr lang="en-US" dirty="0"/>
           </a:p>
         </p:txBody>
       </p:sp>
-      <p:pic>
-        <p:nvPicPr>
-          <p:cNvPr id="6146" name="Picture 2" descr="C:\Users\mcollier\AppData\Local\Temp\SNAGHTML79dc4a.PNG"/>
-          <p:cNvPicPr>
-            <a:picLocks noChangeAspect="1" noChangeArrowheads="1"/>
-          </p:cNvPicPr>
-          <p:nvPr/>
-        </p:nvPicPr>
-        <p:blipFill>
-          <a:blip r:embed="rId2">
-            <a:extLst>
-              <a:ext uri="{28A0092B-C50C-407E-A947-70E740481C1C}">
-                <a14:useLocalDpi xmlns:a14="http://schemas.microsoft.com/office/drawing/2010/main" val="0"/>
-              </a:ext>
-            </a:extLst>
-          </a:blip>
-          <a:srcRect/>
-          <a:stretch>
-            <a:fillRect/>
-          </a:stretch>
-        </p:blipFill>
-        <p:spPr bwMode="auto">
-          <a:xfrm>
-            <a:off x="911134" y="1189176"/>
-            <a:ext cx="10369732" cy="5444110"/>
-          </a:xfrm>
-          <a:prstGeom prst="rect">
-            <a:avLst/>
-          </a:prstGeom>
-          <a:noFill/>
-          <a:extLst>
-            <a:ext uri="{909E8E84-426E-40DD-AFC4-6F175D3DCCD1}">
-              <a14:hiddenFill xmlns:a14="http://schemas.microsoft.com/office/drawing/2010/main">
-                <a:solidFill>
-                  <a:srgbClr val="FFFFFF"/>
-                </a:solidFill>
-              </a14:hiddenFill>
-            </a:ext>
-          </a:extLst>
-        </p:spPr>
-      </p:pic>
       <p:sp>
         <p:nvSpPr>
-          <p:cNvPr id="4" name="TextBox 3"/>
-          <p:cNvSpPr txBox="1"/>
-          <p:nvPr/>
+          <p:cNvPr id="3" name="Text Placeholder 2"/>
+          <p:cNvSpPr>
+            <a:spLocks noGrp="1"/>
+          </p:cNvSpPr>
+          <p:nvPr>
+            <p:ph type="body" sz="quarter" idx="12"/>
+          </p:nvPr>
         </p:nvSpPr>
-        <p:spPr>
-          <a:xfrm>
-            <a:off x="7050698" y="3495230"/>
-            <a:ext cx="4230168" cy="627864"/>
-          </a:xfrm>
-          <a:prstGeom prst="rect">
-            <a:avLst/>
-          </a:prstGeom>
-          <a:noFill/>
-        </p:spPr>
+        <p:spPr/>
         <p:txBody>
-          <a:bodyPr wrap="square" lIns="182880" tIns="146304" rIns="182880" bIns="146304" rtlCol="0">
-            <a:spAutoFit/>
-          </a:bodyPr>
+          <a:bodyPr/>
           <a:lstStyle/>
           <a:p>
-            <a:pPr>
-              <a:lnSpc>
-                <a:spcPct val="90000"/>
-              </a:lnSpc>
-              <a:spcAft>
-                <a:spcPts val="600"/>
-              </a:spcAft>
-            </a:pPr>
-            <a:r>
-              <a:rPr lang="en-US" sz="2400" dirty="0">
-                <a:solidFill>
-                  <a:srgbClr val="FF0000"/>
-                </a:solidFill>
-              </a:rPr>
-              <a:t>https://resources.azure.com</a:t>
+            <a:r>
+              <a:rPr lang="en-US" dirty="0"/>
+              <a:t>Debug Logging</a:t>
             </a:r>
           </a:p>
         </p:txBody>
@@ -43642,7 +44607,7 @@
     </p:spTree>
     <p:extLst>
       <p:ext uri="{BB962C8B-B14F-4D97-AF65-F5344CB8AC3E}">
-        <p14:creationId xmlns:p14="http://schemas.microsoft.com/office/powerpoint/2010/main" val="381352768"/>
+        <p14:creationId xmlns:p14="http://schemas.microsoft.com/office/powerpoint/2010/main" val="2796969900"/>
       </p:ext>
     </p:extLst>
   </p:cSld>
@@ -43841,14 +44806,14 @@
           <a:p>
             <a:r>
               <a:rPr lang="en-US" dirty="0"/>
-              <a:t>Locks</a:t>
+              <a:t>Resource Group Logging</a:t>
             </a:r>
           </a:p>
         </p:txBody>
       </p:sp>
       <p:sp>
         <p:nvSpPr>
-          <p:cNvPr id="3" name="Text Placeholder 2"/>
+          <p:cNvPr id="4" name="Text Placeholder 3"/>
           <p:cNvSpPr>
             <a:spLocks noGrp="1"/>
           </p:cNvSpPr>
@@ -43858,8 +44823,8 @@
         </p:nvSpPr>
         <p:spPr>
           <a:xfrm>
-            <a:off x="269239" y="1197322"/>
-            <a:ext cx="11653522" cy="2524537"/>
+            <a:off x="269239" y="1189177"/>
+            <a:ext cx="11653523" cy="2055114"/>
           </a:xfrm>
         </p:spPr>
         <p:txBody>
@@ -43867,48 +44832,69 @@
           <a:lstStyle/>
           <a:p>
             <a:r>
-              <a:rPr lang="en-US" dirty="0">
-                <a:solidFill>
-                  <a:srgbClr val="C00000"/>
-                </a:solidFill>
-                <a:latin typeface="+mn-lt"/>
-              </a:rPr>
-              <a:t>Prevents deletion of a resource or resource group</a:t>
-            </a:r>
-          </a:p>
-          <a:p>
-            <a:pPr lvl="1"/>
-            <a:r>
-              <a:rPr lang="en-US" dirty="0">
-                <a:latin typeface="+mn-lt"/>
-              </a:rPr>
-              <a:t>Associate a resource lock with the resource or resource group</a:t>
-            </a:r>
-          </a:p>
-          <a:p>
-            <a:pPr lvl="1"/>
-            <a:r>
-              <a:rPr lang="en-US" dirty="0">
-                <a:latin typeface="+mn-lt"/>
-              </a:rPr>
-              <a:t>Only the Owner or User Access Administrator roles can create or modify locks</a:t>
-            </a:r>
-          </a:p>
-          <a:p>
-            <a:endParaRPr lang="en-US" dirty="0"/>
-          </a:p>
-          <a:p>
-            <a:r>
               <a:rPr lang="en-US" dirty="0"/>
-              <a:t>code</a:t>
+              <a:t>Portal</a:t>
+            </a:r>
+          </a:p>
+          <a:p>
+            <a:r>
+              <a:rPr lang="en-US" dirty="0"/>
+              <a:t>PowerShell</a:t>
+            </a:r>
+          </a:p>
+          <a:p>
+            <a:r>
+              <a:rPr lang="en-US" dirty="0"/>
+              <a:t>CLI</a:t>
             </a:r>
           </a:p>
         </p:txBody>
       </p:sp>
+      <p:pic>
+        <p:nvPicPr>
+          <p:cNvPr id="2050" name="Picture 2" descr="C:\Users\mcollier\AppData\Local\Temp\SNAGHTML5d7078.PNG"/>
+          <p:cNvPicPr>
+            <a:picLocks noChangeAspect="1" noChangeArrowheads="1"/>
+          </p:cNvPicPr>
+          <p:nvPr/>
+        </p:nvPicPr>
+        <p:blipFill>
+          <a:blip r:embed="rId3">
+            <a:extLst>
+              <a:ext uri="{28A0092B-C50C-407E-A947-70E740481C1C}">
+                <a14:useLocalDpi xmlns:a14="http://schemas.microsoft.com/office/drawing/2010/main" val="0"/>
+              </a:ext>
+            </a:extLst>
+          </a:blip>
+          <a:srcRect/>
+          <a:stretch>
+            <a:fillRect/>
+          </a:stretch>
+        </p:blipFill>
+        <p:spPr bwMode="auto">
+          <a:xfrm>
+            <a:off x="269239" y="1919267"/>
+            <a:ext cx="11725275" cy="4143848"/>
+          </a:xfrm>
+          <a:prstGeom prst="rect">
+            <a:avLst/>
+          </a:prstGeom>
+          <a:noFill/>
+          <a:extLst>
+            <a:ext uri="{909E8E84-426E-40DD-AFC4-6F175D3DCCD1}">
+              <a14:hiddenFill xmlns:a14="http://schemas.microsoft.com/office/drawing/2010/main">
+                <a:solidFill>
+                  <a:srgbClr val="FFFFFF"/>
+                </a:solidFill>
+              </a14:hiddenFill>
+            </a:ext>
+          </a:extLst>
+        </p:spPr>
+      </p:pic>
     </p:spTree>
     <p:extLst>
       <p:ext uri="{BB962C8B-B14F-4D97-AF65-F5344CB8AC3E}">
-        <p14:creationId xmlns:p14="http://schemas.microsoft.com/office/powerpoint/2010/main" val="3126671510"/>
+        <p14:creationId xmlns:p14="http://schemas.microsoft.com/office/powerpoint/2010/main" val="3693200405"/>
       </p:ext>
     </p:extLst>
   </p:cSld>
@@ -43955,14 +44941,14 @@
           <a:p>
             <a:r>
               <a:rPr lang="en-US" dirty="0"/>
-              <a:t>Buddies</a:t>
+              <a:t>Resource Group Logging</a:t>
             </a:r>
           </a:p>
         </p:txBody>
       </p:sp>
       <p:sp>
         <p:nvSpPr>
-          <p:cNvPr id="3" name="Text Placeholder 2"/>
+          <p:cNvPr id="4" name="Text Placeholder 3"/>
           <p:cNvSpPr>
             <a:spLocks noGrp="1"/>
           </p:cNvSpPr>
@@ -43970,19 +44956,757 @@
             <p:ph type="body" sz="quarter" idx="10"/>
           </p:nvPr>
         </p:nvSpPr>
-        <p:spPr/>
+        <p:spPr>
+          <a:xfrm>
+            <a:off x="269239" y="1189177"/>
+            <a:ext cx="11653523" cy="4709944"/>
+          </a:xfrm>
+        </p:spPr>
         <p:txBody>
           <a:bodyPr/>
           <a:lstStyle/>
           <a:p>
-            <a:endParaRPr lang="en-US"/>
+            <a:r>
+              <a:rPr lang="en-US" dirty="0"/>
+              <a:t>PowerShell</a:t>
+            </a:r>
+          </a:p>
+          <a:p>
+            <a:endParaRPr lang="en-US" dirty="0"/>
+          </a:p>
+          <a:p>
+            <a:endParaRPr lang="en-US" dirty="0"/>
+          </a:p>
+          <a:p>
+            <a:endParaRPr lang="en-US" dirty="0"/>
+          </a:p>
+          <a:p>
+            <a:endParaRPr lang="en-US" dirty="0"/>
+          </a:p>
+          <a:p>
+            <a:endParaRPr lang="en-US" dirty="0"/>
+          </a:p>
+          <a:p>
+            <a:r>
+              <a:rPr lang="en-US" dirty="0"/>
+              <a:t>CLI</a:t>
+            </a:r>
           </a:p>
         </p:txBody>
       </p:sp>
+      <p:sp>
+        <p:nvSpPr>
+          <p:cNvPr id="5" name="Rectangle 4"/>
+          <p:cNvSpPr/>
+          <p:nvPr/>
+        </p:nvSpPr>
+        <p:spPr bwMode="auto">
+          <a:xfrm>
+            <a:off x="139581" y="1900274"/>
+            <a:ext cx="11912838" cy="3269931"/>
+          </a:xfrm>
+          <a:prstGeom prst="rect">
+            <a:avLst/>
+          </a:prstGeom>
+          <a:solidFill>
+            <a:schemeClr val="tx2">
+              <a:lumMod val="50000"/>
+            </a:schemeClr>
+          </a:solidFill>
+          <a:ln>
+            <a:noFill/>
+            <a:headEnd type="none" w="med" len="med"/>
+            <a:tailEnd type="none" w="med" len="med"/>
+          </a:ln>
+          <a:effectLst/>
+        </p:spPr>
+        <p:style>
+          <a:lnRef idx="1">
+            <a:schemeClr val="accent2"/>
+          </a:lnRef>
+          <a:fillRef idx="3">
+            <a:schemeClr val="accent2"/>
+          </a:fillRef>
+          <a:effectRef idx="2">
+            <a:schemeClr val="accent2"/>
+          </a:effectRef>
+          <a:fontRef idx="minor">
+            <a:schemeClr val="lt1"/>
+          </a:fontRef>
+        </p:style>
+        <p:txBody>
+          <a:bodyPr rot="0" spcFirstLastPara="0" vertOverflow="overflow" horzOverflow="overflow" vert="horz" wrap="square" lIns="182880" tIns="146304" rIns="182880" bIns="146304" numCol="1" spcCol="0" rtlCol="0" fromWordArt="0" anchor="t" anchorCtr="0" forceAA="0" compatLnSpc="1">
+            <a:prstTxWarp prst="textNoShape">
+              <a:avLst/>
+            </a:prstTxWarp>
+            <a:noAutofit/>
+          </a:bodyPr>
+          <a:lstStyle/>
+          <a:p>
+            <a:r>
+              <a:rPr lang="en-US" sz="1400" dirty="0">
+                <a:latin typeface="Consolas" panose="020B0609020204030204" pitchFamily="49" charset="0"/>
+              </a:rPr>
+              <a:t> </a:t>
+            </a:r>
+            <a:r>
+              <a:rPr lang="en-US" dirty="0">
+                <a:solidFill>
+                  <a:srgbClr val="008000"/>
+                </a:solidFill>
+                <a:latin typeface="Consolas" panose="020B0609020204030204" pitchFamily="49" charset="0"/>
+              </a:rPr>
+              <a:t># Get logs for the resource group in the last 1 hour</a:t>
+            </a:r>
+          </a:p>
+          <a:p>
+            <a:r>
+              <a:rPr lang="en-US" dirty="0">
+                <a:solidFill>
+                  <a:schemeClr val="bg1"/>
+                </a:solidFill>
+                <a:latin typeface="Consolas" panose="020B0609020204030204" pitchFamily="49" charset="0"/>
+              </a:rPr>
+              <a:t>Get-</a:t>
+            </a:r>
+            <a:r>
+              <a:rPr lang="en-US" dirty="0" err="1">
+                <a:solidFill>
+                  <a:schemeClr val="bg1"/>
+                </a:solidFill>
+                <a:latin typeface="Consolas" panose="020B0609020204030204" pitchFamily="49" charset="0"/>
+              </a:rPr>
+              <a:t>AzureRmLog</a:t>
+            </a:r>
+            <a:r>
+              <a:rPr lang="en-US" dirty="0">
+                <a:solidFill>
+                  <a:schemeClr val="bg1"/>
+                </a:solidFill>
+                <a:latin typeface="Consolas" panose="020B0609020204030204" pitchFamily="49" charset="0"/>
+              </a:rPr>
+              <a:t> -</a:t>
+            </a:r>
+            <a:r>
+              <a:rPr lang="en-US" dirty="0" err="1">
+                <a:solidFill>
+                  <a:schemeClr val="bg1"/>
+                </a:solidFill>
+                <a:latin typeface="Consolas" panose="020B0609020204030204" pitchFamily="49" charset="0"/>
+              </a:rPr>
+              <a:t>ResourceGroup</a:t>
+            </a:r>
+            <a:r>
+              <a:rPr lang="en-US" dirty="0">
+                <a:solidFill>
+                  <a:schemeClr val="bg1"/>
+                </a:solidFill>
+                <a:latin typeface="Consolas" panose="020B0609020204030204" pitchFamily="49" charset="0"/>
+              </a:rPr>
+              <a:t> $</a:t>
+            </a:r>
+            <a:r>
+              <a:rPr lang="en-US" dirty="0" err="1">
+                <a:solidFill>
+                  <a:schemeClr val="bg1"/>
+                </a:solidFill>
+                <a:latin typeface="Consolas" panose="020B0609020204030204" pitchFamily="49" charset="0"/>
+              </a:rPr>
+              <a:t>resourceGroupName</a:t>
+            </a:r>
+            <a:endParaRPr lang="en-US" dirty="0">
+              <a:solidFill>
+                <a:schemeClr val="bg1"/>
+              </a:solidFill>
+              <a:latin typeface="Consolas" panose="020B0609020204030204" pitchFamily="49" charset="0"/>
+            </a:endParaRPr>
+          </a:p>
+          <a:p>
+            <a:endParaRPr lang="en-US" dirty="0">
+              <a:latin typeface="Consolas" panose="020B0609020204030204" pitchFamily="49" charset="0"/>
+            </a:endParaRPr>
+          </a:p>
+          <a:p>
+            <a:r>
+              <a:rPr lang="en-US" dirty="0">
+                <a:solidFill>
+                  <a:srgbClr val="008000"/>
+                </a:solidFill>
+                <a:latin typeface="Consolas" panose="020B0609020204030204" pitchFamily="49" charset="0"/>
+              </a:rPr>
+              <a:t># Get logs for the resource group since a specific time</a:t>
+            </a:r>
+          </a:p>
+          <a:p>
+            <a:r>
+              <a:rPr lang="en-US" dirty="0">
+                <a:solidFill>
+                  <a:schemeClr val="bg1"/>
+                </a:solidFill>
+                <a:latin typeface="Consolas" panose="020B0609020204030204" pitchFamily="49" charset="0"/>
+              </a:rPr>
+              <a:t>$</a:t>
+            </a:r>
+            <a:r>
+              <a:rPr lang="en-US" dirty="0" err="1">
+                <a:solidFill>
+                  <a:schemeClr val="bg1"/>
+                </a:solidFill>
+                <a:latin typeface="Consolas" panose="020B0609020204030204" pitchFamily="49" charset="0"/>
+              </a:rPr>
+              <a:t>startTime</a:t>
+            </a:r>
+            <a:r>
+              <a:rPr lang="en-US" dirty="0">
+                <a:solidFill>
+                  <a:schemeClr val="bg1"/>
+                </a:solidFill>
+                <a:latin typeface="Consolas" panose="020B0609020204030204" pitchFamily="49" charset="0"/>
+              </a:rPr>
+              <a:t> = (get-date).</a:t>
+            </a:r>
+            <a:r>
+              <a:rPr lang="en-US" dirty="0" err="1">
+                <a:solidFill>
+                  <a:schemeClr val="bg1"/>
+                </a:solidFill>
+                <a:latin typeface="Consolas" panose="020B0609020204030204" pitchFamily="49" charset="0"/>
+              </a:rPr>
+              <a:t>AddHours</a:t>
+            </a:r>
+            <a:r>
+              <a:rPr lang="en-US" dirty="0">
+                <a:solidFill>
+                  <a:schemeClr val="bg1"/>
+                </a:solidFill>
+                <a:latin typeface="Consolas" panose="020B0609020204030204" pitchFamily="49" charset="0"/>
+              </a:rPr>
+              <a:t>(-2).</a:t>
+            </a:r>
+            <a:r>
+              <a:rPr lang="en-US" dirty="0" err="1">
+                <a:solidFill>
+                  <a:schemeClr val="bg1"/>
+                </a:solidFill>
+                <a:latin typeface="Consolas" panose="020B0609020204030204" pitchFamily="49" charset="0"/>
+              </a:rPr>
+              <a:t>ToString</a:t>
+            </a:r>
+            <a:r>
+              <a:rPr lang="en-US" dirty="0">
+                <a:solidFill>
+                  <a:schemeClr val="bg1"/>
+                </a:solidFill>
+                <a:latin typeface="Consolas" panose="020B0609020204030204" pitchFamily="49" charset="0"/>
+              </a:rPr>
+              <a:t>('</a:t>
+            </a:r>
+            <a:r>
+              <a:rPr lang="en-US" dirty="0" err="1">
+                <a:solidFill>
+                  <a:schemeClr val="bg1"/>
+                </a:solidFill>
+                <a:latin typeface="Consolas" panose="020B0609020204030204" pitchFamily="49" charset="0"/>
+              </a:rPr>
+              <a:t>yyyy-MM-ddTHH:mm</a:t>
+            </a:r>
+            <a:r>
+              <a:rPr lang="en-US" dirty="0">
+                <a:solidFill>
+                  <a:schemeClr val="bg1"/>
+                </a:solidFill>
+                <a:latin typeface="Consolas" panose="020B0609020204030204" pitchFamily="49" charset="0"/>
+              </a:rPr>
+              <a:t>')</a:t>
+            </a:r>
+          </a:p>
+          <a:p>
+            <a:r>
+              <a:rPr lang="en-US" dirty="0">
+                <a:solidFill>
+                  <a:schemeClr val="bg1"/>
+                </a:solidFill>
+                <a:latin typeface="Consolas" panose="020B0609020204030204" pitchFamily="49" charset="0"/>
+              </a:rPr>
+              <a:t>Get-</a:t>
+            </a:r>
+            <a:r>
+              <a:rPr lang="en-US" dirty="0" err="1">
+                <a:solidFill>
+                  <a:schemeClr val="bg1"/>
+                </a:solidFill>
+                <a:latin typeface="Consolas" panose="020B0609020204030204" pitchFamily="49" charset="0"/>
+              </a:rPr>
+              <a:t>AzureRmLog</a:t>
+            </a:r>
+            <a:r>
+              <a:rPr lang="en-US" dirty="0">
+                <a:solidFill>
+                  <a:schemeClr val="bg1"/>
+                </a:solidFill>
+                <a:latin typeface="Consolas" panose="020B0609020204030204" pitchFamily="49" charset="0"/>
+              </a:rPr>
+              <a:t> -</a:t>
+            </a:r>
+            <a:r>
+              <a:rPr lang="en-US" dirty="0" err="1">
+                <a:solidFill>
+                  <a:schemeClr val="bg1"/>
+                </a:solidFill>
+                <a:latin typeface="Consolas" panose="020B0609020204030204" pitchFamily="49" charset="0"/>
+              </a:rPr>
+              <a:t>ResourceGroup</a:t>
+            </a:r>
+            <a:r>
+              <a:rPr lang="en-US" dirty="0">
+                <a:solidFill>
+                  <a:schemeClr val="bg1"/>
+                </a:solidFill>
+                <a:latin typeface="Consolas" panose="020B0609020204030204" pitchFamily="49" charset="0"/>
+              </a:rPr>
+              <a:t> $</a:t>
+            </a:r>
+            <a:r>
+              <a:rPr lang="en-US" dirty="0" err="1">
+                <a:solidFill>
+                  <a:schemeClr val="bg1"/>
+                </a:solidFill>
+                <a:latin typeface="Consolas" panose="020B0609020204030204" pitchFamily="49" charset="0"/>
+              </a:rPr>
+              <a:t>resourceGroupName</a:t>
+            </a:r>
+            <a:r>
+              <a:rPr lang="en-US" dirty="0">
+                <a:solidFill>
+                  <a:schemeClr val="bg1"/>
+                </a:solidFill>
+                <a:latin typeface="Consolas" panose="020B0609020204030204" pitchFamily="49" charset="0"/>
+              </a:rPr>
+              <a:t> -</a:t>
+            </a:r>
+            <a:r>
+              <a:rPr lang="en-US" dirty="0" err="1">
+                <a:solidFill>
+                  <a:schemeClr val="bg1"/>
+                </a:solidFill>
+                <a:latin typeface="Consolas" panose="020B0609020204030204" pitchFamily="49" charset="0"/>
+              </a:rPr>
+              <a:t>StartTime</a:t>
+            </a:r>
+            <a:r>
+              <a:rPr lang="en-US" dirty="0">
+                <a:solidFill>
+                  <a:schemeClr val="bg1"/>
+                </a:solidFill>
+                <a:latin typeface="Consolas" panose="020B0609020204030204" pitchFamily="49" charset="0"/>
+              </a:rPr>
+              <a:t> $</a:t>
+            </a:r>
+            <a:r>
+              <a:rPr lang="en-US" dirty="0" err="1">
+                <a:solidFill>
+                  <a:schemeClr val="bg1"/>
+                </a:solidFill>
+                <a:latin typeface="Consolas" panose="020B0609020204030204" pitchFamily="49" charset="0"/>
+              </a:rPr>
+              <a:t>startTime</a:t>
+            </a:r>
+            <a:endParaRPr lang="en-US" dirty="0">
+              <a:solidFill>
+                <a:schemeClr val="bg1"/>
+              </a:solidFill>
+              <a:latin typeface="Consolas" panose="020B0609020204030204" pitchFamily="49" charset="0"/>
+            </a:endParaRPr>
+          </a:p>
+          <a:p>
+            <a:endParaRPr lang="en-US" dirty="0">
+              <a:latin typeface="Consolas" panose="020B0609020204030204" pitchFamily="49" charset="0"/>
+            </a:endParaRPr>
+          </a:p>
+          <a:p>
+            <a:r>
+              <a:rPr lang="en-US" dirty="0">
+                <a:solidFill>
+                  <a:srgbClr val="008000"/>
+                </a:solidFill>
+                <a:latin typeface="Consolas" panose="020B0609020204030204" pitchFamily="49" charset="0"/>
+              </a:rPr>
+              <a:t># Get the logs for a resource provider since a specific time</a:t>
+            </a:r>
+          </a:p>
+          <a:p>
+            <a:r>
+              <a:rPr lang="en-US" dirty="0">
+                <a:solidFill>
+                  <a:schemeClr val="bg1"/>
+                </a:solidFill>
+                <a:latin typeface="Consolas" panose="020B0609020204030204" pitchFamily="49" charset="0"/>
+              </a:rPr>
+              <a:t>$</a:t>
+            </a:r>
+            <a:r>
+              <a:rPr lang="en-US" dirty="0" err="1">
+                <a:solidFill>
+                  <a:schemeClr val="bg1"/>
+                </a:solidFill>
+                <a:latin typeface="Consolas" panose="020B0609020204030204" pitchFamily="49" charset="0"/>
+              </a:rPr>
+              <a:t>startTime</a:t>
+            </a:r>
+            <a:r>
+              <a:rPr lang="en-US" dirty="0">
+                <a:solidFill>
+                  <a:schemeClr val="bg1"/>
+                </a:solidFill>
+                <a:latin typeface="Consolas" panose="020B0609020204030204" pitchFamily="49" charset="0"/>
+              </a:rPr>
+              <a:t> = (get-date).</a:t>
+            </a:r>
+            <a:r>
+              <a:rPr lang="en-US" dirty="0" err="1">
+                <a:solidFill>
+                  <a:schemeClr val="bg1"/>
+                </a:solidFill>
+                <a:latin typeface="Consolas" panose="020B0609020204030204" pitchFamily="49" charset="0"/>
+              </a:rPr>
+              <a:t>AddHours</a:t>
+            </a:r>
+            <a:r>
+              <a:rPr lang="en-US" dirty="0">
+                <a:solidFill>
+                  <a:schemeClr val="bg1"/>
+                </a:solidFill>
+                <a:latin typeface="Consolas" panose="020B0609020204030204" pitchFamily="49" charset="0"/>
+              </a:rPr>
+              <a:t>(-2).</a:t>
+            </a:r>
+            <a:r>
+              <a:rPr lang="en-US" dirty="0" err="1">
+                <a:solidFill>
+                  <a:schemeClr val="bg1"/>
+                </a:solidFill>
+                <a:latin typeface="Consolas" panose="020B0609020204030204" pitchFamily="49" charset="0"/>
+              </a:rPr>
+              <a:t>ToString</a:t>
+            </a:r>
+            <a:r>
+              <a:rPr lang="en-US" dirty="0">
+                <a:solidFill>
+                  <a:schemeClr val="bg1"/>
+                </a:solidFill>
+                <a:latin typeface="Consolas" panose="020B0609020204030204" pitchFamily="49" charset="0"/>
+              </a:rPr>
+              <a:t>('</a:t>
+            </a:r>
+            <a:r>
+              <a:rPr lang="en-US" dirty="0" err="1">
+                <a:solidFill>
+                  <a:schemeClr val="bg1"/>
+                </a:solidFill>
+                <a:latin typeface="Consolas" panose="020B0609020204030204" pitchFamily="49" charset="0"/>
+              </a:rPr>
+              <a:t>yyyy-MM-ddTHH:mm</a:t>
+            </a:r>
+            <a:r>
+              <a:rPr lang="en-US" dirty="0">
+                <a:solidFill>
+                  <a:schemeClr val="bg1"/>
+                </a:solidFill>
+                <a:latin typeface="Consolas" panose="020B0609020204030204" pitchFamily="49" charset="0"/>
+              </a:rPr>
+              <a:t>')</a:t>
+            </a:r>
+          </a:p>
+          <a:p>
+            <a:r>
+              <a:rPr lang="en-US" dirty="0">
+                <a:solidFill>
+                  <a:schemeClr val="bg1"/>
+                </a:solidFill>
+                <a:latin typeface="Consolas" panose="020B0609020204030204" pitchFamily="49" charset="0"/>
+              </a:rPr>
+              <a:t>Get-</a:t>
+            </a:r>
+            <a:r>
+              <a:rPr lang="en-US" dirty="0" err="1">
+                <a:solidFill>
+                  <a:schemeClr val="bg1"/>
+                </a:solidFill>
+                <a:latin typeface="Consolas" panose="020B0609020204030204" pitchFamily="49" charset="0"/>
+              </a:rPr>
+              <a:t>AzureRmLog</a:t>
+            </a:r>
+            <a:r>
+              <a:rPr lang="en-US" dirty="0">
+                <a:solidFill>
+                  <a:schemeClr val="bg1"/>
+                </a:solidFill>
+                <a:latin typeface="Consolas" panose="020B0609020204030204" pitchFamily="49" charset="0"/>
+              </a:rPr>
+              <a:t> -</a:t>
+            </a:r>
+            <a:r>
+              <a:rPr lang="en-US" dirty="0" err="1">
+                <a:solidFill>
+                  <a:schemeClr val="bg1"/>
+                </a:solidFill>
+                <a:latin typeface="Consolas" panose="020B0609020204030204" pitchFamily="49" charset="0"/>
+              </a:rPr>
+              <a:t>ResourceProvider</a:t>
+            </a:r>
+            <a:r>
+              <a:rPr lang="en-US" dirty="0">
+                <a:solidFill>
+                  <a:schemeClr val="bg1"/>
+                </a:solidFill>
+                <a:latin typeface="Consolas" panose="020B0609020204030204" pitchFamily="49" charset="0"/>
+              </a:rPr>
+              <a:t> "</a:t>
+            </a:r>
+            <a:r>
+              <a:rPr lang="en-US" dirty="0" err="1">
+                <a:solidFill>
+                  <a:schemeClr val="bg1"/>
+                </a:solidFill>
+                <a:latin typeface="Consolas" panose="020B0609020204030204" pitchFamily="49" charset="0"/>
+              </a:rPr>
+              <a:t>Microsoft.Compute</a:t>
+            </a:r>
+            <a:r>
+              <a:rPr lang="en-US" dirty="0">
+                <a:solidFill>
+                  <a:schemeClr val="bg1"/>
+                </a:solidFill>
+                <a:latin typeface="Consolas" panose="020B0609020204030204" pitchFamily="49" charset="0"/>
+              </a:rPr>
+              <a:t>" -</a:t>
+            </a:r>
+            <a:r>
+              <a:rPr lang="en-US" dirty="0" err="1">
+                <a:solidFill>
+                  <a:schemeClr val="bg1"/>
+                </a:solidFill>
+                <a:latin typeface="Consolas" panose="020B0609020204030204" pitchFamily="49" charset="0"/>
+              </a:rPr>
+              <a:t>StartTime</a:t>
+            </a:r>
+            <a:r>
+              <a:rPr lang="en-US" dirty="0">
+                <a:solidFill>
+                  <a:schemeClr val="bg1"/>
+                </a:solidFill>
+                <a:latin typeface="Consolas" panose="020B0609020204030204" pitchFamily="49" charset="0"/>
+              </a:rPr>
+              <a:t> $</a:t>
+            </a:r>
+            <a:r>
+              <a:rPr lang="en-US" dirty="0" err="1">
+                <a:solidFill>
+                  <a:schemeClr val="bg1"/>
+                </a:solidFill>
+                <a:latin typeface="Consolas" panose="020B0609020204030204" pitchFamily="49" charset="0"/>
+              </a:rPr>
+              <a:t>startTime</a:t>
+            </a:r>
+            <a:r>
+              <a:rPr lang="en-US" dirty="0">
+                <a:solidFill>
+                  <a:schemeClr val="bg1"/>
+                </a:solidFill>
+                <a:latin typeface="Consolas" panose="020B0609020204030204" pitchFamily="49" charset="0"/>
+              </a:rPr>
+              <a:t> `</a:t>
+            </a:r>
+          </a:p>
+          <a:p>
+            <a:r>
+              <a:rPr lang="en-US" dirty="0">
+                <a:solidFill>
+                  <a:schemeClr val="bg1"/>
+                </a:solidFill>
+                <a:latin typeface="Consolas" panose="020B0609020204030204" pitchFamily="49" charset="0"/>
+              </a:rPr>
+              <a:t>               -Status Failed -</a:t>
+            </a:r>
+            <a:r>
+              <a:rPr lang="en-US" dirty="0" err="1">
+                <a:solidFill>
+                  <a:schemeClr val="bg1"/>
+                </a:solidFill>
+                <a:latin typeface="Consolas" panose="020B0609020204030204" pitchFamily="49" charset="0"/>
+              </a:rPr>
+              <a:t>DetailedOutput</a:t>
+            </a:r>
+            <a:r>
+              <a:rPr lang="en-US" dirty="0">
+                <a:solidFill>
+                  <a:schemeClr val="bg1"/>
+                </a:solidFill>
+                <a:latin typeface="Consolas" panose="020B0609020204030204" pitchFamily="49" charset="0"/>
+              </a:rPr>
+              <a:t> </a:t>
+            </a:r>
+          </a:p>
+        </p:txBody>
+      </p:sp>
+      <p:sp>
+        <p:nvSpPr>
+          <p:cNvPr id="6" name="Rectangle 5"/>
+          <p:cNvSpPr/>
+          <p:nvPr/>
+        </p:nvSpPr>
+        <p:spPr bwMode="auto">
+          <a:xfrm>
+            <a:off x="139581" y="5920507"/>
+            <a:ext cx="11912838" cy="826362"/>
+          </a:xfrm>
+          <a:prstGeom prst="rect">
+            <a:avLst/>
+          </a:prstGeom>
+          <a:solidFill>
+            <a:schemeClr val="tx1">
+              <a:lumMod val="50000"/>
+            </a:schemeClr>
+          </a:solidFill>
+          <a:ln>
+            <a:noFill/>
+            <a:headEnd type="none" w="med" len="med"/>
+            <a:tailEnd type="none" w="med" len="med"/>
+          </a:ln>
+          <a:effectLst/>
+        </p:spPr>
+        <p:style>
+          <a:lnRef idx="1">
+            <a:schemeClr val="accent2"/>
+          </a:lnRef>
+          <a:fillRef idx="3">
+            <a:schemeClr val="accent2"/>
+          </a:fillRef>
+          <a:effectRef idx="2">
+            <a:schemeClr val="accent2"/>
+          </a:effectRef>
+          <a:fontRef idx="minor">
+            <a:schemeClr val="lt1"/>
+          </a:fontRef>
+        </p:style>
+        <p:txBody>
+          <a:bodyPr rot="0" spcFirstLastPara="0" vertOverflow="overflow" horzOverflow="overflow" vert="horz" wrap="square" lIns="182880" tIns="146304" rIns="182880" bIns="146304" numCol="1" spcCol="0" rtlCol="0" fromWordArt="0" anchor="t" anchorCtr="0" forceAA="0" compatLnSpc="1">
+            <a:prstTxWarp prst="textNoShape">
+              <a:avLst/>
+            </a:prstTxWarp>
+            <a:noAutofit/>
+          </a:bodyPr>
+          <a:lstStyle/>
+          <a:p>
+            <a:pPr defTabSz="932472" fontAlgn="base">
+              <a:lnSpc>
+                <a:spcPct val="90000"/>
+              </a:lnSpc>
+              <a:spcBef>
+                <a:spcPct val="0"/>
+              </a:spcBef>
+              <a:spcAft>
+                <a:spcPct val="0"/>
+              </a:spcAft>
+            </a:pPr>
+            <a:r>
+              <a:rPr lang="en-US" sz="2000" dirty="0">
+                <a:gradFill>
+                  <a:gsLst>
+                    <a:gs pos="0">
+                      <a:srgbClr val="FFFFFF"/>
+                    </a:gs>
+                    <a:gs pos="100000">
+                      <a:srgbClr val="FFFFFF"/>
+                    </a:gs>
+                  </a:gsLst>
+                  <a:lin ang="5400000" scaled="0"/>
+                </a:gradFill>
+                <a:latin typeface="Consolas" panose="020B0609020204030204" pitchFamily="49" charset="0"/>
+                <a:ea typeface="Segoe UI" pitchFamily="34" charset="0"/>
+                <a:cs typeface="Segoe UI" pitchFamily="34" charset="0"/>
+              </a:rPr>
+              <a:t>&gt; azure group deployment create --debug-setting </a:t>
+            </a:r>
+            <a:r>
+              <a:rPr lang="en-US" sz="2000" dirty="0" err="1">
+                <a:gradFill>
+                  <a:gsLst>
+                    <a:gs pos="0">
+                      <a:srgbClr val="FFFFFF"/>
+                    </a:gs>
+                    <a:gs pos="100000">
+                      <a:srgbClr val="FFFFFF"/>
+                    </a:gs>
+                  </a:gsLst>
+                  <a:lin ang="5400000" scaled="0"/>
+                </a:gradFill>
+                <a:latin typeface="Consolas" panose="020B0609020204030204" pitchFamily="49" charset="0"/>
+                <a:ea typeface="Segoe UI" pitchFamily="34" charset="0"/>
+                <a:cs typeface="Segoe UI" pitchFamily="34" charset="0"/>
+              </a:rPr>
+              <a:t>RequestContent</a:t>
+            </a:r>
+            <a:endParaRPr lang="en-US" sz="2000" dirty="0">
+              <a:gradFill>
+                <a:gsLst>
+                  <a:gs pos="0">
+                    <a:srgbClr val="FFFFFF"/>
+                  </a:gs>
+                  <a:gs pos="100000">
+                    <a:srgbClr val="FFFFFF"/>
+                  </a:gs>
+                </a:gsLst>
+                <a:lin ang="5400000" scaled="0"/>
+              </a:gradFill>
+              <a:latin typeface="Consolas" panose="020B0609020204030204" pitchFamily="49" charset="0"/>
+              <a:ea typeface="Segoe UI" pitchFamily="34" charset="0"/>
+              <a:cs typeface="Segoe UI" pitchFamily="34" charset="0"/>
+            </a:endParaRPr>
+          </a:p>
+        </p:txBody>
+      </p:sp>
+      <p:cxnSp>
+        <p:nvCxnSpPr>
+          <p:cNvPr id="7" name="Straight Arrow Connector 6"/>
+          <p:cNvCxnSpPr/>
+          <p:nvPr/>
+        </p:nvCxnSpPr>
+        <p:spPr>
+          <a:xfrm flipH="1" flipV="1">
+            <a:off x="5785504" y="5056099"/>
+            <a:ext cx="683662" cy="379026"/>
+          </a:xfrm>
+          <a:prstGeom prst="straightConnector1">
+            <a:avLst/>
+          </a:prstGeom>
+          <a:ln w="57150">
+            <a:solidFill>
+              <a:srgbClr val="FF0000"/>
+            </a:solidFill>
+            <a:headEnd type="none"/>
+            <a:tailEnd type="triangle"/>
+          </a:ln>
+        </p:spPr>
+        <p:style>
+          <a:lnRef idx="1">
+            <a:schemeClr val="accent1"/>
+          </a:lnRef>
+          <a:fillRef idx="0">
+            <a:schemeClr val="accent1"/>
+          </a:fillRef>
+          <a:effectRef idx="0">
+            <a:schemeClr val="accent1"/>
+          </a:effectRef>
+          <a:fontRef idx="minor">
+            <a:schemeClr val="tx1"/>
+          </a:fontRef>
+        </p:style>
+      </p:cxnSp>
     </p:spTree>
     <p:extLst>
       <p:ext uri="{BB962C8B-B14F-4D97-AF65-F5344CB8AC3E}">
-        <p14:creationId xmlns:p14="http://schemas.microsoft.com/office/powerpoint/2010/main" val="2608931751"/>
+        <p14:creationId xmlns:p14="http://schemas.microsoft.com/office/powerpoint/2010/main" val="2325504180"/>
       </p:ext>
     </p:extLst>
   </p:cSld>
@@ -44014,7 +45738,7 @@
       </p:grpSpPr>
       <p:sp>
         <p:nvSpPr>
-          <p:cNvPr id="3" name="Title 2"/>
+          <p:cNvPr id="2" name="Title 1"/>
           <p:cNvSpPr>
             <a:spLocks noGrp="1"/>
           </p:cNvSpPr>
@@ -44029,59 +45753,89 @@
           <a:p>
             <a:r>
               <a:rPr lang="en-US" dirty="0"/>
-              <a:t>Policies</a:t>
+              <a:t>Azure Rest API Explorer</a:t>
             </a:r>
           </a:p>
         </p:txBody>
       </p:sp>
+      <p:pic>
+        <p:nvPicPr>
+          <p:cNvPr id="6146" name="Picture 2" descr="C:\Users\mcollier\AppData\Local\Temp\SNAGHTML79dc4a.PNG"/>
+          <p:cNvPicPr>
+            <a:picLocks noChangeAspect="1" noChangeArrowheads="1"/>
+          </p:cNvPicPr>
+          <p:nvPr/>
+        </p:nvPicPr>
+        <p:blipFill>
+          <a:blip r:embed="rId2">
+            <a:extLst>
+              <a:ext uri="{28A0092B-C50C-407E-A947-70E740481C1C}">
+                <a14:useLocalDpi xmlns:a14="http://schemas.microsoft.com/office/drawing/2010/main" val="0"/>
+              </a:ext>
+            </a:extLst>
+          </a:blip>
+          <a:srcRect/>
+          <a:stretch>
+            <a:fillRect/>
+          </a:stretch>
+        </p:blipFill>
+        <p:spPr bwMode="auto">
+          <a:xfrm>
+            <a:off x="911134" y="1189176"/>
+            <a:ext cx="10369732" cy="5444110"/>
+          </a:xfrm>
+          <a:prstGeom prst="rect">
+            <a:avLst/>
+          </a:prstGeom>
+          <a:noFill/>
+          <a:extLst>
+            <a:ext uri="{909E8E84-426E-40DD-AFC4-6F175D3DCCD1}">
+              <a14:hiddenFill xmlns:a14="http://schemas.microsoft.com/office/drawing/2010/main">
+                <a:solidFill>
+                  <a:srgbClr val="FFFFFF"/>
+                </a:solidFill>
+              </a14:hiddenFill>
+            </a:ext>
+          </a:extLst>
+        </p:spPr>
+      </p:pic>
       <p:sp>
         <p:nvSpPr>
-          <p:cNvPr id="4" name="Text Placeholder 3"/>
-          <p:cNvSpPr>
-            <a:spLocks noGrp="1"/>
-          </p:cNvSpPr>
-          <p:nvPr>
-            <p:ph type="body" sz="quarter" idx="10"/>
-          </p:nvPr>
+          <p:cNvPr id="4" name="TextBox 3"/>
+          <p:cNvSpPr txBox="1"/>
+          <p:nvPr/>
         </p:nvSpPr>
         <p:spPr>
           <a:xfrm>
-            <a:off x="269239" y="1197322"/>
-            <a:ext cx="11653522" cy="2126288"/>
+            <a:off x="7050698" y="3495230"/>
+            <a:ext cx="4230168" cy="627864"/>
           </a:xfrm>
+          <a:prstGeom prst="rect">
+            <a:avLst/>
+          </a:prstGeom>
+          <a:noFill/>
         </p:spPr>
         <p:txBody>
-          <a:bodyPr/>
+          <a:bodyPr wrap="square" lIns="182880" tIns="146304" rIns="182880" bIns="146304" rtlCol="0">
+            <a:spAutoFit/>
+          </a:bodyPr>
           <a:lstStyle/>
           <a:p>
-            <a:pPr lvl="0"/>
-            <a:r>
-              <a:rPr lang="en-US" dirty="0">
+            <a:pPr>
+              <a:lnSpc>
+                <a:spcPct val="90000"/>
+              </a:lnSpc>
+              <a:spcAft>
+                <a:spcPts val="600"/>
+              </a:spcAft>
+            </a:pPr>
+            <a:r>
+              <a:rPr lang="en-US" sz="2400" dirty="0">
                 <a:solidFill>
-                  <a:srgbClr val="C00000"/>
+                  <a:srgbClr val="FF0000"/>
                 </a:solidFill>
-                <a:latin typeface="Segoe UI"/>
               </a:rPr>
-              <a:t>blah</a:t>
-            </a:r>
-          </a:p>
-          <a:p>
-            <a:pPr lvl="1"/>
-            <a:r>
-              <a:rPr lang="en-US" dirty="0" err="1">
-                <a:latin typeface="Segoe UI"/>
-              </a:rPr>
-              <a:t>foobar</a:t>
-            </a:r>
-            <a:endParaRPr lang="en-US" dirty="0"/>
-          </a:p>
-          <a:p>
-            <a:endParaRPr lang="en-US" dirty="0"/>
-          </a:p>
-          <a:p>
-            <a:r>
-              <a:rPr lang="en-US" dirty="0"/>
-              <a:t>code</a:t>
+              <a:t>https://resources.azure.com</a:t>
             </a:r>
           </a:p>
         </p:txBody>
@@ -44089,7 +45843,7 @@
     </p:spTree>
     <p:extLst>
       <p:ext uri="{BB962C8B-B14F-4D97-AF65-F5344CB8AC3E}">
-        <p14:creationId xmlns:p14="http://schemas.microsoft.com/office/powerpoint/2010/main" val="974647289"/>
+        <p14:creationId xmlns:p14="http://schemas.microsoft.com/office/powerpoint/2010/main" val="381352768"/>
       </p:ext>
     </p:extLst>
   </p:cSld>
@@ -44121,7 +45875,7 @@
       </p:grpSpPr>
       <p:sp>
         <p:nvSpPr>
-          <p:cNvPr id="4" name="Title 3"/>
+          <p:cNvPr id="2" name="Title 1"/>
           <p:cNvSpPr>
             <a:spLocks noGrp="1"/>
           </p:cNvSpPr>
@@ -44135,16 +45889,15 @@
           <a:lstStyle/>
           <a:p>
             <a:r>
-              <a:rPr lang="en-US" dirty="0" err="1"/>
-              <a:t>quotoa</a:t>
-            </a:r>
-            <a:endParaRPr lang="en-US" dirty="0"/>
+              <a:rPr lang="en-US" dirty="0"/>
+              <a:t>Locks</a:t>
+            </a:r>
           </a:p>
         </p:txBody>
       </p:sp>
       <p:sp>
         <p:nvSpPr>
-          <p:cNvPr id="5" name="Text Placeholder 4"/>
+          <p:cNvPr id="3" name="Text Placeholder 2"/>
           <p:cNvSpPr>
             <a:spLocks noGrp="1"/>
           </p:cNvSpPr>
@@ -44155,7 +45908,7 @@
         <p:spPr>
           <a:xfrm>
             <a:off x="269239" y="1197322"/>
-            <a:ext cx="11653522" cy="632737"/>
+            <a:ext cx="11653522" cy="2524537"/>
           </a:xfrm>
         </p:spPr>
         <p:txBody>
@@ -44163,21 +45916,48 @@
           <a:lstStyle/>
           <a:p>
             <a:r>
+              <a:rPr lang="en-US" dirty="0">
+                <a:solidFill>
+                  <a:srgbClr val="C00000"/>
+                </a:solidFill>
+                <a:latin typeface="+mn-lt"/>
+              </a:rPr>
+              <a:t>Prevents deletion of a resource or resource group</a:t>
+            </a:r>
+          </a:p>
+          <a:p>
+            <a:pPr lvl="1"/>
+            <a:r>
+              <a:rPr lang="en-US" dirty="0">
+                <a:latin typeface="+mn-lt"/>
+              </a:rPr>
+              <a:t>Associate a resource lock with the resource or resource group</a:t>
+            </a:r>
+          </a:p>
+          <a:p>
+            <a:pPr lvl="1"/>
+            <a:r>
+              <a:rPr lang="en-US" dirty="0">
+                <a:latin typeface="+mn-lt"/>
+              </a:rPr>
+              <a:t>Only the Owner or User Access Administrator roles can create or modify locks</a:t>
+            </a:r>
+          </a:p>
+          <a:p>
+            <a:endParaRPr lang="en-US" dirty="0"/>
+          </a:p>
+          <a:p>
+            <a:r>
               <a:rPr lang="en-US" dirty="0"/>
-              <a:t>Get-</a:t>
-            </a:r>
-            <a:r>
-              <a:rPr lang="en-US"/>
-              <a:t>AzureRmVmUsage</a:t>
-            </a:r>
-            <a:endParaRPr lang="en-US" dirty="0"/>
+              <a:t>code</a:t>
+            </a:r>
           </a:p>
         </p:txBody>
       </p:sp>
     </p:spTree>
     <p:extLst>
       <p:ext uri="{BB962C8B-B14F-4D97-AF65-F5344CB8AC3E}">
-        <p14:creationId xmlns:p14="http://schemas.microsoft.com/office/powerpoint/2010/main" val="1137791830"/>
+        <p14:creationId xmlns:p14="http://schemas.microsoft.com/office/powerpoint/2010/main" val="3126671510"/>
       </p:ext>
     </p:extLst>
   </p:cSld>
@@ -44224,6 +46004,275 @@
           <a:p>
             <a:r>
               <a:rPr lang="en-US" dirty="0"/>
+              <a:t>Buddies</a:t>
+            </a:r>
+          </a:p>
+        </p:txBody>
+      </p:sp>
+      <p:sp>
+        <p:nvSpPr>
+          <p:cNvPr id="3" name="Text Placeholder 2"/>
+          <p:cNvSpPr>
+            <a:spLocks noGrp="1"/>
+          </p:cNvSpPr>
+          <p:nvPr>
+            <p:ph type="body" sz="quarter" idx="10"/>
+          </p:nvPr>
+        </p:nvSpPr>
+        <p:spPr/>
+        <p:txBody>
+          <a:bodyPr/>
+          <a:lstStyle/>
+          <a:p>
+            <a:endParaRPr lang="en-US"/>
+          </a:p>
+        </p:txBody>
+      </p:sp>
+    </p:spTree>
+    <p:extLst>
+      <p:ext uri="{BB962C8B-B14F-4D97-AF65-F5344CB8AC3E}">
+        <p14:creationId xmlns:p14="http://schemas.microsoft.com/office/powerpoint/2010/main" val="2608931751"/>
+      </p:ext>
+    </p:extLst>
+  </p:cSld>
+  <p:clrMapOvr>
+    <a:masterClrMapping/>
+  </p:clrMapOvr>
+  <p:transition>
+    <p:fade/>
+  </p:transition>
+</p:sld>
+</file>
+
+<file path=ppt/slides/slide55.xml><?xml version="1.0" encoding="utf-8"?>
+<p:sld xmlns:a="http://schemas.openxmlformats.org/drawingml/2006/main" xmlns:r="http://schemas.openxmlformats.org/officeDocument/2006/relationships" xmlns:p="http://schemas.openxmlformats.org/presentationml/2006/main" show="0">
+  <p:cSld>
+    <p:spTree>
+      <p:nvGrpSpPr>
+        <p:cNvPr id="1" name=""/>
+        <p:cNvGrpSpPr/>
+        <p:nvPr/>
+      </p:nvGrpSpPr>
+      <p:grpSpPr>
+        <a:xfrm>
+          <a:off x="0" y="0"/>
+          <a:ext cx="0" cy="0"/>
+          <a:chOff x="0" y="0"/>
+          <a:chExt cx="0" cy="0"/>
+        </a:xfrm>
+      </p:grpSpPr>
+      <p:sp>
+        <p:nvSpPr>
+          <p:cNvPr id="3" name="Title 2"/>
+          <p:cNvSpPr>
+            <a:spLocks noGrp="1"/>
+          </p:cNvSpPr>
+          <p:nvPr>
+            <p:ph type="title"/>
+          </p:nvPr>
+        </p:nvSpPr>
+        <p:spPr/>
+        <p:txBody>
+          <a:bodyPr/>
+          <a:lstStyle/>
+          <a:p>
+            <a:r>
+              <a:rPr lang="en-US" dirty="0"/>
+              <a:t>Policies</a:t>
+            </a:r>
+          </a:p>
+        </p:txBody>
+      </p:sp>
+      <p:sp>
+        <p:nvSpPr>
+          <p:cNvPr id="4" name="Text Placeholder 3"/>
+          <p:cNvSpPr>
+            <a:spLocks noGrp="1"/>
+          </p:cNvSpPr>
+          <p:nvPr>
+            <p:ph type="body" sz="quarter" idx="10"/>
+          </p:nvPr>
+        </p:nvSpPr>
+        <p:spPr>
+          <a:xfrm>
+            <a:off x="269239" y="1197322"/>
+            <a:ext cx="11653522" cy="2126288"/>
+          </a:xfrm>
+        </p:spPr>
+        <p:txBody>
+          <a:bodyPr/>
+          <a:lstStyle/>
+          <a:p>
+            <a:pPr lvl="0"/>
+            <a:r>
+              <a:rPr lang="en-US" dirty="0">
+                <a:solidFill>
+                  <a:srgbClr val="C00000"/>
+                </a:solidFill>
+                <a:latin typeface="Segoe UI"/>
+              </a:rPr>
+              <a:t>blah</a:t>
+            </a:r>
+          </a:p>
+          <a:p>
+            <a:pPr lvl="1"/>
+            <a:r>
+              <a:rPr lang="en-US" dirty="0" err="1">
+                <a:latin typeface="Segoe UI"/>
+              </a:rPr>
+              <a:t>foobar</a:t>
+            </a:r>
+            <a:endParaRPr lang="en-US" dirty="0"/>
+          </a:p>
+          <a:p>
+            <a:endParaRPr lang="en-US" dirty="0"/>
+          </a:p>
+          <a:p>
+            <a:r>
+              <a:rPr lang="en-US" dirty="0"/>
+              <a:t>code</a:t>
+            </a:r>
+          </a:p>
+        </p:txBody>
+      </p:sp>
+    </p:spTree>
+    <p:extLst>
+      <p:ext uri="{BB962C8B-B14F-4D97-AF65-F5344CB8AC3E}">
+        <p14:creationId xmlns:p14="http://schemas.microsoft.com/office/powerpoint/2010/main" val="974647289"/>
+      </p:ext>
+    </p:extLst>
+  </p:cSld>
+  <p:clrMapOvr>
+    <a:masterClrMapping/>
+  </p:clrMapOvr>
+  <p:transition>
+    <p:fade/>
+  </p:transition>
+</p:sld>
+</file>
+
+<file path=ppt/slides/slide56.xml><?xml version="1.0" encoding="utf-8"?>
+<p:sld xmlns:a="http://schemas.openxmlformats.org/drawingml/2006/main" xmlns:r="http://schemas.openxmlformats.org/officeDocument/2006/relationships" xmlns:p="http://schemas.openxmlformats.org/presentationml/2006/main" show="0">
+  <p:cSld>
+    <p:spTree>
+      <p:nvGrpSpPr>
+        <p:cNvPr id="1" name=""/>
+        <p:cNvGrpSpPr/>
+        <p:nvPr/>
+      </p:nvGrpSpPr>
+      <p:grpSpPr>
+        <a:xfrm>
+          <a:off x="0" y="0"/>
+          <a:ext cx="0" cy="0"/>
+          <a:chOff x="0" y="0"/>
+          <a:chExt cx="0" cy="0"/>
+        </a:xfrm>
+      </p:grpSpPr>
+      <p:sp>
+        <p:nvSpPr>
+          <p:cNvPr id="4" name="Title 3"/>
+          <p:cNvSpPr>
+            <a:spLocks noGrp="1"/>
+          </p:cNvSpPr>
+          <p:nvPr>
+            <p:ph type="title"/>
+          </p:nvPr>
+        </p:nvSpPr>
+        <p:spPr/>
+        <p:txBody>
+          <a:bodyPr/>
+          <a:lstStyle/>
+          <a:p>
+            <a:r>
+              <a:rPr lang="en-US" dirty="0" err="1"/>
+              <a:t>quotoa</a:t>
+            </a:r>
+            <a:endParaRPr lang="en-US" dirty="0"/>
+          </a:p>
+        </p:txBody>
+      </p:sp>
+      <p:sp>
+        <p:nvSpPr>
+          <p:cNvPr id="5" name="Text Placeholder 4"/>
+          <p:cNvSpPr>
+            <a:spLocks noGrp="1"/>
+          </p:cNvSpPr>
+          <p:nvPr>
+            <p:ph type="body" sz="quarter" idx="10"/>
+          </p:nvPr>
+        </p:nvSpPr>
+        <p:spPr>
+          <a:xfrm>
+            <a:off x="269239" y="1197322"/>
+            <a:ext cx="11653522" cy="632737"/>
+          </a:xfrm>
+        </p:spPr>
+        <p:txBody>
+          <a:bodyPr/>
+          <a:lstStyle/>
+          <a:p>
+            <a:r>
+              <a:rPr lang="en-US" dirty="0"/>
+              <a:t>Get-</a:t>
+            </a:r>
+            <a:r>
+              <a:rPr lang="en-US"/>
+              <a:t>AzureRmVmUsage</a:t>
+            </a:r>
+            <a:endParaRPr lang="en-US" dirty="0"/>
+          </a:p>
+        </p:txBody>
+      </p:sp>
+    </p:spTree>
+    <p:extLst>
+      <p:ext uri="{BB962C8B-B14F-4D97-AF65-F5344CB8AC3E}">
+        <p14:creationId xmlns:p14="http://schemas.microsoft.com/office/powerpoint/2010/main" val="1137791830"/>
+      </p:ext>
+    </p:extLst>
+  </p:cSld>
+  <p:clrMapOvr>
+    <a:masterClrMapping/>
+  </p:clrMapOvr>
+  <p:transition>
+    <p:fade/>
+  </p:transition>
+</p:sld>
+</file>
+
+<file path=ppt/slides/slide57.xml><?xml version="1.0" encoding="utf-8"?>
+<p:sld xmlns:a="http://schemas.openxmlformats.org/drawingml/2006/main" xmlns:r="http://schemas.openxmlformats.org/officeDocument/2006/relationships" xmlns:p="http://schemas.openxmlformats.org/presentationml/2006/main" show="0">
+  <p:cSld>
+    <p:spTree>
+      <p:nvGrpSpPr>
+        <p:cNvPr id="1" name=""/>
+        <p:cNvGrpSpPr/>
+        <p:nvPr/>
+      </p:nvGrpSpPr>
+      <p:grpSpPr>
+        <a:xfrm>
+          <a:off x="0" y="0"/>
+          <a:ext cx="0" cy="0"/>
+          <a:chOff x="0" y="0"/>
+          <a:chExt cx="0" cy="0"/>
+        </a:xfrm>
+      </p:grpSpPr>
+      <p:sp>
+        <p:nvSpPr>
+          <p:cNvPr id="2" name="Title 1"/>
+          <p:cNvSpPr>
+            <a:spLocks noGrp="1"/>
+          </p:cNvSpPr>
+          <p:nvPr>
+            <p:ph type="title"/>
+          </p:nvPr>
+        </p:nvSpPr>
+        <p:spPr/>
+        <p:txBody>
+          <a:bodyPr/>
+          <a:lstStyle/>
+          <a:p>
+            <a:r>
+              <a:rPr lang="en-US" dirty="0"/>
               <a:t>Demo</a:t>
             </a:r>
           </a:p>
@@ -44267,7 +46316,7 @@
 </p:sld>
 </file>
 
-<file path=ppt/slides/slide55.xml><?xml version="1.0" encoding="utf-8"?>
+<file path=ppt/slides/slide58.xml><?xml version="1.0" encoding="utf-8"?>
 <p:sld xmlns:a="http://schemas.openxmlformats.org/drawingml/2006/main" xmlns:r="http://schemas.openxmlformats.org/officeDocument/2006/relationships" xmlns:p="http://schemas.openxmlformats.org/presentationml/2006/main" show="0">
   <p:cSld>
     <p:spTree>
@@ -44560,7 +46609,7 @@
 </p:sld>
 </file>
 
-<file path=ppt/slides/slide56.xml><?xml version="1.0" encoding="utf-8"?>
+<file path=ppt/slides/slide59.xml><?xml version="1.0" encoding="utf-8"?>
 <p:sld xmlns:a="http://schemas.openxmlformats.org/drawingml/2006/main" xmlns:r="http://schemas.openxmlformats.org/officeDocument/2006/relationships" xmlns:p="http://schemas.openxmlformats.org/presentationml/2006/main" show="0">
   <p:cSld>
     <p:spTree>
@@ -44701,7 +46750,127 @@
 </p:sld>
 </file>
 
-<file path=ppt/slides/slide57.xml><?xml version="1.0" encoding="utf-8"?>
+<file path=ppt/slides/slide6.xml><?xml version="1.0" encoding="utf-8"?>
+<p:sld xmlns:a="http://schemas.openxmlformats.org/drawingml/2006/main" xmlns:r="http://schemas.openxmlformats.org/officeDocument/2006/relationships" xmlns:p="http://schemas.openxmlformats.org/presentationml/2006/main">
+  <p:cSld>
+    <p:spTree>
+      <p:nvGrpSpPr>
+        <p:cNvPr id="1" name=""/>
+        <p:cNvGrpSpPr/>
+        <p:nvPr/>
+      </p:nvGrpSpPr>
+      <p:grpSpPr>
+        <a:xfrm>
+          <a:off x="0" y="0"/>
+          <a:ext cx="0" cy="0"/>
+          <a:chOff x="0" y="0"/>
+          <a:chExt cx="0" cy="0"/>
+        </a:xfrm>
+      </p:grpSpPr>
+      <p:sp>
+        <p:nvSpPr>
+          <p:cNvPr id="4" name="Title 3"/>
+          <p:cNvSpPr>
+            <a:spLocks noGrp="1"/>
+          </p:cNvSpPr>
+          <p:nvPr>
+            <p:ph type="title"/>
+          </p:nvPr>
+        </p:nvSpPr>
+        <p:spPr/>
+        <p:txBody>
+          <a:bodyPr/>
+          <a:lstStyle/>
+          <a:p>
+            <a:r>
+              <a:rPr lang="en-US" dirty="0"/>
+              <a:t>Azure Resource Manager</a:t>
+            </a:r>
+          </a:p>
+        </p:txBody>
+      </p:sp>
+      <p:sp>
+        <p:nvSpPr>
+          <p:cNvPr id="5" name="TextBox 4"/>
+          <p:cNvSpPr txBox="1"/>
+          <p:nvPr/>
+        </p:nvSpPr>
+        <p:spPr>
+          <a:xfrm>
+            <a:off x="269239" y="3242965"/>
+            <a:ext cx="6776192" cy="738664"/>
+          </a:xfrm>
+          <a:prstGeom prst="rect">
+            <a:avLst/>
+          </a:prstGeom>
+          <a:noFill/>
+        </p:spPr>
+        <p:txBody>
+          <a:bodyPr wrap="square" lIns="182880" tIns="146304" rIns="182880" bIns="146304" rtlCol="0">
+            <a:spAutoFit/>
+          </a:bodyPr>
+          <a:lstStyle/>
+          <a:p>
+            <a:pPr>
+              <a:lnSpc>
+                <a:spcPct val="90000"/>
+              </a:lnSpc>
+              <a:spcAft>
+                <a:spcPts val="600"/>
+              </a:spcAft>
+            </a:pPr>
+            <a:r>
+              <a:rPr lang="en-US" sz="3200" i="1" dirty="0">
+                <a:solidFill>
+                  <a:schemeClr val="accent4"/>
+                </a:solidFill>
+              </a:rPr>
+              <a:t>In 5 minutes or less . . . hopefully</a:t>
+            </a:r>
+          </a:p>
+        </p:txBody>
+      </p:sp>
+      <p:pic>
+        <p:nvPicPr>
+          <p:cNvPr id="6" name="Picture 5"/>
+          <p:cNvPicPr>
+            <a:picLocks noChangeAspect="1"/>
+          </p:cNvPicPr>
+          <p:nvPr/>
+        </p:nvPicPr>
+        <p:blipFill>
+          <a:blip r:embed="rId2"/>
+          <a:stretch>
+            <a:fillRect/>
+          </a:stretch>
+        </p:blipFill>
+        <p:spPr>
+          <a:xfrm rot="1198599">
+            <a:off x="8557350" y="-753642"/>
+            <a:ext cx="3806045" cy="3806045"/>
+          </a:xfrm>
+          <a:prstGeom prst="rect">
+            <a:avLst/>
+          </a:prstGeom>
+        </p:spPr>
+      </p:pic>
+    </p:spTree>
+    <p:extLst>
+      <p:ext uri="{BB962C8B-B14F-4D97-AF65-F5344CB8AC3E}">
+        <p14:creationId xmlns:p14="http://schemas.microsoft.com/office/powerpoint/2010/main" val="301710639"/>
+      </p:ext>
+    </p:extLst>
+  </p:cSld>
+  <p:clrMapOvr>
+    <a:masterClrMapping/>
+  </p:clrMapOvr>
+  <p:transition>
+    <p:fade/>
+  </p:transition>
+</p:sld>
+</file>
+
+<file path=ppt/slides/slide60.xml><?xml version="1.0" encoding="utf-8"?>
 <p:sld xmlns:a="http://schemas.openxmlformats.org/drawingml/2006/main" xmlns:r="http://schemas.openxmlformats.org/officeDocument/2006/relationships" xmlns:p="http://schemas.openxmlformats.org/presentationml/2006/main" show="0">
   <p:cSld>
     <p:spTree>
@@ -45194,7 +47363,7 @@
 </p:sld>
 </file>
 
-<file path=ppt/slides/slide58.xml><?xml version="1.0" encoding="utf-8"?>
+<file path=ppt/slides/slide61.xml><?xml version="1.0" encoding="utf-8"?>
 <p:sld xmlns:a="http://schemas.openxmlformats.org/drawingml/2006/main" xmlns:r="http://schemas.openxmlformats.org/officeDocument/2006/relationships" xmlns:p="http://schemas.openxmlformats.org/presentationml/2006/main" show="0">
   <p:cSld>
     <p:spTree>
@@ -46179,7 +48348,7 @@
 </p:sld>
 </file>
 
-<file path=ppt/slides/slide59.xml><?xml version="1.0" encoding="utf-8"?>
+<file path=ppt/slides/slide62.xml><?xml version="1.0" encoding="utf-8"?>
 <p:sld xmlns:a="http://schemas.openxmlformats.org/drawingml/2006/main" xmlns:r="http://schemas.openxmlformats.org/officeDocument/2006/relationships" xmlns:p="http://schemas.openxmlformats.org/presentationml/2006/main" show="0">
   <p:cSld>
     <p:spTree>
@@ -47233,127 +49402,7 @@
 </p:sld>
 </file>
 
-<file path=ppt/slides/slide6.xml><?xml version="1.0" encoding="utf-8"?>
-<p:sld xmlns:a="http://schemas.openxmlformats.org/drawingml/2006/main" xmlns:r="http://schemas.openxmlformats.org/officeDocument/2006/relationships" xmlns:p="http://schemas.openxmlformats.org/presentationml/2006/main">
-  <p:cSld>
-    <p:spTree>
-      <p:nvGrpSpPr>
-        <p:cNvPr id="1" name=""/>
-        <p:cNvGrpSpPr/>
-        <p:nvPr/>
-      </p:nvGrpSpPr>
-      <p:grpSpPr>
-        <a:xfrm>
-          <a:off x="0" y="0"/>
-          <a:ext cx="0" cy="0"/>
-          <a:chOff x="0" y="0"/>
-          <a:chExt cx="0" cy="0"/>
-        </a:xfrm>
-      </p:grpSpPr>
-      <p:sp>
-        <p:nvSpPr>
-          <p:cNvPr id="4" name="Title 3"/>
-          <p:cNvSpPr>
-            <a:spLocks noGrp="1"/>
-          </p:cNvSpPr>
-          <p:nvPr>
-            <p:ph type="title"/>
-          </p:nvPr>
-        </p:nvSpPr>
-        <p:spPr/>
-        <p:txBody>
-          <a:bodyPr/>
-          <a:lstStyle/>
-          <a:p>
-            <a:r>
-              <a:rPr lang="en-US" dirty="0"/>
-              <a:t>Azure Resource Manager</a:t>
-            </a:r>
-          </a:p>
-        </p:txBody>
-      </p:sp>
-      <p:sp>
-        <p:nvSpPr>
-          <p:cNvPr id="5" name="TextBox 4"/>
-          <p:cNvSpPr txBox="1"/>
-          <p:nvPr/>
-        </p:nvSpPr>
-        <p:spPr>
-          <a:xfrm>
-            <a:off x="269239" y="3242965"/>
-            <a:ext cx="6776192" cy="738664"/>
-          </a:xfrm>
-          <a:prstGeom prst="rect">
-            <a:avLst/>
-          </a:prstGeom>
-          <a:noFill/>
-        </p:spPr>
-        <p:txBody>
-          <a:bodyPr wrap="square" lIns="182880" tIns="146304" rIns="182880" bIns="146304" rtlCol="0">
-            <a:spAutoFit/>
-          </a:bodyPr>
-          <a:lstStyle/>
-          <a:p>
-            <a:pPr>
-              <a:lnSpc>
-                <a:spcPct val="90000"/>
-              </a:lnSpc>
-              <a:spcAft>
-                <a:spcPts val="600"/>
-              </a:spcAft>
-            </a:pPr>
-            <a:r>
-              <a:rPr lang="en-US" sz="3200" i="1" dirty="0">
-                <a:solidFill>
-                  <a:schemeClr val="accent4"/>
-                </a:solidFill>
-              </a:rPr>
-              <a:t>In 5 minutes or less . . . hopefully</a:t>
-            </a:r>
-          </a:p>
-        </p:txBody>
-      </p:sp>
-      <p:pic>
-        <p:nvPicPr>
-          <p:cNvPr id="6" name="Picture 5"/>
-          <p:cNvPicPr>
-            <a:picLocks noChangeAspect="1"/>
-          </p:cNvPicPr>
-          <p:nvPr/>
-        </p:nvPicPr>
-        <p:blipFill>
-          <a:blip r:embed="rId2"/>
-          <a:stretch>
-            <a:fillRect/>
-          </a:stretch>
-        </p:blipFill>
-        <p:spPr>
-          <a:xfrm rot="1198599">
-            <a:off x="8557350" y="-753642"/>
-            <a:ext cx="3806045" cy="3806045"/>
-          </a:xfrm>
-          <a:prstGeom prst="rect">
-            <a:avLst/>
-          </a:prstGeom>
-        </p:spPr>
-      </p:pic>
-    </p:spTree>
-    <p:extLst>
-      <p:ext uri="{BB962C8B-B14F-4D97-AF65-F5344CB8AC3E}">
-        <p14:creationId xmlns:p14="http://schemas.microsoft.com/office/powerpoint/2010/main" val="301710639"/>
-      </p:ext>
-    </p:extLst>
-  </p:cSld>
-  <p:clrMapOvr>
-    <a:masterClrMapping/>
-  </p:clrMapOvr>
-  <p:transition>
-    <p:fade/>
-  </p:transition>
-</p:sld>
-</file>
-
-<file path=ppt/slides/slide60.xml><?xml version="1.0" encoding="utf-8"?>
+<file path=ppt/slides/slide63.xml><?xml version="1.0" encoding="utf-8"?>
 <p:sld xmlns:a="http://schemas.openxmlformats.org/drawingml/2006/main" xmlns:r="http://schemas.openxmlformats.org/officeDocument/2006/relationships" xmlns:p="http://schemas.openxmlformats.org/presentationml/2006/main" show="0">
   <p:cSld>
     <p:spTree>
@@ -47488,7 +49537,7 @@
 </p:sld>
 </file>
 
-<file path=ppt/slides/slide61.xml><?xml version="1.0" encoding="utf-8"?>
+<file path=ppt/slides/slide64.xml><?xml version="1.0" encoding="utf-8"?>
 <p:sld xmlns:a="http://schemas.openxmlformats.org/drawingml/2006/main" xmlns:r="http://schemas.openxmlformats.org/officeDocument/2006/relationships" xmlns:p="http://schemas.openxmlformats.org/presentationml/2006/main" show="0">
   <p:cSld>
     <p:spTree>
@@ -48213,7 +50262,7 @@
 </p:sld>
 </file>
 
-<file path=ppt/slides/slide62.xml><?xml version="1.0" encoding="utf-8"?>
+<file path=ppt/slides/slide65.xml><?xml version="1.0" encoding="utf-8"?>
 <p:sld xmlns:a="http://schemas.openxmlformats.org/drawingml/2006/main" xmlns:r="http://schemas.openxmlformats.org/officeDocument/2006/relationships" xmlns:p="http://schemas.openxmlformats.org/presentationml/2006/main" show="0">
   <p:cSld>
     <p:spTree>
@@ -48922,7 +50971,7 @@
         <p:spPr>
           <a:xfrm>
             <a:off x="5477184" y="3078066"/>
-            <a:ext cx="6903624" cy="2570708"/>
+            <a:ext cx="6905338" cy="2896525"/>
           </a:xfrm>
           <a:prstGeom prst="rect">
             <a:avLst/>
@@ -48971,11 +51020,14 @@
               <a:buChar char="•"/>
             </a:pPr>
             <a:r>
-              <a:rPr lang="en-US" sz="2353" dirty="0">
+              <a:rPr lang="en-US" sz="2353" dirty="0" err="1">
                 <a:latin typeface="+mj-lt"/>
               </a:rPr>
-              <a:t>Identity</a:t>
-            </a:r>
+              <a:t>RBAC</a:t>
+            </a:r>
+            <a:endParaRPr lang="en-US" sz="2353" dirty="0">
+              <a:latin typeface="+mj-lt"/>
+            </a:endParaRPr>
           </a:p>
           <a:p>
             <a:pPr marL="336145" indent="-336145">
@@ -48989,8 +51041,20 @@
               <a:rPr lang="en-US" sz="2353" dirty="0">
                 <a:latin typeface="+mj-lt"/>
               </a:rPr>
-              <a:t>Grouping</a:t>
-            </a:r>
+              <a:t>Costs</a:t>
+            </a:r>
+          </a:p>
+          <a:p>
+            <a:pPr marL="336145" indent="-336145">
+              <a:lnSpc>
+                <a:spcPct val="90000"/>
+              </a:lnSpc>
+              <a:buFont typeface="Arial" panose="020B0604020202020204" pitchFamily="34" charset="0"/>
+              <a:buChar char="•"/>
+            </a:pPr>
+            <a:endParaRPr lang="en-US" sz="2353" dirty="0">
+              <a:latin typeface="+mj-lt"/>
+            </a:endParaRPr>
           </a:p>
           <a:p>
             <a:pPr marL="336145" indent="-336145">
@@ -49054,86 +51118,7 @@
       </p:grpSpPr>
       <p:sp>
         <p:nvSpPr>
-          <p:cNvPr id="14" name="Rectangle 13"/>
-          <p:cNvSpPr/>
-          <p:nvPr/>
-        </p:nvSpPr>
-        <p:spPr bwMode="auto">
-          <a:xfrm>
-            <a:off x="7601762" y="4773620"/>
-            <a:ext cx="1809396" cy="1434265"/>
-          </a:xfrm>
-          <a:prstGeom prst="rect">
-            <a:avLst/>
-          </a:prstGeom>
-          <a:solidFill>
-            <a:srgbClr val="C00000"/>
-          </a:solidFill>
-          <a:ln>
-            <a:noFill/>
-            <a:headEnd type="none" w="med" len="med"/>
-            <a:tailEnd type="none" w="med" len="med"/>
-          </a:ln>
-          <a:effectLst/>
-        </p:spPr>
-        <p:style>
-          <a:lnRef idx="1">
-            <a:schemeClr val="accent2"/>
-          </a:lnRef>
-          <a:fillRef idx="3">
-            <a:schemeClr val="accent2"/>
-          </a:fillRef>
-          <a:effectRef idx="2">
-            <a:schemeClr val="accent2"/>
-          </a:effectRef>
-          <a:fontRef idx="minor">
-            <a:schemeClr val="lt1"/>
-          </a:fontRef>
-        </p:style>
-        <p:txBody>
-          <a:bodyPr rot="0" spcFirstLastPara="0" vertOverflow="overflow" horzOverflow="overflow" vert="horz" wrap="square" lIns="179285" tIns="143428" rIns="179285" bIns="0" numCol="1" spcCol="0" rtlCol="0" fromWordArt="0" anchor="b" anchorCtr="0" forceAA="0" compatLnSpc="1">
-            <a:prstTxWarp prst="textNoShape">
-              <a:avLst/>
-            </a:prstTxWarp>
-            <a:noAutofit/>
-          </a:bodyPr>
-          <a:lstStyle/>
-          <a:p>
-            <a:pPr algn="ctr" defTabSz="914102" fontAlgn="base">
-              <a:lnSpc>
-                <a:spcPct val="90000"/>
-              </a:lnSpc>
-              <a:spcBef>
-                <a:spcPct val="0"/>
-              </a:spcBef>
-              <a:spcAft>
-                <a:spcPct val="0"/>
-              </a:spcAft>
-            </a:pPr>
-            <a:r>
-              <a:rPr lang="en-US" sz="1765" dirty="0">
-                <a:gradFill>
-                  <a:gsLst>
-                    <a:gs pos="0">
-                      <a:srgbClr val="FFFFFF"/>
-                    </a:gs>
-                    <a:gs pos="100000">
-                      <a:srgbClr val="FFFFFF"/>
-                    </a:gs>
-                  </a:gsLst>
-                  <a:lin ang="5400000" scaled="0"/>
-                </a:gradFill>
-                <a:ea typeface="Segoe UI" pitchFamily="34" charset="0"/>
-                <a:cs typeface="Segoe UI" pitchFamily="34" charset="0"/>
-              </a:rPr>
-              <a:t>Cache</a:t>
-            </a:r>
-          </a:p>
-        </p:txBody>
-      </p:sp>
-      <p:sp>
-        <p:nvSpPr>
-          <p:cNvPr id="2" name="Title 1"/>
+          <p:cNvPr id="4" name="Title 3"/>
           <p:cNvSpPr>
             <a:spLocks noGrp="1"/>
           </p:cNvSpPr>
@@ -49148,7 +51133,7 @@
           <a:p>
             <a:r>
               <a:rPr lang="en-US"/>
-              <a:t>Consistent Management Layer</a:t>
+              <a:t>ARM Definitions</a:t>
             </a:r>
             <a:endParaRPr lang="en-US" dirty="0"/>
           </a:p>
@@ -49156,825 +51141,113 @@
       </p:sp>
       <p:sp>
         <p:nvSpPr>
-          <p:cNvPr id="4" name="Rectangle 3"/>
-          <p:cNvSpPr/>
-          <p:nvPr/>
-        </p:nvSpPr>
-        <p:spPr bwMode="auto">
-          <a:xfrm>
-            <a:off x="1613925" y="2174019"/>
-            <a:ext cx="9795893" cy="1882472"/>
-          </a:xfrm>
-          <a:prstGeom prst="rect">
-            <a:avLst/>
-          </a:prstGeom>
-          <a:solidFill>
-            <a:schemeClr val="accent1"/>
-          </a:solidFill>
-          <a:ln>
-            <a:noFill/>
-            <a:headEnd type="none" w="med" len="med"/>
-            <a:tailEnd type="none" w="med" len="med"/>
-          </a:ln>
-          <a:effectLst/>
-        </p:spPr>
-        <p:style>
-          <a:lnRef idx="1">
-            <a:schemeClr val="accent2"/>
-          </a:lnRef>
-          <a:fillRef idx="3">
-            <a:schemeClr val="accent2"/>
-          </a:fillRef>
-          <a:effectRef idx="2">
-            <a:schemeClr val="accent2"/>
-          </a:effectRef>
-          <a:fontRef idx="minor">
-            <a:schemeClr val="lt1"/>
-          </a:fontRef>
-        </p:style>
-        <p:txBody>
-          <a:bodyPr rot="0" spcFirstLastPara="0" vertOverflow="overflow" horzOverflow="overflow" vert="horz" wrap="square" lIns="179285" tIns="143428" rIns="179285" bIns="143428" numCol="1" spcCol="0" rtlCol="0" fromWordArt="0" anchor="t" anchorCtr="0" forceAA="0" compatLnSpc="1">
-            <a:prstTxWarp prst="textNoShape">
-              <a:avLst/>
-            </a:prstTxWarp>
-            <a:noAutofit/>
-          </a:bodyPr>
-          <a:lstStyle/>
-          <a:p>
-            <a:pPr algn="ctr" defTabSz="914102" fontAlgn="base">
-              <a:lnSpc>
-                <a:spcPct val="90000"/>
-              </a:lnSpc>
-              <a:spcBef>
-                <a:spcPct val="0"/>
-              </a:spcBef>
-              <a:spcAft>
-                <a:spcPct val="0"/>
-              </a:spcAft>
-            </a:pPr>
-            <a:r>
-              <a:rPr lang="en-US" sz="2353" b="1" dirty="0">
-                <a:gradFill>
-                  <a:gsLst>
-                    <a:gs pos="0">
-                      <a:srgbClr val="FFFFFF"/>
-                    </a:gs>
-                    <a:gs pos="100000">
-                      <a:srgbClr val="FFFFFF"/>
-                    </a:gs>
-                  </a:gsLst>
-                  <a:lin ang="5400000" scaled="0"/>
-                </a:gradFill>
-                <a:ea typeface="Segoe UI" pitchFamily="34" charset="0"/>
-                <a:cs typeface="Segoe UI" pitchFamily="34" charset="0"/>
-              </a:rPr>
-              <a:t>Azure Resource Manager</a:t>
-            </a:r>
-          </a:p>
-        </p:txBody>
-      </p:sp>
-      <p:sp>
-        <p:nvSpPr>
-          <p:cNvPr id="5" name="Rectangle 4"/>
-          <p:cNvSpPr/>
-          <p:nvPr/>
-        </p:nvSpPr>
-        <p:spPr bwMode="auto">
-          <a:xfrm>
-            <a:off x="1613926" y="4773620"/>
-            <a:ext cx="1809396" cy="1434267"/>
-          </a:xfrm>
-          <a:prstGeom prst="rect">
-            <a:avLst/>
-          </a:prstGeom>
-          <a:solidFill>
-            <a:srgbClr val="C00000"/>
-          </a:solidFill>
-          <a:ln>
-            <a:noFill/>
-            <a:headEnd type="none" w="med" len="med"/>
-            <a:tailEnd type="none" w="med" len="med"/>
-          </a:ln>
-          <a:effectLst/>
-        </p:spPr>
-        <p:style>
-          <a:lnRef idx="1">
-            <a:schemeClr val="accent2"/>
-          </a:lnRef>
-          <a:fillRef idx="3">
-            <a:schemeClr val="accent2"/>
-          </a:fillRef>
-          <a:effectRef idx="2">
-            <a:schemeClr val="accent2"/>
-          </a:effectRef>
-          <a:fontRef idx="minor">
-            <a:schemeClr val="lt1"/>
-          </a:fontRef>
-        </p:style>
-        <p:txBody>
-          <a:bodyPr rot="0" spcFirstLastPara="0" vertOverflow="overflow" horzOverflow="overflow" vert="horz" wrap="square" lIns="179285" tIns="143428" rIns="179285" bIns="0" numCol="1" spcCol="0" rtlCol="0" fromWordArt="0" anchor="b" anchorCtr="0" forceAA="0" compatLnSpc="1">
-            <a:prstTxWarp prst="textNoShape">
-              <a:avLst/>
-            </a:prstTxWarp>
-            <a:noAutofit/>
-          </a:bodyPr>
-          <a:lstStyle/>
-          <a:p>
-            <a:pPr algn="ctr" defTabSz="914102" fontAlgn="base">
-              <a:lnSpc>
-                <a:spcPct val="90000"/>
-              </a:lnSpc>
-              <a:spcBef>
-                <a:spcPct val="0"/>
-              </a:spcBef>
-              <a:spcAft>
-                <a:spcPct val="0"/>
-              </a:spcAft>
-            </a:pPr>
-            <a:r>
-              <a:rPr lang="en-US" sz="1765" dirty="0">
-                <a:gradFill>
-                  <a:gsLst>
-                    <a:gs pos="0">
-                      <a:srgbClr val="FFFFFF"/>
-                    </a:gs>
-                    <a:gs pos="100000">
-                      <a:srgbClr val="FFFFFF"/>
-                    </a:gs>
-                  </a:gsLst>
-                  <a:lin ang="5400000" scaled="0"/>
-                </a:gradFill>
-                <a:ea typeface="Segoe UI" pitchFamily="34" charset="0"/>
-                <a:cs typeface="Segoe UI" pitchFamily="34" charset="0"/>
-              </a:rPr>
-              <a:t>Website</a:t>
-            </a:r>
-          </a:p>
-        </p:txBody>
-      </p:sp>
-      <p:sp>
-        <p:nvSpPr>
-          <p:cNvPr id="6" name="Rectangle 5"/>
-          <p:cNvSpPr/>
-          <p:nvPr/>
-        </p:nvSpPr>
-        <p:spPr bwMode="auto">
-          <a:xfrm>
-            <a:off x="3606602" y="4773619"/>
-            <a:ext cx="1809396" cy="1434266"/>
-          </a:xfrm>
-          <a:prstGeom prst="rect">
-            <a:avLst/>
-          </a:prstGeom>
-          <a:solidFill>
-            <a:srgbClr val="C00000"/>
-          </a:solidFill>
-          <a:ln>
-            <a:noFill/>
-            <a:headEnd type="none" w="med" len="med"/>
-            <a:tailEnd type="none" w="med" len="med"/>
-          </a:ln>
-          <a:effectLst/>
-        </p:spPr>
-        <p:style>
-          <a:lnRef idx="1">
-            <a:schemeClr val="accent2"/>
-          </a:lnRef>
-          <a:fillRef idx="3">
-            <a:schemeClr val="accent2"/>
-          </a:fillRef>
-          <a:effectRef idx="2">
-            <a:schemeClr val="accent2"/>
-          </a:effectRef>
-          <a:fontRef idx="minor">
-            <a:schemeClr val="lt1"/>
-          </a:fontRef>
-        </p:style>
-        <p:txBody>
-          <a:bodyPr rot="0" spcFirstLastPara="0" vertOverflow="overflow" horzOverflow="overflow" vert="horz" wrap="square" lIns="179285" tIns="143428" rIns="179285" bIns="0" numCol="1" spcCol="0" rtlCol="0" fromWordArt="0" anchor="b" anchorCtr="0" forceAA="0" compatLnSpc="1">
-            <a:prstTxWarp prst="textNoShape">
-              <a:avLst/>
-            </a:prstTxWarp>
-            <a:noAutofit/>
-          </a:bodyPr>
-          <a:lstStyle/>
-          <a:p>
-            <a:pPr algn="ctr" defTabSz="914102" fontAlgn="base">
-              <a:lnSpc>
-                <a:spcPct val="90000"/>
-              </a:lnSpc>
-              <a:spcBef>
-                <a:spcPct val="0"/>
-              </a:spcBef>
-              <a:spcAft>
-                <a:spcPct val="0"/>
-              </a:spcAft>
-            </a:pPr>
-            <a:r>
-              <a:rPr lang="en-US" sz="1765" dirty="0" err="1">
-                <a:gradFill>
-                  <a:gsLst>
-                    <a:gs pos="0">
-                      <a:srgbClr val="FFFFFF"/>
-                    </a:gs>
-                    <a:gs pos="100000">
-                      <a:srgbClr val="FFFFFF"/>
-                    </a:gs>
-                  </a:gsLst>
-                  <a:lin ang="5400000" scaled="0"/>
-                </a:gradFill>
-                <a:ea typeface="Segoe UI" pitchFamily="34" charset="0"/>
-                <a:cs typeface="Segoe UI" pitchFamily="34" charset="0"/>
-              </a:rPr>
-              <a:t>VM</a:t>
-            </a:r>
-            <a:endParaRPr lang="en-US" sz="1765" dirty="0">
-              <a:gradFill>
-                <a:gsLst>
-                  <a:gs pos="0">
-                    <a:srgbClr val="FFFFFF"/>
-                  </a:gs>
-                  <a:gs pos="100000">
-                    <a:srgbClr val="FFFFFF"/>
-                  </a:gs>
-                </a:gsLst>
-                <a:lin ang="5400000" scaled="0"/>
-              </a:gradFill>
-              <a:ea typeface="Segoe UI" pitchFamily="34" charset="0"/>
-              <a:cs typeface="Segoe UI" pitchFamily="34" charset="0"/>
-            </a:endParaRPr>
-          </a:p>
-        </p:txBody>
-      </p:sp>
-      <p:sp>
-        <p:nvSpPr>
-          <p:cNvPr id="7" name="Rectangle 6"/>
-          <p:cNvSpPr/>
-          <p:nvPr/>
-        </p:nvSpPr>
-        <p:spPr bwMode="auto">
-          <a:xfrm>
-            <a:off x="5603103" y="4773620"/>
-            <a:ext cx="1809396" cy="1434265"/>
-          </a:xfrm>
-          <a:prstGeom prst="rect">
-            <a:avLst/>
-          </a:prstGeom>
-          <a:solidFill>
-            <a:srgbClr val="C00000"/>
-          </a:solidFill>
-          <a:ln>
-            <a:noFill/>
-            <a:headEnd type="none" w="med" len="med"/>
-            <a:tailEnd type="none" w="med" len="med"/>
-          </a:ln>
-          <a:effectLst/>
-        </p:spPr>
-        <p:style>
-          <a:lnRef idx="1">
-            <a:schemeClr val="accent2"/>
-          </a:lnRef>
-          <a:fillRef idx="3">
-            <a:schemeClr val="accent2"/>
-          </a:fillRef>
-          <a:effectRef idx="2">
-            <a:schemeClr val="accent2"/>
-          </a:effectRef>
-          <a:fontRef idx="minor">
-            <a:schemeClr val="lt1"/>
-          </a:fontRef>
-        </p:style>
-        <p:txBody>
-          <a:bodyPr rot="0" spcFirstLastPara="0" vertOverflow="overflow" horzOverflow="overflow" vert="horz" wrap="square" lIns="179285" tIns="143428" rIns="179285" bIns="0" numCol="1" spcCol="0" rtlCol="0" fromWordArt="0" anchor="b" anchorCtr="0" forceAA="0" compatLnSpc="1">
-            <a:prstTxWarp prst="textNoShape">
-              <a:avLst/>
-            </a:prstTxWarp>
-            <a:noAutofit/>
-          </a:bodyPr>
-          <a:lstStyle/>
-          <a:p>
-            <a:pPr algn="ctr" defTabSz="914102" fontAlgn="base">
-              <a:lnSpc>
-                <a:spcPct val="90000"/>
-              </a:lnSpc>
-              <a:spcBef>
-                <a:spcPct val="0"/>
-              </a:spcBef>
-              <a:spcAft>
-                <a:spcPct val="0"/>
-              </a:spcAft>
-            </a:pPr>
-            <a:r>
-              <a:rPr lang="en-US" sz="1765" dirty="0">
-                <a:gradFill>
-                  <a:gsLst>
-                    <a:gs pos="0">
-                      <a:srgbClr val="FFFFFF"/>
-                    </a:gs>
-                    <a:gs pos="100000">
-                      <a:srgbClr val="FFFFFF"/>
-                    </a:gs>
-                  </a:gsLst>
-                  <a:lin ang="5400000" scaled="0"/>
-                </a:gradFill>
-                <a:ea typeface="Segoe UI" pitchFamily="34" charset="0"/>
-                <a:cs typeface="Segoe UI" pitchFamily="34" charset="0"/>
-              </a:rPr>
-              <a:t>SQL DB</a:t>
-            </a:r>
-          </a:p>
-        </p:txBody>
-      </p:sp>
-      <p:sp>
-        <p:nvSpPr>
-          <p:cNvPr id="3" name="TextBox 2"/>
-          <p:cNvSpPr txBox="1"/>
-          <p:nvPr/>
+          <p:cNvPr id="5" name="Text Placeholder 4"/>
+          <p:cNvSpPr>
+            <a:spLocks noGrp="1"/>
+          </p:cNvSpPr>
+          <p:nvPr>
+            <p:ph type="body" sz="quarter" idx="10"/>
+          </p:nvPr>
         </p:nvSpPr>
         <p:spPr>
           <a:xfrm>
-            <a:off x="1" y="5132187"/>
-            <a:ext cx="1882472" cy="941386"/>
+            <a:off x="269239" y="1189177"/>
+            <a:ext cx="11653523" cy="4257512"/>
           </a:xfrm>
-          <a:prstGeom prst="rect">
-            <a:avLst/>
-          </a:prstGeom>
-          <a:noFill/>
         </p:spPr>
         <p:txBody>
-          <a:bodyPr wrap="square" lIns="179285" tIns="143428" rIns="179285" bIns="143428" rtlCol="0">
-            <a:spAutoFit/>
-          </a:bodyPr>
+          <a:bodyPr/>
           <a:lstStyle/>
           <a:p>
-            <a:pPr>
-              <a:lnSpc>
-                <a:spcPct val="90000"/>
-              </a:lnSpc>
-            </a:pPr>
-            <a:r>
-              <a:rPr lang="en-US" sz="2353" dirty="0"/>
+            <a:r>
+              <a:rPr lang="en-US" b="1" dirty="0"/>
+              <a:t>Resource</a:t>
+            </a:r>
+            <a:r>
+              <a:rPr lang="en-US" dirty="0"/>
+              <a:t>: </a:t>
+            </a:r>
+            <a:r>
+              <a:rPr lang="en-US" dirty="0">
+                <a:solidFill>
+                  <a:schemeClr val="accent6"/>
+                </a:solidFill>
+              </a:rPr>
+              <a:t>Atomic unit of deployment</a:t>
+            </a:r>
+          </a:p>
+          <a:p>
+            <a:pPr lvl="1"/>
+            <a:endParaRPr lang="en-US" dirty="0"/>
+          </a:p>
+          <a:p>
+            <a:r>
+              <a:rPr lang="en-US" b="1" dirty="0"/>
+              <a:t>Resource Group</a:t>
+            </a:r>
+            <a:r>
+              <a:rPr lang="en-US" dirty="0"/>
+              <a:t>: </a:t>
+            </a:r>
+            <a:r>
+              <a:rPr lang="en-US" dirty="0">
+                <a:solidFill>
+                  <a:schemeClr val="accent6"/>
+                </a:solidFill>
+              </a:rPr>
+              <a:t>Collection of resources</a:t>
+            </a:r>
+          </a:p>
+          <a:p>
+            <a:pPr lvl="1"/>
+            <a:endParaRPr lang="en-US" dirty="0"/>
+          </a:p>
+          <a:p>
+            <a:r>
+              <a:rPr lang="en-US" b="1" dirty="0"/>
               <a:t>Resource Provider</a:t>
+            </a:r>
+            <a:r>
+              <a:rPr lang="en-US" dirty="0"/>
+              <a:t>: </a:t>
+            </a:r>
+            <a:r>
+              <a:rPr lang="en-US" dirty="0">
+                <a:solidFill>
+                  <a:schemeClr val="accent6"/>
+                </a:solidFill>
+              </a:rPr>
+              <a:t>Manages specific kinds of resources</a:t>
+            </a:r>
+          </a:p>
+          <a:p>
+            <a:pPr lvl="1"/>
+            <a:endParaRPr lang="en-US" dirty="0"/>
+          </a:p>
+          <a:p>
+            <a:r>
+              <a:rPr lang="en-US" b="1" dirty="0"/>
+              <a:t>Resource Type</a:t>
+            </a:r>
+            <a:r>
+              <a:rPr lang="en-US" dirty="0"/>
+              <a:t>: </a:t>
+            </a:r>
+            <a:r>
+              <a:rPr lang="en-US" dirty="0">
+                <a:solidFill>
+                  <a:schemeClr val="accent6"/>
+                </a:solidFill>
+              </a:rPr>
+              <a:t>Specifies the type of resource</a:t>
             </a:r>
           </a:p>
         </p:txBody>
       </p:sp>
-      <p:pic>
-        <p:nvPicPr>
-          <p:cNvPr id="9" name="Picture 8"/>
-          <p:cNvPicPr>
-            <a:picLocks noChangeAspect="1"/>
-          </p:cNvPicPr>
-          <p:nvPr/>
-        </p:nvPicPr>
-        <p:blipFill>
-          <a:blip r:embed="rId3"/>
-          <a:stretch>
-            <a:fillRect/>
-          </a:stretch>
-        </p:blipFill>
-        <p:spPr>
-          <a:xfrm>
-            <a:off x="2070882" y="4939759"/>
-            <a:ext cx="895484" cy="896425"/>
-          </a:xfrm>
-          <a:prstGeom prst="rect">
-            <a:avLst/>
-          </a:prstGeom>
-        </p:spPr>
-      </p:pic>
-      <p:pic>
-        <p:nvPicPr>
-          <p:cNvPr id="12" name="Picture 11"/>
-          <p:cNvPicPr>
-            <a:picLocks noChangeAspect="1"/>
-          </p:cNvPicPr>
-          <p:nvPr/>
-        </p:nvPicPr>
-        <p:blipFill>
-          <a:blip r:embed="rId4"/>
-          <a:stretch>
-            <a:fillRect/>
-          </a:stretch>
-        </p:blipFill>
-        <p:spPr>
-          <a:xfrm>
-            <a:off x="4027251" y="4945067"/>
-            <a:ext cx="968098" cy="896425"/>
-          </a:xfrm>
-          <a:prstGeom prst="rect">
-            <a:avLst/>
-          </a:prstGeom>
-        </p:spPr>
-      </p:pic>
-      <p:pic>
-        <p:nvPicPr>
-          <p:cNvPr id="13" name="Picture 12"/>
-          <p:cNvPicPr>
-            <a:picLocks noChangeAspect="1"/>
-          </p:cNvPicPr>
-          <p:nvPr/>
-        </p:nvPicPr>
-        <p:blipFill>
-          <a:blip r:embed="rId5"/>
-          <a:stretch>
-            <a:fillRect/>
-          </a:stretch>
-        </p:blipFill>
-        <p:spPr>
-          <a:xfrm>
-            <a:off x="6077965" y="4945067"/>
-            <a:ext cx="859672" cy="896425"/>
-          </a:xfrm>
-          <a:prstGeom prst="rect">
-            <a:avLst/>
-          </a:prstGeom>
-        </p:spPr>
-      </p:pic>
-      <p:sp>
-        <p:nvSpPr>
-          <p:cNvPr id="15" name="Rectangle 14"/>
-          <p:cNvSpPr/>
-          <p:nvPr/>
-        </p:nvSpPr>
-        <p:spPr bwMode="auto">
-          <a:xfrm>
-            <a:off x="9600422" y="4773620"/>
-            <a:ext cx="1809396" cy="1434265"/>
-          </a:xfrm>
-          <a:prstGeom prst="rect">
-            <a:avLst/>
-          </a:prstGeom>
-          <a:solidFill>
-            <a:srgbClr val="C00000"/>
-          </a:solidFill>
-          <a:ln>
-            <a:noFill/>
-            <a:headEnd type="none" w="med" len="med"/>
-            <a:tailEnd type="none" w="med" len="med"/>
-          </a:ln>
-          <a:effectLst/>
-        </p:spPr>
-        <p:style>
-          <a:lnRef idx="1">
-            <a:schemeClr val="accent2"/>
-          </a:lnRef>
-          <a:fillRef idx="3">
-            <a:schemeClr val="accent2"/>
-          </a:fillRef>
-          <a:effectRef idx="2">
-            <a:schemeClr val="accent2"/>
-          </a:effectRef>
-          <a:fontRef idx="minor">
-            <a:schemeClr val="lt1"/>
-          </a:fontRef>
-        </p:style>
-        <p:txBody>
-          <a:bodyPr rot="0" spcFirstLastPara="0" vertOverflow="overflow" horzOverflow="overflow" vert="horz" wrap="square" lIns="179285" tIns="143428" rIns="179285" bIns="0" numCol="1" spcCol="0" rtlCol="0" fromWordArt="0" anchor="b" anchorCtr="0" forceAA="0" compatLnSpc="1">
-            <a:prstTxWarp prst="textNoShape">
-              <a:avLst/>
-            </a:prstTxWarp>
-            <a:noAutofit/>
-          </a:bodyPr>
-          <a:lstStyle/>
-          <a:p>
-            <a:pPr algn="ctr" defTabSz="914102" fontAlgn="base">
-              <a:lnSpc>
-                <a:spcPct val="90000"/>
-              </a:lnSpc>
-              <a:spcBef>
-                <a:spcPct val="0"/>
-              </a:spcBef>
-              <a:spcAft>
-                <a:spcPct val="0"/>
-              </a:spcAft>
-            </a:pPr>
-            <a:r>
-              <a:rPr lang="en-US" sz="1765" dirty="0">
-                <a:gradFill>
-                  <a:gsLst>
-                    <a:gs pos="0">
-                      <a:srgbClr val="FFFFFF"/>
-                    </a:gs>
-                    <a:gs pos="100000">
-                      <a:srgbClr val="FFFFFF"/>
-                    </a:gs>
-                  </a:gsLst>
-                  <a:lin ang="5400000" scaled="0"/>
-                </a:gradFill>
-                <a:ea typeface="Segoe UI" pitchFamily="34" charset="0"/>
-                <a:cs typeface="Segoe UI" pitchFamily="34" charset="0"/>
-              </a:rPr>
-              <a:t>…..</a:t>
-            </a:r>
-          </a:p>
-        </p:txBody>
-      </p:sp>
-      <p:sp>
-        <p:nvSpPr>
-          <p:cNvPr id="16" name="Rectangle 15"/>
-          <p:cNvSpPr/>
-          <p:nvPr/>
-        </p:nvSpPr>
-        <p:spPr bwMode="auto">
-          <a:xfrm>
-            <a:off x="1613925" y="4235774"/>
-            <a:ext cx="9795893" cy="358566"/>
-          </a:xfrm>
-          <a:prstGeom prst="rect">
-            <a:avLst/>
-          </a:prstGeom>
-          <a:solidFill>
-            <a:srgbClr val="92D050"/>
-          </a:solidFill>
-          <a:ln>
-            <a:noFill/>
-            <a:headEnd type="none" w="med" len="med"/>
-            <a:tailEnd type="none" w="med" len="med"/>
-          </a:ln>
-          <a:effectLst/>
-        </p:spPr>
-        <p:style>
-          <a:lnRef idx="1">
-            <a:schemeClr val="accent2"/>
-          </a:lnRef>
-          <a:fillRef idx="3">
-            <a:schemeClr val="accent2"/>
-          </a:fillRef>
-          <a:effectRef idx="2">
-            <a:schemeClr val="accent2"/>
-          </a:effectRef>
-          <a:fontRef idx="minor">
-            <a:schemeClr val="lt1"/>
-          </a:fontRef>
-        </p:style>
-        <p:txBody>
-          <a:bodyPr rot="0" spcFirstLastPara="0" vertOverflow="overflow" horzOverflow="overflow" vert="horz" wrap="square" lIns="179285" tIns="143428" rIns="179285" bIns="143428" numCol="1" spcCol="0" rtlCol="0" fromWordArt="0" anchor="ctr" anchorCtr="0" forceAA="0" compatLnSpc="1">
-            <a:prstTxWarp prst="textNoShape">
-              <a:avLst/>
-            </a:prstTxWarp>
-            <a:noAutofit/>
-          </a:bodyPr>
-          <a:lstStyle/>
-          <a:p>
-            <a:pPr algn="ctr" defTabSz="914102" fontAlgn="base">
-              <a:lnSpc>
-                <a:spcPct val="90000"/>
-              </a:lnSpc>
-              <a:spcBef>
-                <a:spcPct val="0"/>
-              </a:spcBef>
-              <a:spcAft>
-                <a:spcPct val="0"/>
-              </a:spcAft>
-            </a:pPr>
-            <a:r>
-              <a:rPr lang="en-US" sz="2353" b="1" dirty="0">
-                <a:gradFill>
-                  <a:gsLst>
-                    <a:gs pos="0">
-                      <a:srgbClr val="FFFFFF"/>
-                    </a:gs>
-                    <a:gs pos="100000">
-                      <a:srgbClr val="FFFFFF"/>
-                    </a:gs>
-                  </a:gsLst>
-                  <a:lin ang="5400000" scaled="0"/>
-                </a:gradFill>
-                <a:ea typeface="Segoe UI" pitchFamily="34" charset="0"/>
-                <a:cs typeface="Segoe UI" pitchFamily="34" charset="0"/>
-              </a:rPr>
-              <a:t>Provider Contract</a:t>
-            </a:r>
-          </a:p>
-        </p:txBody>
-      </p:sp>
-      <p:sp>
-        <p:nvSpPr>
-          <p:cNvPr id="17" name="TextBox 16"/>
-          <p:cNvSpPr txBox="1"/>
-          <p:nvPr/>
-        </p:nvSpPr>
-        <p:spPr>
-          <a:xfrm>
-            <a:off x="1604204" y="3066490"/>
-            <a:ext cx="9805614" cy="832764"/>
-          </a:xfrm>
-          <a:prstGeom prst="rect">
-            <a:avLst/>
-          </a:prstGeom>
-          <a:noFill/>
-        </p:spPr>
-        <p:txBody>
-          <a:bodyPr wrap="square" lIns="179285" tIns="143428" rIns="179285" bIns="143428" rtlCol="0">
-            <a:spAutoFit/>
-          </a:bodyPr>
-          <a:lstStyle/>
-          <a:p>
-            <a:pPr defTabSz="914102" fontAlgn="base">
-              <a:lnSpc>
-                <a:spcPct val="90000"/>
-              </a:lnSpc>
-              <a:spcBef>
-                <a:spcPct val="0"/>
-              </a:spcBef>
-              <a:spcAft>
-                <a:spcPct val="0"/>
-              </a:spcAft>
-            </a:pPr>
-            <a:r>
-              <a:rPr lang="en-US" sz="1961" b="1" dirty="0">
-                <a:solidFill>
-                  <a:srgbClr val="FFFFFF"/>
-                </a:solidFill>
-                <a:latin typeface="Consolas" panose="020B0609020204030204" pitchFamily="49" charset="0"/>
-                <a:ea typeface="Segoe UI" pitchFamily="34" charset="0"/>
-                <a:cs typeface="Consolas" panose="020B0609020204030204" pitchFamily="49" charset="0"/>
-              </a:rPr>
-              <a:t>https://management.azure.com/subscriptions/{{subscriptionId}}/providers?api-version={{apiVersion}}</a:t>
-            </a:r>
-          </a:p>
-        </p:txBody>
-      </p:sp>
-      <p:sp>
-        <p:nvSpPr>
-          <p:cNvPr id="18" name="Rectangle 17"/>
-          <p:cNvSpPr/>
-          <p:nvPr/>
-        </p:nvSpPr>
-        <p:spPr bwMode="auto">
-          <a:xfrm>
-            <a:off x="1604204" y="1456887"/>
-            <a:ext cx="9805614" cy="537849"/>
-          </a:xfrm>
-          <a:prstGeom prst="rect">
-            <a:avLst/>
-          </a:prstGeom>
-          <a:solidFill>
-            <a:schemeClr val="accent6"/>
-          </a:solidFill>
-          <a:ln>
-            <a:noFill/>
-            <a:headEnd type="none" w="med" len="med"/>
-            <a:tailEnd type="none" w="med" len="med"/>
-          </a:ln>
-          <a:effectLst/>
-        </p:spPr>
-        <p:style>
-          <a:lnRef idx="1">
-            <a:schemeClr val="accent2"/>
-          </a:lnRef>
-          <a:fillRef idx="3">
-            <a:schemeClr val="accent2"/>
-          </a:fillRef>
-          <a:effectRef idx="2">
-            <a:schemeClr val="accent2"/>
-          </a:effectRef>
-          <a:fontRef idx="minor">
-            <a:schemeClr val="lt1"/>
-          </a:fontRef>
-        </p:style>
-        <p:txBody>
-          <a:bodyPr rot="0" spcFirstLastPara="0" vertOverflow="overflow" horzOverflow="overflow" vert="horz" wrap="square" lIns="179285" tIns="143428" rIns="179285" bIns="143428" numCol="1" spcCol="0" rtlCol="0" fromWordArt="0" anchor="t" anchorCtr="0" forceAA="0" compatLnSpc="1">
-            <a:prstTxWarp prst="textNoShape">
-              <a:avLst/>
-            </a:prstTxWarp>
-            <a:noAutofit/>
-          </a:bodyPr>
-          <a:lstStyle/>
-          <a:p>
-            <a:pPr algn="ctr" defTabSz="914102" fontAlgn="base">
-              <a:lnSpc>
-                <a:spcPct val="90000"/>
-              </a:lnSpc>
-              <a:spcBef>
-                <a:spcPct val="0"/>
-              </a:spcBef>
-              <a:spcAft>
-                <a:spcPct val="0"/>
-              </a:spcAft>
-            </a:pPr>
-            <a:r>
-              <a:rPr lang="en-US" sz="2353" b="1" dirty="0">
-                <a:gradFill>
-                  <a:gsLst>
-                    <a:gs pos="0">
-                      <a:srgbClr val="FFFFFF"/>
-                    </a:gs>
-                    <a:gs pos="100000">
-                      <a:srgbClr val="FFFFFF"/>
-                    </a:gs>
-                  </a:gsLst>
-                  <a:lin ang="5400000" scaled="0"/>
-                </a:gradFill>
-                <a:ea typeface="Segoe UI" pitchFamily="34" charset="0"/>
-                <a:cs typeface="Segoe UI" pitchFamily="34" charset="0"/>
-              </a:rPr>
-              <a:t>Tools</a:t>
-            </a:r>
-          </a:p>
-        </p:txBody>
-      </p:sp>
-      <p:sp>
-        <p:nvSpPr>
-          <p:cNvPr id="19" name="TextBox 18"/>
-          <p:cNvSpPr txBox="1"/>
-          <p:nvPr/>
-        </p:nvSpPr>
-        <p:spPr>
-          <a:xfrm>
-            <a:off x="10192079" y="5020059"/>
-            <a:ext cx="626082" cy="941386"/>
-          </a:xfrm>
-          <a:prstGeom prst="rect">
-            <a:avLst/>
-          </a:prstGeom>
-          <a:noFill/>
-        </p:spPr>
-        <p:txBody>
-          <a:bodyPr wrap="none" lIns="179285" tIns="143428" rIns="179285" bIns="143428" rtlCol="0">
-            <a:spAutoFit/>
-          </a:bodyPr>
-          <a:lstStyle/>
-          <a:p>
-            <a:pPr>
-              <a:lnSpc>
-                <a:spcPct val="90000"/>
-              </a:lnSpc>
-            </a:pPr>
-            <a:r>
-              <a:rPr lang="en-US" sz="4705" b="1" dirty="0">
-                <a:solidFill>
-                  <a:schemeClr val="bg1"/>
-                </a:solidFill>
-              </a:rPr>
-              <a:t>?</a:t>
-            </a:r>
-          </a:p>
-        </p:txBody>
-      </p:sp>
-      <p:sp>
-        <p:nvSpPr>
-          <p:cNvPr id="20" name="TextBox 19"/>
-          <p:cNvSpPr txBox="1"/>
-          <p:nvPr/>
-        </p:nvSpPr>
-        <p:spPr>
-          <a:xfrm>
-            <a:off x="1" y="2644410"/>
-            <a:ext cx="1882472" cy="615522"/>
-          </a:xfrm>
-          <a:prstGeom prst="rect">
-            <a:avLst/>
-          </a:prstGeom>
-          <a:noFill/>
-        </p:spPr>
-        <p:txBody>
-          <a:bodyPr wrap="square" lIns="179285" tIns="143428" rIns="179285" bIns="143428" rtlCol="0">
-            <a:spAutoFit/>
-          </a:bodyPr>
-          <a:lstStyle/>
-          <a:p>
-            <a:pPr>
-              <a:lnSpc>
-                <a:spcPct val="90000"/>
-              </a:lnSpc>
-            </a:pPr>
-            <a:r>
-              <a:rPr lang="en-US" sz="2353" dirty="0"/>
-              <a:t>REST API</a:t>
-            </a:r>
-          </a:p>
-        </p:txBody>
-      </p:sp>
-      <p:pic>
-        <p:nvPicPr>
-          <p:cNvPr id="8" name="Picture 7"/>
-          <p:cNvPicPr>
-            <a:picLocks noChangeAspect="1"/>
-          </p:cNvPicPr>
-          <p:nvPr/>
-        </p:nvPicPr>
-        <p:blipFill>
-          <a:blip r:embed="rId6"/>
-          <a:stretch>
-            <a:fillRect/>
-          </a:stretch>
-        </p:blipFill>
-        <p:spPr>
-          <a:xfrm>
-            <a:off x="8068113" y="4939759"/>
-            <a:ext cx="815431" cy="896425"/>
-          </a:xfrm>
-          <a:prstGeom prst="rect">
-            <a:avLst/>
-          </a:prstGeom>
-        </p:spPr>
-      </p:pic>
     </p:spTree>
     <p:extLst>
       <p:ext uri="{BB962C8B-B14F-4D97-AF65-F5344CB8AC3E}">
-        <p14:creationId xmlns:p14="http://schemas.microsoft.com/office/powerpoint/2010/main" val="844434340"/>
+        <p14:creationId xmlns:p14="http://schemas.microsoft.com/office/powerpoint/2010/main" val="398937890"/>
       </p:ext>
     </p:extLst>
   </p:cSld>

--- a/Work on Your ARM Strength.pptx
+++ b/Work on Your ARM Strength.pptx
@@ -33581,7 +33581,7 @@
         <p:spPr>
           <a:xfrm>
             <a:off x="7943850" y="5257800"/>
-            <a:ext cx="3898194" cy="960263"/>
+            <a:ext cx="3898194" cy="1369606"/>
           </a:xfrm>
           <a:prstGeom prst="rect">
             <a:avLst/>
@@ -33609,6 +33609,24 @@
                 </a:solidFill>
               </a:rPr>
               <a:t>URLs must be publically accessible (not local files)</a:t>
+            </a:r>
+          </a:p>
+          <a:p>
+            <a:pPr>
+              <a:lnSpc>
+                <a:spcPct val="90000"/>
+              </a:lnSpc>
+              <a:spcAft>
+                <a:spcPts val="600"/>
+              </a:spcAft>
+            </a:pPr>
+            <a:r>
+              <a:rPr lang="en-US" sz="2400" dirty="0">
+                <a:solidFill>
+                  <a:srgbClr val="FF0000"/>
+                </a:solidFill>
+              </a:rPr>
+              <a:t>* SAS Token</a:t>
             </a:r>
           </a:p>
         </p:txBody>
@@ -40938,7 +40956,7 @@
         <p:spPr>
           <a:xfrm>
             <a:off x="4905375" y="5580060"/>
-            <a:ext cx="7286625" cy="627864"/>
+            <a:ext cx="7286625" cy="1037207"/>
           </a:xfrm>
           <a:prstGeom prst="rect">
             <a:avLst/>
@@ -40967,6 +40985,37 @@
               </a:rPr>
               <a:t>URLs must be publically accessible (not local files)</a:t>
             </a:r>
+          </a:p>
+          <a:p>
+            <a:pPr>
+              <a:lnSpc>
+                <a:spcPct val="90000"/>
+              </a:lnSpc>
+              <a:spcAft>
+                <a:spcPts val="600"/>
+              </a:spcAft>
+            </a:pPr>
+            <a:r>
+              <a:rPr lang="en-US" sz="2400">
+                <a:solidFill>
+                  <a:srgbClr val="FF0000"/>
+                </a:solidFill>
+              </a:rPr>
+              <a:t>* </a:t>
+            </a:r>
+            <a:r>
+              <a:rPr lang="en-US" sz="2400">
+                <a:solidFill>
+                  <a:srgbClr val="FF0000"/>
+                </a:solidFill>
+              </a:rPr>
+              <a:t>SAS Token</a:t>
+            </a:r>
+            <a:endParaRPr lang="en-US" sz="2400">
+              <a:solidFill>
+                <a:srgbClr val="FF0000"/>
+              </a:solidFill>
+            </a:endParaRPr>
           </a:p>
         </p:txBody>
       </p:sp>
